--- a/docs/presentations/kubernaut-technical-overview.pptx
+++ b/docs/presentations/kubernaut-technical-overview.pptx
@@ -18,10 +18,8 @@
     <p:sldId id="266" r:id="rId17"/>
     <p:sldId id="267" r:id="rId18"/>
     <p:sldId id="268" r:id="rId19"/>
-    <p:sldId id="269" r:id="rId20"/>
-    <p:sldId id="270" r:id="rId21"/>
   </p:sldIdLst>
-  <p:sldSz cx="12191695" cy="6858000" type="screen4x3"/>
+  <p:sldSz cx="9144000" cy="6858000" type="screen4x3"/>
   <p:notesSz cx="6858000" cy="9144000"/>
   <p:defaultTextStyle>
     <a:defPPr>
@@ -3118,8 +3116,8 @@
         </p:nvSpPr>
         <p:spPr>
           <a:xfrm>
-            <a:off x="731520" y="1371600"/>
-            <a:ext cx="10058400" cy="1097280"/>
+            <a:off x="914400" y="1645920"/>
+            <a:ext cx="7315200" cy="731520"/>
           </a:xfrm>
           <a:prstGeom prst="rect">
             <a:avLst/>
@@ -3127,94 +3125,166 @@
           <a:noFill/>
         </p:spPr>
         <p:txBody>
-          <a:bodyPr wrap="none">
+          <a:bodyPr wrap="square">
             <a:spAutoFit/>
           </a:bodyPr>
           <a:lstStyle/>
           <a:p>
             <a:pPr>
-              <a:defRPr sz="5400" b="1">
-                <a:solidFill>
-                  <a:srgbClr val="1A1A2E"/>
-                </a:solidFill>
+              <a:defRPr sz="4400" b="1">
+                <a:solidFill>
+                  <a:srgbClr val="1B2A4A"/>
+                </a:solidFill>
+                <a:latin typeface="Calibri"/>
               </a:defRPr>
             </a:pPr>
             <a:r>
               <a:t>Kubernaut</a:t>
             </a:r>
           </a:p>
-          <a:p>
-            <a:pPr>
-              <a:spcBef>
-                <a:spcPts val="1200"/>
-              </a:spcBef>
-              <a:defRPr sz="2400">
-                <a:solidFill>
-                  <a:srgbClr val="007ACC"/>
-                </a:solidFill>
-              </a:defRPr>
-            </a:pPr>
-            <a:r>
-              <a:t>Kubernetes-Native Autonomous Remediation Platform</a:t>
-            </a:r>
-          </a:p>
-          <a:p>
-            <a:pPr>
-              <a:spcBef>
-                <a:spcPts val="2400"/>
-              </a:spcBef>
-              <a:defRPr sz="1600">
-                <a:solidFill>
-                  <a:srgbClr val="666666"/>
-                </a:solidFill>
-              </a:defRPr>
-            </a:pPr>
-            <a:r>
-              <a:t>Technical Overview  •  February 2026</a:t>
-            </a:r>
-          </a:p>
-        </p:txBody>
-      </p:sp>
-      <p:sp>
-        <p:nvSpPr>
-          <p:cNvPr id="3" name="Rectangle 2"/>
-          <p:cNvSpPr/>
+        </p:txBody>
+      </p:sp>
+      <p:sp>
+        <p:nvSpPr>
+          <p:cNvPr id="3" name="TextBox 2"/>
+          <p:cNvSpPr txBox="1"/>
           <p:nvPr/>
         </p:nvSpPr>
         <p:spPr>
           <a:xfrm>
-            <a:off x="731520" y="1234440"/>
-            <a:ext cx="1828800" cy="38100"/>
+            <a:off x="914400" y="2377440"/>
+            <a:ext cx="7315200" cy="548640"/>
           </a:xfrm>
           <a:prstGeom prst="rect">
             <a:avLst/>
           </a:prstGeom>
-          <a:solidFill>
-            <a:srgbClr val="007ACC"/>
-          </a:solidFill>
-          <a:ln>
-            <a:noFill/>
-          </a:ln>
+          <a:noFill/>
         </p:spPr>
-        <p:style>
-          <a:lnRef idx="1">
-            <a:schemeClr val="accent1"/>
-          </a:lnRef>
-          <a:fillRef idx="3">
-            <a:schemeClr val="accent1"/>
-          </a:fillRef>
-          <a:effectRef idx="2">
-            <a:schemeClr val="accent1"/>
-          </a:effectRef>
-          <a:fontRef idx="minor">
-            <a:schemeClr val="lt1"/>
-          </a:fontRef>
-        </p:style>
-        <p:txBody>
-          <a:bodyPr rtlCol="0" anchor="ctr"/>
+        <p:txBody>
+          <a:bodyPr wrap="square">
+            <a:spAutoFit/>
+          </a:bodyPr>
           <a:lstStyle/>
           <a:p>
-            <a:pPr algn="ctr"/>
+            <a:pPr>
+              <a:defRPr sz="2800" b="0">
+                <a:solidFill>
+                  <a:srgbClr val="2B579A"/>
+                </a:solidFill>
+                <a:latin typeface="Calibri"/>
+              </a:defRPr>
+            </a:pPr>
+            <a:r>
+              <a:t>Technical Overview</a:t>
+            </a:r>
+          </a:p>
+        </p:txBody>
+      </p:sp>
+      <p:sp>
+        <p:nvSpPr>
+          <p:cNvPr id="4" name="TextBox 3"/>
+          <p:cNvSpPr txBox="1"/>
+          <p:nvPr/>
+        </p:nvSpPr>
+        <p:spPr>
+          <a:xfrm>
+            <a:off x="914400" y="3108960"/>
+            <a:ext cx="7315200" cy="457200"/>
+          </a:xfrm>
+          <a:prstGeom prst="rect">
+            <a:avLst/>
+          </a:prstGeom>
+          <a:noFill/>
+        </p:spPr>
+        <p:txBody>
+          <a:bodyPr wrap="square">
+            <a:spAutoFit/>
+          </a:bodyPr>
+          <a:lstStyle/>
+          <a:p>
+            <a:pPr>
+              <a:defRPr sz="1600" i="1">
+                <a:solidFill>
+                  <a:srgbClr val="333333"/>
+                </a:solidFill>
+                <a:latin typeface="Calibri"/>
+              </a:defRPr>
+            </a:pPr>
+            <a:r>
+              <a:t>Kubernetes-Native Autonomous Remediation Platform</a:t>
+            </a:r>
+          </a:p>
+        </p:txBody>
+      </p:sp>
+      <p:sp>
+        <p:nvSpPr>
+          <p:cNvPr id="5" name="TextBox 4"/>
+          <p:cNvSpPr txBox="1"/>
+          <p:nvPr/>
+        </p:nvSpPr>
+        <p:spPr>
+          <a:xfrm>
+            <a:off x="914400" y="3749039"/>
+            <a:ext cx="7315200" cy="365760"/>
+          </a:xfrm>
+          <a:prstGeom prst="rect">
+            <a:avLst/>
+          </a:prstGeom>
+          <a:noFill/>
+        </p:spPr>
+        <p:txBody>
+          <a:bodyPr wrap="square">
+            <a:spAutoFit/>
+          </a:bodyPr>
+          <a:lstStyle/>
+          <a:p>
+            <a:pPr>
+              <a:defRPr sz="1400" b="1">
+                <a:solidFill>
+                  <a:srgbClr val="333333"/>
+                </a:solidFill>
+                <a:latin typeface="Calibri"/>
+              </a:defRPr>
+            </a:pPr>
+            <a:r>
+              <a:t>Jordi Gil</a:t>
+            </a:r>
+          </a:p>
+        </p:txBody>
+      </p:sp>
+      <p:sp>
+        <p:nvSpPr>
+          <p:cNvPr id="6" name="TextBox 5"/>
+          <p:cNvSpPr txBox="1"/>
+          <p:nvPr/>
+        </p:nvSpPr>
+        <p:spPr>
+          <a:xfrm>
+            <a:off x="914400" y="4206240"/>
+            <a:ext cx="7315200" cy="365760"/>
+          </a:xfrm>
+          <a:prstGeom prst="rect">
+            <a:avLst/>
+          </a:prstGeom>
+          <a:noFill/>
+        </p:spPr>
+        <p:txBody>
+          <a:bodyPr wrap="square">
+            <a:spAutoFit/>
+          </a:bodyPr>
+          <a:lstStyle/>
+          <a:p>
+            <a:pPr>
+              <a:defRPr sz="1200" b="0">
+                <a:solidFill>
+                  <a:srgbClr val="333333"/>
+                </a:solidFill>
+                <a:latin typeface="Calibri"/>
+              </a:defRPr>
+            </a:pPr>
+            <a:r>
+              <a:t>Technical Audience  |  February 2026</a:t>
+            </a:r>
           </a:p>
         </p:txBody>
       </p:sp>
@@ -3252,8 +3322,8 @@
         </p:nvSpPr>
         <p:spPr>
           <a:xfrm>
-            <a:off x="731520" y="365760"/>
-            <a:ext cx="10058400" cy="640080"/>
+            <a:off x="457200" y="274320"/>
+            <a:ext cx="8229600" cy="548640"/>
           </a:xfrm>
           <a:prstGeom prst="rect">
             <a:avLst/>
@@ -3267,86 +3337,29 @@
           <a:lstStyle/>
           <a:p>
             <a:pPr>
-              <a:defRPr sz="3200" b="1">
-                <a:solidFill>
-                  <a:srgbClr val="1A1A2E"/>
-                </a:solidFill>
+              <a:defRPr sz="2800" b="1">
+                <a:solidFill>
+                  <a:srgbClr val="1B2A4A"/>
+                </a:solidFill>
+                <a:latin typeface="Calibri"/>
               </a:defRPr>
             </a:pPr>
             <a:r>
               <a:t>Notification</a:t>
             </a:r>
           </a:p>
-          <a:p>
-            <a:pPr>
-              <a:spcBef>
-                <a:spcPts val="600"/>
-              </a:spcBef>
-              <a:defRPr sz="1600">
-                <a:solidFill>
-                  <a:srgbClr val="666666"/>
-                </a:solidFill>
-              </a:defRPr>
-            </a:pPr>
-            <a:r>
-              <a:t>K8s controller  •  CRD: NotificationRequest</a:t>
-            </a:r>
-          </a:p>
-        </p:txBody>
-      </p:sp>
-      <p:sp>
-        <p:nvSpPr>
-          <p:cNvPr id="3" name="Rectangle 2"/>
-          <p:cNvSpPr/>
+        </p:txBody>
+      </p:sp>
+      <p:sp>
+        <p:nvSpPr>
+          <p:cNvPr id="3" name="TextBox 2"/>
+          <p:cNvSpPr txBox="1"/>
           <p:nvPr/>
         </p:nvSpPr>
         <p:spPr>
           <a:xfrm>
-            <a:off x="731520" y="1005840"/>
-            <a:ext cx="1828800" cy="38100"/>
-          </a:xfrm>
-          <a:prstGeom prst="rect">
-            <a:avLst/>
-          </a:prstGeom>
-          <a:solidFill>
-            <a:srgbClr val="007ACC"/>
-          </a:solidFill>
-          <a:ln>
-            <a:noFill/>
-          </a:ln>
-        </p:spPr>
-        <p:style>
-          <a:lnRef idx="1">
-            <a:schemeClr val="accent1"/>
-          </a:lnRef>
-          <a:fillRef idx="3">
-            <a:schemeClr val="accent1"/>
-          </a:fillRef>
-          <a:effectRef idx="2">
-            <a:schemeClr val="accent1"/>
-          </a:effectRef>
-          <a:fontRef idx="minor">
-            <a:schemeClr val="lt1"/>
-          </a:fontRef>
-        </p:style>
-        <p:txBody>
-          <a:bodyPr rtlCol="0" anchor="ctr"/>
-          <a:lstStyle/>
-          <a:p>
-            <a:pPr algn="ctr"/>
-          </a:p>
-        </p:txBody>
-      </p:sp>
-      <p:sp>
-        <p:nvSpPr>
-          <p:cNvPr id="4" name="TextBox 3"/>
-          <p:cNvSpPr txBox="1"/>
-          <p:nvPr/>
-        </p:nvSpPr>
-        <p:spPr>
-          <a:xfrm>
-            <a:off x="731520" y="1280160"/>
-            <a:ext cx="10515600" cy="5029200"/>
+            <a:off x="457200" y="822960"/>
+            <a:ext cx="8229600" cy="502920"/>
           </a:xfrm>
           <a:prstGeom prst="rect">
             <a:avLst/>
@@ -3360,14 +3373,88 @@
           <a:lstStyle/>
           <a:p>
             <a:pPr>
-              <a:spcBef>
+              <a:defRPr sz="1100" i="1">
+                <a:solidFill>
+                  <a:srgbClr val="333333"/>
+                </a:solidFill>
+                <a:latin typeface="Calibri"/>
+              </a:defRPr>
+            </a:pPr>
+            <a:r>
+              <a:t>Delivers notifications to configured channels with retries, label-based routing, and circuit breakers. Informs operators about remediation outcomes and escalations.</a:t>
+            </a:r>
+          </a:p>
+        </p:txBody>
+      </p:sp>
+      <p:sp>
+        <p:nvSpPr>
+          <p:cNvPr id="4" name="TextBox 3"/>
+          <p:cNvSpPr txBox="1"/>
+          <p:nvPr/>
+        </p:nvSpPr>
+        <p:spPr>
+          <a:xfrm>
+            <a:off x="457200" y="1325880"/>
+            <a:ext cx="8229600" cy="274320"/>
+          </a:xfrm>
+          <a:prstGeom prst="rect">
+            <a:avLst/>
+          </a:prstGeom>
+          <a:noFill/>
+        </p:spPr>
+        <p:txBody>
+          <a:bodyPr wrap="square">
+            <a:spAutoFit/>
+          </a:bodyPr>
+          <a:lstStyle/>
+          <a:p>
+            <a:pPr>
+              <a:defRPr sz="1000" b="1">
+                <a:solidFill>
+                  <a:srgbClr val="2B579A"/>
+                </a:solidFill>
+                <a:latin typeface="Calibri"/>
+              </a:defRPr>
+            </a:pPr>
+            <a:r>
+              <a:t>Architecture: Kubernetes controller  |  CRD: NotificationRequest</a:t>
+            </a:r>
+          </a:p>
+        </p:txBody>
+      </p:sp>
+      <p:sp>
+        <p:nvSpPr>
+          <p:cNvPr id="5" name="TextBox 4"/>
+          <p:cNvSpPr txBox="1"/>
+          <p:nvPr/>
+        </p:nvSpPr>
+        <p:spPr>
+          <a:xfrm>
+            <a:off x="457200" y="1645920"/>
+            <a:ext cx="8229600" cy="4572000"/>
+          </a:xfrm>
+          <a:prstGeom prst="rect">
+            <a:avLst/>
+          </a:prstGeom>
+          <a:noFill/>
+        </p:spPr>
+        <p:txBody>
+          <a:bodyPr wrap="square">
+            <a:spAutoFit/>
+          </a:bodyPr>
+          <a:lstStyle/>
+          <a:p>
+            <a:pPr>
+              <a:spcAft>
                 <a:spcPts val="400"/>
-              </a:spcBef>
-              <a:defRPr sz="1400">
-                <a:solidFill>
-                  <a:srgbClr val="333333"/>
-                </a:solidFill>
-              </a:defRPr>
+              </a:spcAft>
+              <a:defRPr sz="1100">
+                <a:solidFill>
+                  <a:srgbClr val="333333"/>
+                </a:solidFill>
+                <a:latin typeface="Calibri"/>
+              </a:defRPr>
+              <a:buChar char="•"/>
             </a:pPr>
             <a:r>
               <a:t>Phase flow: Pending &gt; Sending &gt; Retrying &gt; Sent / PartiallySent / Failed</a:t>
@@ -3375,44 +3462,50 @@
           </a:p>
           <a:p>
             <a:pPr>
-              <a:spcBef>
+              <a:spcAft>
                 <a:spcPts val="400"/>
-              </a:spcBef>
-              <a:defRPr sz="1400">
-                <a:solidFill>
-                  <a:srgbClr val="333333"/>
-                </a:solidFill>
-              </a:defRPr>
-            </a:pPr>
-            <a:r>
-              <a:t>Delivery channels: Slack (webhook with circuit breaker), Console, File, Log</a:t>
-            </a:r>
-          </a:p>
-          <a:p>
-            <a:pPr>
-              <a:spcBef>
+              </a:spcAft>
+              <a:defRPr sz="1100">
+                <a:solidFill>
+                  <a:srgbClr val="333333"/>
+                </a:solidFill>
+                <a:latin typeface="Calibri"/>
+              </a:defRPr>
+              <a:buChar char="•"/>
+            </a:pPr>
+            <a:r>
+              <a:t>Delivery channels: Slack (webhook + circuit breaker), Console, File, Log</a:t>
+            </a:r>
+          </a:p>
+          <a:p>
+            <a:pPr>
+              <a:spcAft>
                 <a:spcPts val="400"/>
-              </a:spcBef>
-              <a:defRPr sz="1400">
-                <a:solidFill>
-                  <a:srgbClr val="333333"/>
-                </a:solidFill>
-              </a:defRPr>
-            </a:pPr>
-            <a:r>
-              <a:t>Label-based routing: ConfigMap-driven rules with hot-reload (no restart required)</a:t>
-            </a:r>
-          </a:p>
-          <a:p>
-            <a:pPr>
-              <a:spcBef>
+              </a:spcAft>
+              <a:defRPr sz="1100">
+                <a:solidFill>
+                  <a:srgbClr val="333333"/>
+                </a:solidFill>
+                <a:latin typeface="Calibri"/>
+              </a:defRPr>
+              <a:buChar char="•"/>
+            </a:pPr>
+            <a:r>
+              <a:t>Label-based routing: ConfigMap-driven rules with hot-reload (no restart)</a:t>
+            </a:r>
+          </a:p>
+          <a:p>
+            <a:pPr>
+              <a:spcAft>
                 <a:spcPts val="400"/>
-              </a:spcBef>
-              <a:defRPr sz="1400">
-                <a:solidFill>
-                  <a:srgbClr val="333333"/>
-                </a:solidFill>
-              </a:defRPr>
+              </a:spcAft>
+              <a:defRPr sz="1100">
+                <a:solidFill>
+                  <a:srgbClr val="333333"/>
+                </a:solidFill>
+                <a:latin typeface="Calibri"/>
+              </a:defRPr>
+              <a:buChar char="•"/>
             </a:pPr>
             <a:r>
               <a:t>Exponential backoff retries</a:t>
@@ -3420,29 +3513,33 @@
           </a:p>
           <a:p>
             <a:pPr>
-              <a:spcBef>
+              <a:spcAft>
                 <a:spcPts val="400"/>
-              </a:spcBef>
-              <a:defRPr sz="1400">
-                <a:solidFill>
-                  <a:srgbClr val="333333"/>
-                </a:solidFill>
-              </a:defRPr>
-            </a:pPr>
-            <a:r>
-              <a:t>Circuit breaker: prevents cascading failures to external webhooks</a:t>
-            </a:r>
-          </a:p>
-          <a:p>
-            <a:pPr>
-              <a:spcBef>
+              </a:spcAft>
+              <a:defRPr sz="1100">
+                <a:solidFill>
+                  <a:srgbClr val="333333"/>
+                </a:solidFill>
+                <a:latin typeface="Calibri"/>
+              </a:defRPr>
+              <a:buChar char="•"/>
+            </a:pPr>
+            <a:r>
+              <a:t>Circuit breaker prevents cascading failures to external webhooks</a:t>
+            </a:r>
+          </a:p>
+          <a:p>
+            <a:pPr>
+              <a:spcAft>
                 <a:spcPts val="400"/>
-              </a:spcBef>
-              <a:defRPr sz="1400">
-                <a:solidFill>
-                  <a:srgbClr val="333333"/>
-                </a:solidFill>
-              </a:defRPr>
+              </a:spcAft>
+              <a:defRPr sz="1100">
+                <a:solidFill>
+                  <a:srgbClr val="333333"/>
+                </a:solidFill>
+                <a:latin typeface="Calibri"/>
+              </a:defRPr>
+              <a:buChar char="•"/>
             </a:pPr>
             <a:r>
               <a:t>Notification types: approval requests, timeout escalations, completion summaries</a:t>
@@ -3450,14 +3547,16 @@
           </a:p>
           <a:p>
             <a:pPr>
-              <a:spcBef>
+              <a:spcAft>
                 <a:spcPts val="400"/>
-              </a:spcBef>
-              <a:defRPr sz="1400">
-                <a:solidFill>
-                  <a:srgbClr val="333333"/>
-                </a:solidFill>
-              </a:defRPr>
+              </a:spcAft>
+              <a:defRPr sz="1100">
+                <a:solidFill>
+                  <a:srgbClr val="333333"/>
+                </a:solidFill>
+                <a:latin typeface="Calibri"/>
+              </a:defRPr>
+              <a:buChar char="•"/>
             </a:pPr>
             <a:r>
               <a:t>Audit events: message.sent, message.failed</a:t>
@@ -3465,14 +3564,16 @@
           </a:p>
           <a:p>
             <a:pPr>
-              <a:spcBef>
+              <a:spcAft>
                 <a:spcPts val="400"/>
-              </a:spcBef>
-              <a:defRPr sz="1400">
-                <a:solidFill>
-                  <a:srgbClr val="333333"/>
-                </a:solidFill>
-              </a:defRPr>
+              </a:spcAft>
+              <a:defRPr sz="1100">
+                <a:solidFill>
+                  <a:srgbClr val="333333"/>
+                </a:solidFill>
+                <a:latin typeface="Calibri"/>
+              </a:defRPr>
+              <a:buChar char="•"/>
             </a:pPr>
             <a:r>
               <a:t>Atomic status updates per delivery attempt</a:t>
@@ -3514,8 +3615,8 @@
         </p:nvSpPr>
         <p:spPr>
           <a:xfrm>
-            <a:off x="731520" y="365760"/>
-            <a:ext cx="10058400" cy="640080"/>
+            <a:off x="457200" y="274320"/>
+            <a:ext cx="8229600" cy="548640"/>
           </a:xfrm>
           <a:prstGeom prst="rect">
             <a:avLst/>
@@ -3529,86 +3630,29 @@
           <a:lstStyle/>
           <a:p>
             <a:pPr>
-              <a:defRPr sz="3200" b="1">
-                <a:solidFill>
-                  <a:srgbClr val="1A1A2E"/>
-                </a:solidFill>
+              <a:defRPr sz="2800" b="1">
+                <a:solidFill>
+                  <a:srgbClr val="1B2A4A"/>
+                </a:solidFill>
+                <a:latin typeface="Calibri"/>
               </a:defRPr>
             </a:pPr>
             <a:r>
               <a:t>DataStorage</a:t>
             </a:r>
           </a:p>
-          <a:p>
-            <a:pPr>
-              <a:spcBef>
-                <a:spcPts val="600"/>
-              </a:spcBef>
-              <a:defRPr sz="1600">
-                <a:solidFill>
-                  <a:srgbClr val="666666"/>
-                </a:solidFill>
-              </a:defRPr>
-            </a:pPr>
-            <a:r>
-              <a:t>HTTP server (OpenAPI-driven)  •  PostgreSQL backend</a:t>
-            </a:r>
-          </a:p>
-        </p:txBody>
-      </p:sp>
-      <p:sp>
-        <p:nvSpPr>
-          <p:cNvPr id="3" name="Rectangle 2"/>
-          <p:cNvSpPr/>
+        </p:txBody>
+      </p:sp>
+      <p:sp>
+        <p:nvSpPr>
+          <p:cNvPr id="3" name="TextBox 2"/>
+          <p:cNvSpPr txBox="1"/>
           <p:nvPr/>
         </p:nvSpPr>
         <p:spPr>
           <a:xfrm>
-            <a:off x="731520" y="1005840"/>
-            <a:ext cx="1828800" cy="38100"/>
-          </a:xfrm>
-          <a:prstGeom prst="rect">
-            <a:avLst/>
-          </a:prstGeom>
-          <a:solidFill>
-            <a:srgbClr val="007ACC"/>
-          </a:solidFill>
-          <a:ln>
-            <a:noFill/>
-          </a:ln>
-        </p:spPr>
-        <p:style>
-          <a:lnRef idx="1">
-            <a:schemeClr val="accent1"/>
-          </a:lnRef>
-          <a:fillRef idx="3">
-            <a:schemeClr val="accent1"/>
-          </a:fillRef>
-          <a:effectRef idx="2">
-            <a:schemeClr val="accent1"/>
-          </a:effectRef>
-          <a:fontRef idx="minor">
-            <a:schemeClr val="lt1"/>
-          </a:fontRef>
-        </p:style>
-        <p:txBody>
-          <a:bodyPr rtlCol="0" anchor="ctr"/>
-          <a:lstStyle/>
-          <a:p>
-            <a:pPr algn="ctr"/>
-          </a:p>
-        </p:txBody>
-      </p:sp>
-      <p:sp>
-        <p:nvSpPr>
-          <p:cNvPr id="4" name="TextBox 3"/>
-          <p:cNvSpPr txBox="1"/>
-          <p:nvPr/>
-        </p:nvSpPr>
-        <p:spPr>
-          <a:xfrm>
-            <a:off x="731520" y="1280160"/>
-            <a:ext cx="5029200" cy="5029200"/>
+            <a:off x="457200" y="822960"/>
+            <a:ext cx="8229600" cy="502920"/>
           </a:xfrm>
           <a:prstGeom prst="rect">
             <a:avLst/>
@@ -3622,76 +3666,29 @@
           <a:lstStyle/>
           <a:p>
             <a:pPr>
-              <a:spcBef>
-                <a:spcPts val="400"/>
-              </a:spcBef>
-              <a:defRPr sz="1300">
-                <a:solidFill>
-                  <a:srgbClr val="333333"/>
-                </a:solidFill>
-              </a:defRPr>
-            </a:pPr>
-            <a:r>
-              <a:t>Audit events API: batch write, query by correlation ID, hash chain verification (SOC2)</a:t>
-            </a:r>
-          </a:p>
-          <a:p>
-            <a:pPr>
-              <a:spcBef>
-                <a:spcPts val="400"/>
-              </a:spcBef>
-              <a:defRPr sz="1300">
-                <a:solidFill>
-                  <a:srgbClr val="333333"/>
-                </a:solidFill>
-              </a:defRPr>
-            </a:pPr>
-            <a:r>
-              <a:t>Workflow catalog API: CRUD, action-type taxonomy, version lifecycle</a:t>
-            </a:r>
-          </a:p>
-          <a:p>
-            <a:pPr>
-              <a:spcBef>
-                <a:spcPts val="400"/>
-              </a:spcBef>
-              <a:defRPr sz="1300">
-                <a:solidFill>
-                  <a:srgbClr val="333333"/>
-                </a:solidFill>
-              </a:defRPr>
-            </a:pPr>
-            <a:r>
-              <a:t>Workflow discovery API: three-step protocol for LLM-driven selection</a:t>
-            </a:r>
-          </a:p>
-          <a:p>
-            <a:pPr>
-              <a:spcBef>
-                <a:spcPts val="400"/>
-              </a:spcBef>
-              <a:defRPr sz="1300">
-                <a:solidFill>
-                  <a:srgbClr val="333333"/>
-                </a:solidFill>
-              </a:defRPr>
-            </a:pPr>
-            <a:r>
-              <a:t>Remediation history API: two-tier windowing (24h recent + 90d historical)</a:t>
-            </a:r>
-          </a:p>
-        </p:txBody>
-      </p:sp>
-      <p:sp>
-        <p:nvSpPr>
-          <p:cNvPr id="5" name="TextBox 4"/>
+              <a:defRPr sz="1100" i="1">
+                <a:solidFill>
+                  <a:srgbClr val="333333"/>
+                </a:solidFill>
+                <a:latin typeface="Calibri"/>
+              </a:defRPr>
+            </a:pPr>
+            <a:r>
+              <a:t>Centralized HTTP API for audit events, workflow catalog, and remediation history. The only service that talks directly to PostgreSQL. All others use its REST API.</a:t>
+            </a:r>
+          </a:p>
+        </p:txBody>
+      </p:sp>
+      <p:sp>
+        <p:nvSpPr>
+          <p:cNvPr id="4" name="TextBox 3"/>
           <p:cNvSpPr txBox="1"/>
           <p:nvPr/>
         </p:nvSpPr>
         <p:spPr>
           <a:xfrm>
-            <a:off x="6217920" y="1280160"/>
-            <a:ext cx="5303520" cy="5029200"/>
+            <a:off x="457200" y="1325880"/>
+            <a:ext cx="8229600" cy="274320"/>
           </a:xfrm>
           <a:prstGeom prst="rect">
             <a:avLst/>
@@ -3705,59 +3702,171 @@
           <a:lstStyle/>
           <a:p>
             <a:pPr>
-              <a:spcBef>
+              <a:defRPr sz="1000" b="1">
+                <a:solidFill>
+                  <a:srgbClr val="2B579A"/>
+                </a:solidFill>
+                <a:latin typeface="Calibri"/>
+              </a:defRPr>
+            </a:pPr>
+            <a:r>
+              <a:t>Architecture: HTTP server (OpenAPI-driven, ogen-generated)</a:t>
+            </a:r>
+          </a:p>
+        </p:txBody>
+      </p:sp>
+      <p:sp>
+        <p:nvSpPr>
+          <p:cNvPr id="5" name="TextBox 4"/>
+          <p:cNvSpPr txBox="1"/>
+          <p:nvPr/>
+        </p:nvSpPr>
+        <p:spPr>
+          <a:xfrm>
+            <a:off x="457200" y="1645920"/>
+            <a:ext cx="8229600" cy="4572000"/>
+          </a:xfrm>
+          <a:prstGeom prst="rect">
+            <a:avLst/>
+          </a:prstGeom>
+          <a:noFill/>
+        </p:spPr>
+        <p:txBody>
+          <a:bodyPr wrap="square">
+            <a:spAutoFit/>
+          </a:bodyPr>
+          <a:lstStyle/>
+          <a:p>
+            <a:pPr>
+              <a:spcAft>
                 <a:spcPts val="400"/>
-              </a:spcBef>
-              <a:defRPr sz="1300">
-                <a:solidFill>
-                  <a:srgbClr val="333333"/>
-                </a:solidFill>
-              </a:defRPr>
-            </a:pPr>
-            <a:r>
-              <a:t>OpenAPI-first: data-storage-v1.yaml spec with auto-generated Go and Python clients</a:t>
-            </a:r>
-          </a:p>
-          <a:p>
-            <a:pPr>
-              <a:spcBef>
+              </a:spcAft>
+              <a:defRPr sz="1100">
+                <a:solidFill>
+                  <a:srgbClr val="333333"/>
+                </a:solidFill>
+                <a:latin typeface="Calibri"/>
+              </a:defRPr>
+              <a:buChar char="•"/>
+            </a:pPr>
+            <a:r>
+              <a:t>Audit events API: batch write, query by correlation ID, hash chain verification (SOC2)</a:t>
+            </a:r>
+          </a:p>
+          <a:p>
+            <a:pPr>
+              <a:spcAft>
                 <a:spcPts val="400"/>
-              </a:spcBef>
-              <a:defRPr sz="1300">
-                <a:solidFill>
-                  <a:srgbClr val="333333"/>
-                </a:solidFill>
-              </a:defRPr>
-            </a:pPr>
-            <a:r>
-              <a:t>PostgreSQL primary storage</a:t>
-            </a:r>
-          </a:p>
-          <a:p>
-            <a:pPr>
-              <a:spcBef>
+              </a:spcAft>
+              <a:defRPr sz="1100">
+                <a:solidFill>
+                  <a:srgbClr val="333333"/>
+                </a:solidFill>
+                <a:latin typeface="Calibri"/>
+              </a:defRPr>
+              <a:buChar char="•"/>
+            </a:pPr>
+            <a:r>
+              <a:t>Workflow catalog API: CRUD, action-type taxonomy, version lifecycle (active/deprecated)</a:t>
+            </a:r>
+          </a:p>
+          <a:p>
+            <a:pPr>
+              <a:spcAft>
                 <a:spcPts val="400"/>
-              </a:spcBef>
-              <a:defRPr sz="1300">
-                <a:solidFill>
-                  <a:srgbClr val="333333"/>
-                </a:solidFill>
-              </a:defRPr>
-            </a:pPr>
-            <a:r>
-              <a:t>Redis dead letter queue for failed audit writes</a:t>
-            </a:r>
-          </a:p>
-          <a:p>
-            <a:pPr>
-              <a:spcBef>
+              </a:spcAft>
+              <a:defRPr sz="1100">
+                <a:solidFill>
+                  <a:srgbClr val="333333"/>
+                </a:solidFill>
+                <a:latin typeface="Calibri"/>
+              </a:defRPr>
+              <a:buChar char="•"/>
+            </a:pPr>
+            <a:r>
+              <a:t>Workflow discovery API: 3-step protocol for LLM-driven remediation selection</a:t>
+            </a:r>
+          </a:p>
+          <a:p>
+            <a:pPr>
+              <a:spcAft>
                 <a:spcPts val="400"/>
-              </a:spcBef>
-              <a:defRPr sz="1300">
-                <a:solidFill>
-                  <a:srgbClr val="333333"/>
-                </a:solidFill>
-              </a:defRPr>
+              </a:spcAft>
+              <a:defRPr sz="1100">
+                <a:solidFill>
+                  <a:srgbClr val="333333"/>
+                </a:solidFill>
+                <a:latin typeface="Calibri"/>
+              </a:defRPr>
+              <a:buChar char="•"/>
+            </a:pPr>
+            <a:r>
+              <a:t>Remediation history API: two-tier windowing (24h recent + 90d historical)</a:t>
+            </a:r>
+          </a:p>
+          <a:p>
+            <a:pPr>
+              <a:spcAft>
+                <a:spcPts val="400"/>
+              </a:spcAft>
+              <a:defRPr sz="1100">
+                <a:solidFill>
+                  <a:srgbClr val="333333"/>
+                </a:solidFill>
+                <a:latin typeface="Calibri"/>
+              </a:defRPr>
+              <a:buChar char="•"/>
+            </a:pPr>
+            <a:r>
+              <a:t>Three-way hash comparison for spec drift detection</a:t>
+            </a:r>
+          </a:p>
+          <a:p>
+            <a:pPr>
+              <a:spcAft>
+                <a:spcPts val="400"/>
+              </a:spcAft>
+              <a:defRPr sz="1100">
+                <a:solidFill>
+                  <a:srgbClr val="333333"/>
+                </a:solidFill>
+                <a:latin typeface="Calibri"/>
+              </a:defRPr>
+              <a:buChar char="•"/>
+            </a:pPr>
+            <a:r>
+              <a:t>OpenAPI-first: data-storage-v1.yaml with auto-generated Go and Python clients</a:t>
+            </a:r>
+          </a:p>
+          <a:p>
+            <a:pPr>
+              <a:spcAft>
+                <a:spcPts val="400"/>
+              </a:spcAft>
+              <a:defRPr sz="1100">
+                <a:solidFill>
+                  <a:srgbClr val="333333"/>
+                </a:solidFill>
+                <a:latin typeface="Calibri"/>
+              </a:defRPr>
+              <a:buChar char="•"/>
+            </a:pPr>
+            <a:r>
+              <a:t>PostgreSQL primary storage, Redis dead letter queue for failed audit writes</a:t>
+            </a:r>
+          </a:p>
+          <a:p>
+            <a:pPr>
+              <a:spcAft>
+                <a:spcPts val="400"/>
+              </a:spcAft>
+              <a:defRPr sz="1100">
+                <a:solidFill>
+                  <a:srgbClr val="333333"/>
+                </a:solidFill>
+                <a:latin typeface="Calibri"/>
+              </a:defRPr>
+              <a:buChar char="•"/>
             </a:pPr>
             <a:r>
               <a:t>K8s auth: TokenReview + SubjectAccessReview</a:t>
@@ -3765,32 +3874,19 @@
           </a:p>
           <a:p>
             <a:pPr>
-              <a:spcBef>
+              <a:spcAft>
                 <a:spcPts val="400"/>
-              </a:spcBef>
-              <a:defRPr sz="1300">
-                <a:solidFill>
-                  <a:srgbClr val="333333"/>
-                </a:solidFill>
-              </a:defRPr>
+              </a:spcAft>
+              <a:defRPr sz="1100">
+                <a:solidFill>
+                  <a:srgbClr val="333333"/>
+                </a:solidFill>
+                <a:latin typeface="Calibri"/>
+              </a:defRPr>
+              <a:buChar char="•"/>
             </a:pPr>
             <a:r>
               <a:t>Graceful shutdown with connection draining</a:t>
-            </a:r>
-          </a:p>
-          <a:p>
-            <a:pPr>
-              <a:spcBef>
-                <a:spcPts val="400"/>
-              </a:spcBef>
-              <a:defRPr sz="1300">
-                <a:solidFill>
-                  <a:srgbClr val="333333"/>
-                </a:solidFill>
-              </a:defRPr>
-            </a:pPr>
-            <a:r>
-              <a:t>Three-way hash comparison for configuration regression detection</a:t>
             </a:r>
           </a:p>
         </p:txBody>
@@ -3829,8 +3925,8 @@
         </p:nvSpPr>
         <p:spPr>
           <a:xfrm>
-            <a:off x="731520" y="365760"/>
-            <a:ext cx="10058400" cy="640080"/>
+            <a:off x="457200" y="274320"/>
+            <a:ext cx="8229600" cy="548640"/>
           </a:xfrm>
           <a:prstGeom prst="rect">
             <a:avLst/>
@@ -3844,86 +3940,29 @@
           <a:lstStyle/>
           <a:p>
             <a:pPr>
-              <a:defRPr sz="3200" b="1">
-                <a:solidFill>
-                  <a:srgbClr val="1A1A2E"/>
-                </a:solidFill>
+              <a:defRPr sz="2800" b="1">
+                <a:solidFill>
+                  <a:srgbClr val="1B2A4A"/>
+                </a:solidFill>
+                <a:latin typeface="Calibri"/>
               </a:defRPr>
             </a:pPr>
             <a:r>
               <a:t>AuthWebhook</a:t>
             </a:r>
           </a:p>
-          <a:p>
-            <a:pPr>
-              <a:spcBef>
-                <a:spcPts val="600"/>
-              </a:spcBef>
-              <a:defRPr sz="1600">
-                <a:solidFill>
-                  <a:srgbClr val="666666"/>
-                </a:solidFill>
-              </a:defRPr>
-            </a:pPr>
-            <a:r>
-              <a:t>Mutating + Validating admission webhook  •  SOC2 CC8.1 compliance</a:t>
-            </a:r>
-          </a:p>
-        </p:txBody>
-      </p:sp>
-      <p:sp>
-        <p:nvSpPr>
-          <p:cNvPr id="3" name="Rectangle 2"/>
-          <p:cNvSpPr/>
+        </p:txBody>
+      </p:sp>
+      <p:sp>
+        <p:nvSpPr>
+          <p:cNvPr id="3" name="TextBox 2"/>
+          <p:cNvSpPr txBox="1"/>
           <p:nvPr/>
         </p:nvSpPr>
         <p:spPr>
           <a:xfrm>
-            <a:off x="731520" y="1005840"/>
-            <a:ext cx="1828800" cy="38100"/>
-          </a:xfrm>
-          <a:prstGeom prst="rect">
-            <a:avLst/>
-          </a:prstGeom>
-          <a:solidFill>
-            <a:srgbClr val="007ACC"/>
-          </a:solidFill>
-          <a:ln>
-            <a:noFill/>
-          </a:ln>
-        </p:spPr>
-        <p:style>
-          <a:lnRef idx="1">
-            <a:schemeClr val="accent1"/>
-          </a:lnRef>
-          <a:fillRef idx="3">
-            <a:schemeClr val="accent1"/>
-          </a:fillRef>
-          <a:effectRef idx="2">
-            <a:schemeClr val="accent1"/>
-          </a:effectRef>
-          <a:fontRef idx="minor">
-            <a:schemeClr val="lt1"/>
-          </a:fontRef>
-        </p:style>
-        <p:txBody>
-          <a:bodyPr rtlCol="0" anchor="ctr"/>
-          <a:lstStyle/>
-          <a:p>
-            <a:pPr algn="ctr"/>
-          </a:p>
-        </p:txBody>
-      </p:sp>
-      <p:sp>
-        <p:nvSpPr>
-          <p:cNvPr id="4" name="TextBox 3"/>
-          <p:cNvSpPr txBox="1"/>
-          <p:nvPr/>
-        </p:nvSpPr>
-        <p:spPr>
-          <a:xfrm>
-            <a:off x="731520" y="1280160"/>
-            <a:ext cx="10515600" cy="5029200"/>
+            <a:off x="457200" y="822960"/>
+            <a:ext cx="8229600" cy="502920"/>
           </a:xfrm>
           <a:prstGeom prst="rect">
             <a:avLst/>
@@ -3937,14 +3976,88 @@
           <a:lstStyle/>
           <a:p>
             <a:pPr>
-              <a:spcBef>
+              <a:defRPr sz="1100" i="1">
+                <a:solidFill>
+                  <a:srgbClr val="333333"/>
+                </a:solidFill>
+                <a:latin typeface="Calibri"/>
+              </a:defRPr>
+            </a:pPr>
+            <a:r>
+              <a:t>Kubernetes admission webhook that injects authenticated user identity into CRD status updates for SOC2 CC8.1 audit compliance. Ensures every remediation action is traceable to a human or service account.</a:t>
+            </a:r>
+          </a:p>
+        </p:txBody>
+      </p:sp>
+      <p:sp>
+        <p:nvSpPr>
+          <p:cNvPr id="4" name="TextBox 3"/>
+          <p:cNvSpPr txBox="1"/>
+          <p:nvPr/>
+        </p:nvSpPr>
+        <p:spPr>
+          <a:xfrm>
+            <a:off x="457200" y="1325880"/>
+            <a:ext cx="8229600" cy="274320"/>
+          </a:xfrm>
+          <a:prstGeom prst="rect">
+            <a:avLst/>
+          </a:prstGeom>
+          <a:noFill/>
+        </p:spPr>
+        <p:txBody>
+          <a:bodyPr wrap="square">
+            <a:spAutoFit/>
+          </a:bodyPr>
+          <a:lstStyle/>
+          <a:p>
+            <a:pPr>
+              <a:defRPr sz="1000" b="1">
+                <a:solidFill>
+                  <a:srgbClr val="2B579A"/>
+                </a:solidFill>
+                <a:latin typeface="Calibri"/>
+              </a:defRPr>
+            </a:pPr>
+            <a:r>
+              <a:t>Architecture: Mutating + Validating admission webhook</a:t>
+            </a:r>
+          </a:p>
+        </p:txBody>
+      </p:sp>
+      <p:sp>
+        <p:nvSpPr>
+          <p:cNvPr id="5" name="TextBox 4"/>
+          <p:cNvSpPr txBox="1"/>
+          <p:nvPr/>
+        </p:nvSpPr>
+        <p:spPr>
+          <a:xfrm>
+            <a:off x="457200" y="1645920"/>
+            <a:ext cx="8229600" cy="4572000"/>
+          </a:xfrm>
+          <a:prstGeom prst="rect">
+            <a:avLst/>
+          </a:prstGeom>
+          <a:noFill/>
+        </p:spPr>
+        <p:txBody>
+          <a:bodyPr wrap="square">
+            <a:spAutoFit/>
+          </a:bodyPr>
+          <a:lstStyle/>
+          <a:p>
+            <a:pPr>
+              <a:spcAft>
                 <a:spcPts val="400"/>
-              </a:spcBef>
-              <a:defRPr sz="1400">
-                <a:solidFill>
-                  <a:srgbClr val="333333"/>
-                </a:solidFill>
-              </a:defRPr>
+              </a:spcAft>
+              <a:defRPr sz="1100">
+                <a:solidFill>
+                  <a:srgbClr val="333333"/>
+                </a:solidFill>
+                <a:latin typeface="Calibri"/>
+              </a:defRPr>
+              <a:buChar char="•"/>
             </a:pPr>
             <a:r>
               <a:t>Mutating webhooks for identity injection:</a:t>
@@ -3952,14 +4065,16 @@
           </a:p>
           <a:p>
             <a:pPr>
-              <a:spcBef>
+              <a:spcAft>
                 <a:spcPts val="400"/>
-              </a:spcBef>
-              <a:defRPr sz="1400">
-                <a:solidFill>
-                  <a:srgbClr val="333333"/>
-                </a:solidFill>
-              </a:defRPr>
+              </a:spcAft>
+              <a:defRPr sz="1100">
+                <a:solidFill>
+                  <a:srgbClr val="333333"/>
+                </a:solidFill>
+                <a:latin typeface="Calibri"/>
+              </a:defRPr>
+              <a:buChar char="•"/>
             </a:pPr>
             <a:r>
               <a:t>  WorkflowExecution: status.initiatedBy, status.approvedBy</a:t>
@@ -3967,14 +4082,16 @@
           </a:p>
           <a:p>
             <a:pPr>
-              <a:spcBef>
+              <a:spcAft>
                 <a:spcPts val="400"/>
-              </a:spcBef>
-              <a:defRPr sz="1400">
-                <a:solidFill>
-                  <a:srgbClr val="333333"/>
-                </a:solidFill>
-              </a:defRPr>
+              </a:spcAft>
+              <a:defRPr sz="1100">
+                <a:solidFill>
+                  <a:srgbClr val="333333"/>
+                </a:solidFill>
+                <a:latin typeface="Calibri"/>
+              </a:defRPr>
+              <a:buChar char="•"/>
             </a:pPr>
             <a:r>
               <a:t>  RemediationApprovalRequest: status.approvedBy, status.rejectedBy</a:t>
@@ -3982,14 +4099,16 @@
           </a:p>
           <a:p>
             <a:pPr>
-              <a:spcBef>
+              <a:spcAft>
                 <a:spcPts val="400"/>
-              </a:spcBef>
-              <a:defRPr sz="1400">
-                <a:solidFill>
-                  <a:srgbClr val="333333"/>
-                </a:solidFill>
-              </a:defRPr>
+              </a:spcAft>
+              <a:defRPr sz="1100">
+                <a:solidFill>
+                  <a:srgbClr val="333333"/>
+                </a:solidFill>
+                <a:latin typeface="Calibri"/>
+              </a:defRPr>
+              <a:buChar char="•"/>
             </a:pPr>
             <a:r>
               <a:t>  RemediationRequest: status.lastModifiedBy, status.lastModifiedAt</a:t>
@@ -3997,14 +4116,16 @@
           </a:p>
           <a:p>
             <a:pPr>
-              <a:spcBef>
+              <a:spcAft>
                 <a:spcPts val="400"/>
-              </a:spcBef>
-              <a:defRPr sz="1400">
-                <a:solidFill>
-                  <a:srgbClr val="333333"/>
-                </a:solidFill>
-              </a:defRPr>
+              </a:spcAft>
+              <a:defRPr sz="1100">
+                <a:solidFill>
+                  <a:srgbClr val="333333"/>
+                </a:solidFill>
+                <a:latin typeface="Calibri"/>
+              </a:defRPr>
+              <a:buChar char="•"/>
             </a:pPr>
             <a:r>
               <a:t>Validating webhook: audit event before NotificationRequest deletion</a:t>
@@ -4012,59 +4133,67 @@
           </a:p>
           <a:p>
             <a:pPr>
-              <a:spcBef>
+              <a:spcAft>
                 <a:spcPts val="400"/>
-              </a:spcBef>
-              <a:defRPr sz="1400">
-                <a:solidFill>
-                  <a:srgbClr val="333333"/>
-                </a:solidFill>
-              </a:defRPr>
-            </a:pPr>
-            <a:r>
-              <a:t>Forgery detection: overwrites user-provided identity fields, logs tampering attempts</a:t>
-            </a:r>
-          </a:p>
-          <a:p>
-            <a:pPr>
-              <a:spcBef>
+              </a:spcAft>
+              <a:defRPr sz="1100">
+                <a:solidFill>
+                  <a:srgbClr val="333333"/>
+                </a:solidFill>
+                <a:latin typeface="Calibri"/>
+              </a:defRPr>
+              <a:buChar char="•"/>
+            </a:pPr>
+            <a:r>
+              <a:t>Forgery detection: overwrites user-provided fields, logs tampering attempts</a:t>
+            </a:r>
+          </a:p>
+          <a:p>
+            <a:pPr>
+              <a:spcAft>
                 <a:spcPts val="400"/>
-              </a:spcBef>
-              <a:defRPr sz="1400">
-                <a:solidFill>
-                  <a:srgbClr val="333333"/>
-                </a:solidFill>
-              </a:defRPr>
-            </a:pPr>
-            <a:r>
-              <a:t>Decision validation: enforces Approved/Rejected/Expired for approval decisions</a:t>
-            </a:r>
-          </a:p>
-          <a:p>
-            <a:pPr>
-              <a:spcBef>
+              </a:spcAft>
+              <a:defRPr sz="1100">
+                <a:solidFill>
+                  <a:srgbClr val="333333"/>
+                </a:solidFill>
+                <a:latin typeface="Calibri"/>
+              </a:defRPr>
+              <a:buChar char="•"/>
+            </a:pPr>
+            <a:r>
+              <a:t>Decision validation: enforces Approved/Rejected/Expired for approvals</a:t>
+            </a:r>
+          </a:p>
+          <a:p>
+            <a:pPr>
+              <a:spcAft>
                 <a:spcPts val="400"/>
-              </a:spcBef>
-              <a:defRPr sz="1400">
-                <a:solidFill>
-                  <a:srgbClr val="333333"/>
-                </a:solidFill>
-              </a:defRPr>
-            </a:pPr>
-            <a:r>
-              <a:t>Namespace selector: only processes namespaces with kubernaut.ai/audit-enabled=true</a:t>
-            </a:r>
-          </a:p>
-          <a:p>
-            <a:pPr>
-              <a:spcBef>
+              </a:spcAft>
+              <a:defRPr sz="1100">
+                <a:solidFill>
+                  <a:srgbClr val="333333"/>
+                </a:solidFill>
+                <a:latin typeface="Calibri"/>
+              </a:defRPr>
+              <a:buChar char="•"/>
+            </a:pPr>
+            <a:r>
+              <a:t>Namespace selector: kubernaut.ai/audit-enabled=true</a:t>
+            </a:r>
+          </a:p>
+          <a:p>
+            <a:pPr>
+              <a:spcAft>
                 <a:spcPts val="400"/>
-              </a:spcBef>
-              <a:defRPr sz="1400">
-                <a:solidFill>
-                  <a:srgbClr val="333333"/>
-                </a:solidFill>
-              </a:defRPr>
+              </a:spcAft>
+              <a:defRPr sz="1100">
+                <a:solidFill>
+                  <a:srgbClr val="333333"/>
+                </a:solidFill>
+                <a:latin typeface="Calibri"/>
+              </a:defRPr>
+              <a:buChar char="•"/>
             </a:pPr>
             <a:r>
               <a:t>mTLS via cert-manager; failure policy Fail (rejects if webhook is down)</a:t>
@@ -4106,8 +4235,8 @@
         </p:nvSpPr>
         <p:spPr>
           <a:xfrm>
-            <a:off x="731520" y="365760"/>
-            <a:ext cx="10058400" cy="640080"/>
+            <a:off x="457200" y="274320"/>
+            <a:ext cx="8229600" cy="548640"/>
           </a:xfrm>
           <a:prstGeom prst="rect">
             <a:avLst/>
@@ -4121,87 +4250,30 @@
           <a:lstStyle/>
           <a:p>
             <a:pPr>
-              <a:defRPr sz="3200" b="1">
-                <a:solidFill>
-                  <a:srgbClr val="1A1A2E"/>
-                </a:solidFill>
-              </a:defRPr>
-            </a:pPr>
-            <a:r>
-              <a:t>Test Coverage Snapshot</a:t>
-            </a:r>
-          </a:p>
-          <a:p>
-            <a:pPr>
-              <a:spcBef>
-                <a:spcPts val="600"/>
-              </a:spcBef>
-              <a:defRPr sz="1600">
-                <a:solidFill>
-                  <a:srgbClr val="666666"/>
-                </a:solidFill>
-              </a:defRPr>
-            </a:pPr>
-            <a:r>
-              <a:t>PR #90  •  February 2026  •  Per-tier coverage (&gt;=80% target)</a:t>
-            </a:r>
-          </a:p>
-        </p:txBody>
-      </p:sp>
-      <p:sp>
-        <p:nvSpPr>
-          <p:cNvPr id="3" name="Rectangle 2"/>
-          <p:cNvSpPr/>
-          <p:nvPr/>
-        </p:nvSpPr>
-        <p:spPr>
-          <a:xfrm>
-            <a:off x="731520" y="1005840"/>
-            <a:ext cx="1828800" cy="38100"/>
-          </a:xfrm>
-          <a:prstGeom prst="rect">
-            <a:avLst/>
-          </a:prstGeom>
-          <a:solidFill>
-            <a:srgbClr val="007ACC"/>
-          </a:solidFill>
-          <a:ln>
-            <a:noFill/>
-          </a:ln>
-        </p:spPr>
-        <p:style>
-          <a:lnRef idx="1">
-            <a:schemeClr val="accent1"/>
-          </a:lnRef>
-          <a:fillRef idx="3">
-            <a:schemeClr val="accent1"/>
-          </a:fillRef>
-          <a:effectRef idx="2">
-            <a:schemeClr val="accent1"/>
-          </a:effectRef>
-          <a:fontRef idx="minor">
-            <a:schemeClr val="lt1"/>
-          </a:fontRef>
-        </p:style>
-        <p:txBody>
-          <a:bodyPr rtlCol="0" anchor="ctr"/>
-          <a:lstStyle/>
-          <a:p>
-            <a:pPr algn="ctr"/>
+              <a:defRPr sz="2800" b="1">
+                <a:solidFill>
+                  <a:srgbClr val="1B2A4A"/>
+                </a:solidFill>
+                <a:latin typeface="Calibri"/>
+              </a:defRPr>
+            </a:pPr>
+            <a:r>
+              <a:t>Code Coverage (PR #90, February 2026)</a:t>
+            </a:r>
           </a:p>
         </p:txBody>
       </p:sp>
       <p:graphicFrame>
         <p:nvGraphicFramePr>
-          <p:cNvPr id="4" name="Table 3"/>
+          <p:cNvPr id="3" name="Table 2"/>
           <p:cNvGraphicFramePr>
             <a:graphicFrameLocks noGrp="1"/>
           </p:cNvGraphicFramePr>
           <p:nvPr/>
         </p:nvGraphicFramePr>
         <p:xfrm>
-          <a:off x="1371600" y="1463040"/>
-          <a:ext cx="9144000" cy="4572000"/>
+          <a:off x="731520" y="1097280"/>
+          <a:ext cx="7680960" cy="4572000"/>
         </p:xfrm>
         <a:graphic>
           <a:graphicData uri="http://schemas.openxmlformats.org/drawingml/2006/table">
@@ -4210,11 +4282,11 @@
                 <a:tableStyleId>{5C22544A-7EE6-4342-B048-85BDC9FD1C3A}</a:tableStyleId>
               </a:tblPr>
               <a:tblGrid>
-                <a:gridCol w="3200400"/>
-                <a:gridCol w="1371600"/>
-                <a:gridCol w="1645920"/>
-                <a:gridCol w="1371600"/>
-                <a:gridCol w="1554480"/>
+                <a:gridCol w="2560320"/>
+                <a:gridCol w="1097280"/>
+                <a:gridCol w="1463040"/>
+                <a:gridCol w="1097280"/>
+                <a:gridCol w="1463040"/>
               </a:tblGrid>
               <a:tr h="415636">
                 <a:tc>
@@ -4223,10 +4295,11 @@
                     <a:lstStyle/>
                     <a:p>
                       <a:pPr algn="ctr">
-                        <a:defRPr sz="1300" b="1">
+                        <a:defRPr sz="1100" b="1">
                           <a:solidFill>
                             <a:srgbClr val="FFFFFF"/>
                           </a:solidFill>
+                          <a:latin typeface="Calibri"/>
                         </a:defRPr>
                       </a:pPr>
                       <a:r>
@@ -4234,9 +4307,9 @@
                       </a:r>
                     </a:p>
                   </a:txBody>
-                  <a:tcPr>
+                  <a:tcPr anchor="ctr">
                     <a:solidFill>
-                      <a:srgbClr val="1A1A2E"/>
+                      <a:srgbClr val="1B2A4A"/>
                     </a:solidFill>
                   </a:tcPr>
                 </a:tc>
@@ -4246,10 +4319,11 @@
                     <a:lstStyle/>
                     <a:p>
                       <a:pPr algn="ctr">
-                        <a:defRPr sz="1300" b="1">
+                        <a:defRPr sz="1100" b="1">
                           <a:solidFill>
                             <a:srgbClr val="FFFFFF"/>
                           </a:solidFill>
+                          <a:latin typeface="Calibri"/>
                         </a:defRPr>
                       </a:pPr>
                       <a:r>
@@ -4257,9 +4331,9 @@
                       </a:r>
                     </a:p>
                   </a:txBody>
-                  <a:tcPr>
+                  <a:tcPr anchor="ctr">
                     <a:solidFill>
-                      <a:srgbClr val="1A1A2E"/>
+                      <a:srgbClr val="1B2A4A"/>
                     </a:solidFill>
                   </a:tcPr>
                 </a:tc>
@@ -4269,10 +4343,11 @@
                     <a:lstStyle/>
                     <a:p>
                       <a:pPr algn="ctr">
-                        <a:defRPr sz="1300" b="1">
+                        <a:defRPr sz="1100" b="1">
                           <a:solidFill>
                             <a:srgbClr val="FFFFFF"/>
                           </a:solidFill>
+                          <a:latin typeface="Calibri"/>
                         </a:defRPr>
                       </a:pPr>
                       <a:r>
@@ -4280,9 +4355,9 @@
                       </a:r>
                     </a:p>
                   </a:txBody>
-                  <a:tcPr>
+                  <a:tcPr anchor="ctr">
                     <a:solidFill>
-                      <a:srgbClr val="1A1A2E"/>
+                      <a:srgbClr val="1B2A4A"/>
                     </a:solidFill>
                   </a:tcPr>
                 </a:tc>
@@ -4292,10 +4367,11 @@
                     <a:lstStyle/>
                     <a:p>
                       <a:pPr algn="ctr">
-                        <a:defRPr sz="1300" b="1">
+                        <a:defRPr sz="1100" b="1">
                           <a:solidFill>
                             <a:srgbClr val="FFFFFF"/>
                           </a:solidFill>
+                          <a:latin typeface="Calibri"/>
                         </a:defRPr>
                       </a:pPr>
                       <a:r>
@@ -4303,9 +4379,9 @@
                       </a:r>
                     </a:p>
                   </a:txBody>
-                  <a:tcPr>
+                  <a:tcPr anchor="ctr">
                     <a:solidFill>
-                      <a:srgbClr val="1A1A2E"/>
+                      <a:srgbClr val="1B2A4A"/>
                     </a:solidFill>
                   </a:tcPr>
                 </a:tc>
@@ -4315,10 +4391,11 @@
                     <a:lstStyle/>
                     <a:p>
                       <a:pPr algn="ctr">
-                        <a:defRPr sz="1300" b="1">
+                        <a:defRPr sz="1100" b="1">
                           <a:solidFill>
                             <a:srgbClr val="FFFFFF"/>
                           </a:solidFill>
+                          <a:latin typeface="Calibri"/>
                         </a:defRPr>
                       </a:pPr>
                       <a:r>
@@ -4326,9 +4403,9 @@
                       </a:r>
                     </a:p>
                   </a:txBody>
-                  <a:tcPr>
+                  <a:tcPr anchor="ctr">
                     <a:solidFill>
-                      <a:srgbClr val="1A1A2E"/>
+                      <a:srgbClr val="1B2A4A"/>
                     </a:solidFill>
                   </a:tcPr>
                 </a:tc>
@@ -4340,10 +4417,11 @@
                     <a:lstStyle/>
                     <a:p>
                       <a:pPr algn="l">
-                        <a:defRPr sz="1200">
+                        <a:defRPr sz="1100" b="1">
                           <a:solidFill>
                             <a:srgbClr val="333333"/>
                           </a:solidFill>
+                          <a:latin typeface="Calibri"/>
                         </a:defRPr>
                       </a:pPr>
                       <a:r>
@@ -4351,124 +4429,7 @@
                       </a:r>
                     </a:p>
                   </a:txBody>
-                  <a:tcPr>
-                    <a:solidFill>
-                      <a:srgbClr val="F6F8FA"/>
-                    </a:solidFill>
-                  </a:tcPr>
-                </a:tc>
-                <a:tc>
-                  <a:txBody>
-                    <a:bodyPr/>
-                    <a:lstStyle/>
-                    <a:p>
-                      <a:pPr algn="ctr">
-                        <a:defRPr sz="1200">
-                          <a:solidFill>
-                            <a:srgbClr val="333333"/>
-                          </a:solidFill>
-                        </a:defRPr>
-                      </a:pPr>
-                      <a:r>
-                        <a:t>87.3%</a:t>
-                      </a:r>
-                    </a:p>
-                  </a:txBody>
-                  <a:tcPr>
-                    <a:solidFill>
-                      <a:srgbClr val="F6F8FA"/>
-                    </a:solidFill>
-                  </a:tcPr>
-                </a:tc>
-                <a:tc>
-                  <a:txBody>
-                    <a:bodyPr/>
-                    <a:lstStyle/>
-                    <a:p>
-                      <a:pPr algn="ctr">
-                        <a:defRPr sz="1200">
-                          <a:solidFill>
-                            <a:srgbClr val="333333"/>
-                          </a:solidFill>
-                        </a:defRPr>
-                      </a:pPr>
-                      <a:r>
-                        <a:t>61.4%</a:t>
-                      </a:r>
-                    </a:p>
-                  </a:txBody>
-                  <a:tcPr>
-                    <a:solidFill>
-                      <a:srgbClr val="F6F8FA"/>
-                    </a:solidFill>
-                  </a:tcPr>
-                </a:tc>
-                <a:tc>
-                  <a:txBody>
-                    <a:bodyPr/>
-                    <a:lstStyle/>
-                    <a:p>
-                      <a:pPr algn="ctr">
-                        <a:defRPr sz="1200">
-                          <a:solidFill>
-                            <a:srgbClr val="333333"/>
-                          </a:solidFill>
-                        </a:defRPr>
-                      </a:pPr>
-                      <a:r>
-                        <a:t>58.2%</a:t>
-                      </a:r>
-                    </a:p>
-                  </a:txBody>
-                  <a:tcPr>
-                    <a:solidFill>
-                      <a:srgbClr val="F6F8FA"/>
-                    </a:solidFill>
-                  </a:tcPr>
-                </a:tc>
-                <a:tc>
-                  <a:txBody>
-                    <a:bodyPr/>
-                    <a:lstStyle/>
-                    <a:p>
-                      <a:pPr algn="ctr">
-                        <a:defRPr sz="1200">
-                          <a:solidFill>
-                            <a:srgbClr val="1A7F37"/>
-                          </a:solidFill>
-                        </a:defRPr>
-                      </a:pPr>
-                      <a:r>
-                        <a:t>85.4%</a:t>
-                      </a:r>
-                    </a:p>
-                  </a:txBody>
-                  <a:tcPr>
-                    <a:solidFill>
-                      <a:srgbClr val="F6F8FA"/>
-                    </a:solidFill>
-                  </a:tcPr>
-                </a:tc>
-              </a:tr>
-              <a:tr h="415636">
-                <a:tc>
-                  <a:txBody>
-                    <a:bodyPr/>
-                    <a:lstStyle/>
-                    <a:p>
-                      <a:pPr algn="l">
-                        <a:defRPr sz="1200">
-                          <a:solidFill>
-                            <a:srgbClr val="333333"/>
-                          </a:solidFill>
-                        </a:defRPr>
-                      </a:pPr>
-                      <a:r>
-                        <a:t>AI Analysis</a:t>
-                      </a:r>
-                    </a:p>
-                  </a:txBody>
-                  <a:tcPr>
+                  <a:tcPr anchor="ctr">
                     <a:solidFill>
                       <a:srgbClr val="FFFFFF"/>
                     </a:solidFill>
@@ -4480,18 +4441,19 @@
                     <a:lstStyle/>
                     <a:p>
                       <a:pPr algn="ctr">
-                        <a:defRPr sz="1200">
+                        <a:defRPr sz="1100">
                           <a:solidFill>
                             <a:srgbClr val="333333"/>
                           </a:solidFill>
+                          <a:latin typeface="Calibri"/>
                         </a:defRPr>
                       </a:pPr>
                       <a:r>
-                        <a:t>80.0%</a:t>
+                        <a:t>87.3%</a:t>
                       </a:r>
                     </a:p>
                   </a:txBody>
-                  <a:tcPr>
+                  <a:tcPr anchor="ctr">
                     <a:solidFill>
                       <a:srgbClr val="FFFFFF"/>
                     </a:solidFill>
@@ -4503,18 +4465,19 @@
                     <a:lstStyle/>
                     <a:p>
                       <a:pPr algn="ctr">
-                        <a:defRPr sz="1200">
+                        <a:defRPr sz="1100">
                           <a:solidFill>
                             <a:srgbClr val="333333"/>
                           </a:solidFill>
+                          <a:latin typeface="Calibri"/>
                         </a:defRPr>
                       </a:pPr>
                       <a:r>
-                        <a:t>73.6%</a:t>
+                        <a:t>61.4%</a:t>
                       </a:r>
                     </a:p>
                   </a:txBody>
-                  <a:tcPr>
+                  <a:tcPr anchor="ctr">
                     <a:solidFill>
                       <a:srgbClr val="FFFFFF"/>
                     </a:solidFill>
@@ -4526,18 +4489,19 @@
                     <a:lstStyle/>
                     <a:p>
                       <a:pPr algn="ctr">
-                        <a:defRPr sz="1200">
+                        <a:defRPr sz="1100">
                           <a:solidFill>
                             <a:srgbClr val="333333"/>
                           </a:solidFill>
+                          <a:latin typeface="Calibri"/>
                         </a:defRPr>
                       </a:pPr>
                       <a:r>
-                        <a:t>53.8%</a:t>
+                        <a:t>58.2%</a:t>
                       </a:r>
                     </a:p>
                   </a:txBody>
-                  <a:tcPr>
+                  <a:tcPr anchor="ctr">
                     <a:solidFill>
                       <a:srgbClr val="FFFFFF"/>
                     </a:solidFill>
@@ -4549,18 +4513,19 @@
                     <a:lstStyle/>
                     <a:p>
                       <a:pPr algn="ctr">
-                        <a:defRPr sz="1200">
+                        <a:defRPr sz="1100">
                           <a:solidFill>
-                            <a:srgbClr val="1A7F37"/>
+                            <a:srgbClr val="333333"/>
                           </a:solidFill>
+                          <a:latin typeface="Calibri"/>
                         </a:defRPr>
                       </a:pPr>
                       <a:r>
-                        <a:t>87.6%</a:t>
+                        <a:t>85.4%</a:t>
                       </a:r>
                     </a:p>
                   </a:txBody>
-                  <a:tcPr>
+                  <a:tcPr anchor="ctr">
                     <a:solidFill>
                       <a:srgbClr val="FFFFFF"/>
                     </a:solidFill>
@@ -4574,20 +4539,21 @@
                     <a:lstStyle/>
                     <a:p>
                       <a:pPr algn="l">
-                        <a:defRPr sz="1200">
+                        <a:defRPr sz="1100" b="1">
                           <a:solidFill>
                             <a:srgbClr val="333333"/>
                           </a:solidFill>
+                          <a:latin typeface="Calibri"/>
                         </a:defRPr>
                       </a:pPr>
                       <a:r>
-                        <a:t>Workflow Execution</a:t>
+                        <a:t>AI Analysis</a:t>
                       </a:r>
                     </a:p>
                   </a:txBody>
-                  <a:tcPr>
+                  <a:tcPr anchor="ctr">
                     <a:solidFill>
-                      <a:srgbClr val="F6F8FA"/>
+                      <a:srgbClr val="F0F4F8"/>
                     </a:solidFill>
                   </a:tcPr>
                 </a:tc>
@@ -4597,20 +4563,21 @@
                     <a:lstStyle/>
                     <a:p>
                       <a:pPr algn="ctr">
-                        <a:defRPr sz="1200">
+                        <a:defRPr sz="1100">
                           <a:solidFill>
                             <a:srgbClr val="333333"/>
                           </a:solidFill>
+                          <a:latin typeface="Calibri"/>
                         </a:defRPr>
                       </a:pPr>
                       <a:r>
-                        <a:t>74.0%</a:t>
+                        <a:t>80.0%</a:t>
                       </a:r>
                     </a:p>
                   </a:txBody>
-                  <a:tcPr>
+                  <a:tcPr anchor="ctr">
                     <a:solidFill>
-                      <a:srgbClr val="F6F8FA"/>
+                      <a:srgbClr val="F0F4F8"/>
                     </a:solidFill>
                   </a:tcPr>
                 </a:tc>
@@ -4620,20 +4587,21 @@
                     <a:lstStyle/>
                     <a:p>
                       <a:pPr algn="ctr">
-                        <a:defRPr sz="1200">
+                        <a:defRPr sz="1100">
                           <a:solidFill>
                             <a:srgbClr val="333333"/>
                           </a:solidFill>
+                          <a:latin typeface="Calibri"/>
                         </a:defRPr>
                       </a:pPr>
                       <a:r>
-                        <a:t>67.9%</a:t>
+                        <a:t>73.6%</a:t>
                       </a:r>
                     </a:p>
                   </a:txBody>
-                  <a:tcPr>
+                  <a:tcPr anchor="ctr">
                     <a:solidFill>
-                      <a:srgbClr val="F6F8FA"/>
+                      <a:srgbClr val="F0F4F8"/>
                     </a:solidFill>
                   </a:tcPr>
                 </a:tc>
@@ -4643,20 +4611,21 @@
                     <a:lstStyle/>
                     <a:p>
                       <a:pPr algn="ctr">
-                        <a:defRPr sz="1200">
+                        <a:defRPr sz="1100">
                           <a:solidFill>
                             <a:srgbClr val="333333"/>
                           </a:solidFill>
+                          <a:latin typeface="Calibri"/>
                         </a:defRPr>
                       </a:pPr>
                       <a:r>
-                        <a:t>56.0%</a:t>
+                        <a:t>53.8%</a:t>
                       </a:r>
                     </a:p>
                   </a:txBody>
-                  <a:tcPr>
+                  <a:tcPr anchor="ctr">
                     <a:solidFill>
-                      <a:srgbClr val="F6F8FA"/>
+                      <a:srgbClr val="F0F4F8"/>
                     </a:solidFill>
                   </a:tcPr>
                 </a:tc>
@@ -4666,20 +4635,21 @@
                     <a:lstStyle/>
                     <a:p>
                       <a:pPr algn="ctr">
-                        <a:defRPr sz="1200">
+                        <a:defRPr sz="1100">
                           <a:solidFill>
-                            <a:srgbClr val="1A7F37"/>
+                            <a:srgbClr val="333333"/>
                           </a:solidFill>
+                          <a:latin typeface="Calibri"/>
                         </a:defRPr>
                       </a:pPr>
                       <a:r>
-                        <a:t>82.9%</a:t>
+                        <a:t>87.6%</a:t>
                       </a:r>
                     </a:p>
                   </a:txBody>
-                  <a:tcPr>
+                  <a:tcPr anchor="ctr">
                     <a:solidFill>
-                      <a:srgbClr val="F6F8FA"/>
+                      <a:srgbClr val="F0F4F8"/>
                     </a:solidFill>
                   </a:tcPr>
                 </a:tc>
@@ -4691,18 +4661,19 @@
                     <a:lstStyle/>
                     <a:p>
                       <a:pPr algn="l">
-                        <a:defRPr sz="1200">
+                        <a:defRPr sz="1100" b="1">
                           <a:solidFill>
                             <a:srgbClr val="333333"/>
                           </a:solidFill>
+                          <a:latin typeface="Calibri"/>
                         </a:defRPr>
                       </a:pPr>
                       <a:r>
-                        <a:t>Remediation Orchestrator</a:t>
+                        <a:t>Workflow Execution</a:t>
                       </a:r>
                     </a:p>
                   </a:txBody>
-                  <a:tcPr>
+                  <a:tcPr anchor="ctr">
                     <a:solidFill>
                       <a:srgbClr val="FFFFFF"/>
                     </a:solidFill>
@@ -4714,18 +4685,19 @@
                     <a:lstStyle/>
                     <a:p>
                       <a:pPr algn="ctr">
-                        <a:defRPr sz="1200">
+                        <a:defRPr sz="1100">
                           <a:solidFill>
                             <a:srgbClr val="333333"/>
                           </a:solidFill>
+                          <a:latin typeface="Calibri"/>
                         </a:defRPr>
                       </a:pPr>
                       <a:r>
-                        <a:t>79.9%</a:t>
+                        <a:t>74.0%</a:t>
                       </a:r>
                     </a:p>
                   </a:txBody>
-                  <a:tcPr>
+                  <a:tcPr anchor="ctr">
                     <a:solidFill>
                       <a:srgbClr val="FFFFFF"/>
                     </a:solidFill>
@@ -4737,18 +4709,19 @@
                     <a:lstStyle/>
                     <a:p>
                       <a:pPr algn="ctr">
-                        <a:defRPr sz="1200">
+                        <a:defRPr sz="1100">
                           <a:solidFill>
                             <a:srgbClr val="333333"/>
                           </a:solidFill>
+                          <a:latin typeface="Calibri"/>
                         </a:defRPr>
                       </a:pPr>
                       <a:r>
-                        <a:t>59.8%</a:t>
+                        <a:t>67.9%</a:t>
                       </a:r>
                     </a:p>
                   </a:txBody>
-                  <a:tcPr>
+                  <a:tcPr anchor="ctr">
                     <a:solidFill>
                       <a:srgbClr val="FFFFFF"/>
                     </a:solidFill>
@@ -4760,18 +4733,19 @@
                     <a:lstStyle/>
                     <a:p>
                       <a:pPr algn="ctr">
-                        <a:defRPr sz="1200">
+                        <a:defRPr sz="1100">
                           <a:solidFill>
                             <a:srgbClr val="333333"/>
                           </a:solidFill>
+                          <a:latin typeface="Calibri"/>
                         </a:defRPr>
                       </a:pPr>
                       <a:r>
-                        <a:t>49.1%</a:t>
+                        <a:t>56.0%</a:t>
                       </a:r>
                     </a:p>
                   </a:txBody>
-                  <a:tcPr>
+                  <a:tcPr anchor="ctr">
                     <a:solidFill>
                       <a:srgbClr val="FFFFFF"/>
                     </a:solidFill>
@@ -4783,18 +4757,19 @@
                     <a:lstStyle/>
                     <a:p>
                       <a:pPr algn="ctr">
-                        <a:defRPr sz="1200">
+                        <a:defRPr sz="1100">
                           <a:solidFill>
-                            <a:srgbClr val="1A7F37"/>
+                            <a:srgbClr val="333333"/>
                           </a:solidFill>
+                          <a:latin typeface="Calibri"/>
                         </a:defRPr>
                       </a:pPr>
                       <a:r>
-                        <a:t>82.1%</a:t>
+                        <a:t>82.9%</a:t>
                       </a:r>
                     </a:p>
                   </a:txBody>
-                  <a:tcPr>
+                  <a:tcPr anchor="ctr">
                     <a:solidFill>
                       <a:srgbClr val="FFFFFF"/>
                     </a:solidFill>
@@ -4808,20 +4783,21 @@
                     <a:lstStyle/>
                     <a:p>
                       <a:pPr algn="l">
-                        <a:defRPr sz="1200">
+                        <a:defRPr sz="1100" b="1">
                           <a:solidFill>
                             <a:srgbClr val="333333"/>
                           </a:solidFill>
+                          <a:latin typeface="Calibri"/>
                         </a:defRPr>
                       </a:pPr>
                       <a:r>
-                        <a:t>Notification</a:t>
+                        <a:t>Remediation Orchestrator</a:t>
                       </a:r>
                     </a:p>
                   </a:txBody>
-                  <a:tcPr>
+                  <a:tcPr anchor="ctr">
                     <a:solidFill>
-                      <a:srgbClr val="F6F8FA"/>
+                      <a:srgbClr val="F0F4F8"/>
                     </a:solidFill>
                   </a:tcPr>
                 </a:tc>
@@ -4831,20 +4807,21 @@
                     <a:lstStyle/>
                     <a:p>
                       <a:pPr algn="ctr">
-                        <a:defRPr sz="1200">
+                        <a:defRPr sz="1100">
                           <a:solidFill>
                             <a:srgbClr val="333333"/>
                           </a:solidFill>
+                          <a:latin typeface="Calibri"/>
                         </a:defRPr>
                       </a:pPr>
                       <a:r>
-                        <a:t>75.5%</a:t>
+                        <a:t>79.9%</a:t>
                       </a:r>
                     </a:p>
                   </a:txBody>
-                  <a:tcPr>
+                  <a:tcPr anchor="ctr">
                     <a:solidFill>
-                      <a:srgbClr val="F6F8FA"/>
+                      <a:srgbClr val="F0F4F8"/>
                     </a:solidFill>
                   </a:tcPr>
                 </a:tc>
@@ -4854,20 +4831,21 @@
                     <a:lstStyle/>
                     <a:p>
                       <a:pPr algn="ctr">
-                        <a:defRPr sz="1200">
+                        <a:defRPr sz="1100">
                           <a:solidFill>
                             <a:srgbClr val="333333"/>
                           </a:solidFill>
+                          <a:latin typeface="Calibri"/>
                         </a:defRPr>
                       </a:pPr>
                       <a:r>
-                        <a:t>57.6%</a:t>
+                        <a:t>59.8%</a:t>
                       </a:r>
                     </a:p>
                   </a:txBody>
-                  <a:tcPr>
+                  <a:tcPr anchor="ctr">
                     <a:solidFill>
-                      <a:srgbClr val="F6F8FA"/>
+                      <a:srgbClr val="F0F4F8"/>
                     </a:solidFill>
                   </a:tcPr>
                 </a:tc>
@@ -4877,20 +4855,21 @@
                     <a:lstStyle/>
                     <a:p>
                       <a:pPr algn="ctr">
-                        <a:defRPr sz="1200">
+                        <a:defRPr sz="1100">
                           <a:solidFill>
                             <a:srgbClr val="333333"/>
                           </a:solidFill>
+                          <a:latin typeface="Calibri"/>
                         </a:defRPr>
                       </a:pPr>
                       <a:r>
-                        <a:t>49.5%</a:t>
+                        <a:t>49.1%</a:t>
                       </a:r>
                     </a:p>
                   </a:txBody>
-                  <a:tcPr>
+                  <a:tcPr anchor="ctr">
                     <a:solidFill>
-                      <a:srgbClr val="F6F8FA"/>
+                      <a:srgbClr val="F0F4F8"/>
                     </a:solidFill>
                   </a:tcPr>
                 </a:tc>
@@ -4900,20 +4879,21 @@
                     <a:lstStyle/>
                     <a:p>
                       <a:pPr algn="ctr">
-                        <a:defRPr sz="1200">
+                        <a:defRPr sz="1100">
                           <a:solidFill>
-                            <a:srgbClr val="BF8B00"/>
+                            <a:srgbClr val="333333"/>
                           </a:solidFill>
+                          <a:latin typeface="Calibri"/>
                         </a:defRPr>
                       </a:pPr>
                       <a:r>
-                        <a:t>73.3%</a:t>
+                        <a:t>82.1%</a:t>
                       </a:r>
                     </a:p>
                   </a:txBody>
-                  <a:tcPr>
+                  <a:tcPr anchor="ctr">
                     <a:solidFill>
-                      <a:srgbClr val="F6F8FA"/>
+                      <a:srgbClr val="F0F4F8"/>
                     </a:solidFill>
                   </a:tcPr>
                 </a:tc>
@@ -4925,18 +4905,19 @@
                     <a:lstStyle/>
                     <a:p>
                       <a:pPr algn="l">
-                        <a:defRPr sz="1200">
+                        <a:defRPr sz="1100" b="1">
                           <a:solidFill>
                             <a:srgbClr val="333333"/>
                           </a:solidFill>
+                          <a:latin typeface="Calibri"/>
                         </a:defRPr>
                       </a:pPr>
                       <a:r>
-                        <a:t>Effectiveness Monitor</a:t>
+                        <a:t>Notification</a:t>
                       </a:r>
                     </a:p>
                   </a:txBody>
-                  <a:tcPr>
+                  <a:tcPr anchor="ctr">
                     <a:solidFill>
                       <a:srgbClr val="FFFFFF"/>
                     </a:solidFill>
@@ -4948,18 +4929,19 @@
                     <a:lstStyle/>
                     <a:p>
                       <a:pPr algn="ctr">
-                        <a:defRPr sz="1200">
+                        <a:defRPr sz="1100">
                           <a:solidFill>
                             <a:srgbClr val="333333"/>
                           </a:solidFill>
+                          <a:latin typeface="Calibri"/>
                         </a:defRPr>
                       </a:pPr>
                       <a:r>
-                        <a:t>72.1%</a:t>
+                        <a:t>75.5%</a:t>
                       </a:r>
                     </a:p>
                   </a:txBody>
-                  <a:tcPr>
+                  <a:tcPr anchor="ctr">
                     <a:solidFill>
                       <a:srgbClr val="FFFFFF"/>
                     </a:solidFill>
@@ -4971,18 +4953,19 @@
                     <a:lstStyle/>
                     <a:p>
                       <a:pPr algn="ctr">
-                        <a:defRPr sz="1200">
+                        <a:defRPr sz="1100">
                           <a:solidFill>
                             <a:srgbClr val="333333"/>
                           </a:solidFill>
+                          <a:latin typeface="Calibri"/>
                         </a:defRPr>
                       </a:pPr>
                       <a:r>
-                        <a:t>64.9%</a:t>
+                        <a:t>57.6%</a:t>
                       </a:r>
                     </a:p>
                   </a:txBody>
-                  <a:tcPr>
+                  <a:tcPr anchor="ctr">
                     <a:solidFill>
                       <a:srgbClr val="FFFFFF"/>
                     </a:solidFill>
@@ -4994,18 +4977,19 @@
                     <a:lstStyle/>
                     <a:p>
                       <a:pPr algn="ctr">
-                        <a:defRPr sz="1200">
+                        <a:defRPr sz="1100">
                           <a:solidFill>
                             <a:srgbClr val="333333"/>
                           </a:solidFill>
+                          <a:latin typeface="Calibri"/>
                         </a:defRPr>
                       </a:pPr>
                       <a:r>
-                        <a:t>68.8%</a:t>
+                        <a:t>49.5%</a:t>
                       </a:r>
                     </a:p>
                   </a:txBody>
-                  <a:tcPr>
+                  <a:tcPr anchor="ctr">
                     <a:solidFill>
                       <a:srgbClr val="FFFFFF"/>
                     </a:solidFill>
@@ -5017,18 +5001,19 @@
                     <a:lstStyle/>
                     <a:p>
                       <a:pPr algn="ctr">
-                        <a:defRPr sz="1200">
+                        <a:defRPr sz="1100">
                           <a:solidFill>
-                            <a:srgbClr val="1A7F37"/>
+                            <a:srgbClr val="333333"/>
                           </a:solidFill>
+                          <a:latin typeface="Calibri"/>
                         </a:defRPr>
                       </a:pPr>
                       <a:r>
-                        <a:t>81.9%</a:t>
+                        <a:t>73.3%</a:t>
                       </a:r>
                     </a:p>
                   </a:txBody>
-                  <a:tcPr>
+                  <a:tcPr anchor="ctr">
                     <a:solidFill>
                       <a:srgbClr val="FFFFFF"/>
                     </a:solidFill>
@@ -5042,20 +5027,21 @@
                     <a:lstStyle/>
                     <a:p>
                       <a:pPr algn="l">
-                        <a:defRPr sz="1200">
+                        <a:defRPr sz="1100" b="1">
                           <a:solidFill>
                             <a:srgbClr val="333333"/>
                           </a:solidFill>
+                          <a:latin typeface="Calibri"/>
                         </a:defRPr>
                       </a:pPr>
                       <a:r>
-                        <a:t>Gateway</a:t>
+                        <a:t>Effectiveness Monitor</a:t>
                       </a:r>
                     </a:p>
                   </a:txBody>
-                  <a:tcPr>
+                  <a:tcPr anchor="ctr">
                     <a:solidFill>
-                      <a:srgbClr val="F6F8FA"/>
+                      <a:srgbClr val="F0F4F8"/>
                     </a:solidFill>
                   </a:tcPr>
                 </a:tc>
@@ -5065,20 +5051,21 @@
                     <a:lstStyle/>
                     <a:p>
                       <a:pPr algn="ctr">
-                        <a:defRPr sz="1200">
+                        <a:defRPr sz="1100">
                           <a:solidFill>
                             <a:srgbClr val="333333"/>
                           </a:solidFill>
+                          <a:latin typeface="Calibri"/>
                         </a:defRPr>
                       </a:pPr>
                       <a:r>
-                        <a:t>65.5%</a:t>
+                        <a:t>72.1%</a:t>
                       </a:r>
                     </a:p>
                   </a:txBody>
-                  <a:tcPr>
+                  <a:tcPr anchor="ctr">
                     <a:solidFill>
-                      <a:srgbClr val="F6F8FA"/>
+                      <a:srgbClr val="F0F4F8"/>
                     </a:solidFill>
                   </a:tcPr>
                 </a:tc>
@@ -5088,20 +5075,21 @@
                     <a:lstStyle/>
                     <a:p>
                       <a:pPr algn="ctr">
-                        <a:defRPr sz="1200">
+                        <a:defRPr sz="1100">
                           <a:solidFill>
                             <a:srgbClr val="333333"/>
                           </a:solidFill>
+                          <a:latin typeface="Calibri"/>
                         </a:defRPr>
                       </a:pPr>
                       <a:r>
-                        <a:t>42.5%</a:t>
+                        <a:t>64.9%</a:t>
                       </a:r>
                     </a:p>
                   </a:txBody>
-                  <a:tcPr>
+                  <a:tcPr anchor="ctr">
                     <a:solidFill>
-                      <a:srgbClr val="F6F8FA"/>
+                      <a:srgbClr val="F0F4F8"/>
                     </a:solidFill>
                   </a:tcPr>
                 </a:tc>
@@ -5111,20 +5099,21 @@
                     <a:lstStyle/>
                     <a:p>
                       <a:pPr algn="ctr">
-                        <a:defRPr sz="1200">
+                        <a:defRPr sz="1100">
                           <a:solidFill>
                             <a:srgbClr val="333333"/>
                           </a:solidFill>
+                          <a:latin typeface="Calibri"/>
                         </a:defRPr>
                       </a:pPr>
                       <a:r>
-                        <a:t>59.0%</a:t>
+                        <a:t>68.8%</a:t>
                       </a:r>
                     </a:p>
                   </a:txBody>
-                  <a:tcPr>
+                  <a:tcPr anchor="ctr">
                     <a:solidFill>
-                      <a:srgbClr val="F6F8FA"/>
+                      <a:srgbClr val="F0F4F8"/>
                     </a:solidFill>
                   </a:tcPr>
                 </a:tc>
@@ -5134,20 +5123,21 @@
                     <a:lstStyle/>
                     <a:p>
                       <a:pPr algn="ctr">
-                        <a:defRPr sz="1200">
+                        <a:defRPr sz="1100">
                           <a:solidFill>
-                            <a:srgbClr val="1A7F37"/>
+                            <a:srgbClr val="333333"/>
                           </a:solidFill>
+                          <a:latin typeface="Calibri"/>
                         </a:defRPr>
                       </a:pPr>
                       <a:r>
-                        <a:t>81.5%</a:t>
+                        <a:t>81.9%</a:t>
                       </a:r>
                     </a:p>
                   </a:txBody>
-                  <a:tcPr>
+                  <a:tcPr anchor="ctr">
                     <a:solidFill>
-                      <a:srgbClr val="F6F8FA"/>
+                      <a:srgbClr val="F0F4F8"/>
                     </a:solidFill>
                   </a:tcPr>
                 </a:tc>
@@ -5159,18 +5149,19 @@
                     <a:lstStyle/>
                     <a:p>
                       <a:pPr algn="l">
-                        <a:defRPr sz="1200">
+                        <a:defRPr sz="1100" b="1">
                           <a:solidFill>
                             <a:srgbClr val="333333"/>
                           </a:solidFill>
+                          <a:latin typeface="Calibri"/>
                         </a:defRPr>
                       </a:pPr>
                       <a:r>
-                        <a:t>DataStorage</a:t>
+                        <a:t>Gateway</a:t>
                       </a:r>
                     </a:p>
                   </a:txBody>
-                  <a:tcPr>
+                  <a:tcPr anchor="ctr">
                     <a:solidFill>
                       <a:srgbClr val="FFFFFF"/>
                     </a:solidFill>
@@ -5182,18 +5173,19 @@
                     <a:lstStyle/>
                     <a:p>
                       <a:pPr algn="ctr">
-                        <a:defRPr sz="1200">
+                        <a:defRPr sz="1100">
                           <a:solidFill>
                             <a:srgbClr val="333333"/>
                           </a:solidFill>
+                          <a:latin typeface="Calibri"/>
                         </a:defRPr>
                       </a:pPr>
                       <a:r>
-                        <a:t>60.1%</a:t>
+                        <a:t>65.5%</a:t>
                       </a:r>
                     </a:p>
                   </a:txBody>
-                  <a:tcPr>
+                  <a:tcPr anchor="ctr">
                     <a:solidFill>
                       <a:srgbClr val="FFFFFF"/>
                     </a:solidFill>
@@ -5205,18 +5197,19 @@
                     <a:lstStyle/>
                     <a:p>
                       <a:pPr algn="ctr">
-                        <a:defRPr sz="1200">
+                        <a:defRPr sz="1100">
                           <a:solidFill>
                             <a:srgbClr val="333333"/>
                           </a:solidFill>
+                          <a:latin typeface="Calibri"/>
                         </a:defRPr>
                       </a:pPr>
                       <a:r>
-                        <a:t>34.9%</a:t>
+                        <a:t>42.5%</a:t>
                       </a:r>
                     </a:p>
                   </a:txBody>
-                  <a:tcPr>
+                  <a:tcPr anchor="ctr">
                     <a:solidFill>
                       <a:srgbClr val="FFFFFF"/>
                     </a:solidFill>
@@ -5228,18 +5221,19 @@
                     <a:lstStyle/>
                     <a:p>
                       <a:pPr algn="ctr">
-                        <a:defRPr sz="1200">
+                        <a:defRPr sz="1100">
                           <a:solidFill>
                             <a:srgbClr val="333333"/>
                           </a:solidFill>
+                          <a:latin typeface="Calibri"/>
                         </a:defRPr>
                       </a:pPr>
                       <a:r>
-                        <a:t>48.7%</a:t>
+                        <a:t>59.0%</a:t>
                       </a:r>
                     </a:p>
                   </a:txBody>
-                  <a:tcPr>
+                  <a:tcPr anchor="ctr">
                     <a:solidFill>
                       <a:srgbClr val="FFFFFF"/>
                     </a:solidFill>
@@ -5251,18 +5245,19 @@
                     <a:lstStyle/>
                     <a:p>
                       <a:pPr algn="ctr">
-                        <a:defRPr sz="1200">
+                        <a:defRPr sz="1100">
                           <a:solidFill>
-                            <a:srgbClr val="CF222E"/>
+                            <a:srgbClr val="333333"/>
                           </a:solidFill>
+                          <a:latin typeface="Calibri"/>
                         </a:defRPr>
                       </a:pPr>
                       <a:r>
-                        <a:t>65.4%</a:t>
+                        <a:t>81.5%</a:t>
                       </a:r>
                     </a:p>
                   </a:txBody>
-                  <a:tcPr>
+                  <a:tcPr anchor="ctr">
                     <a:solidFill>
                       <a:srgbClr val="FFFFFF"/>
                     </a:solidFill>
@@ -5276,20 +5271,21 @@
                     <a:lstStyle/>
                     <a:p>
                       <a:pPr algn="l">
-                        <a:defRPr sz="1200">
+                        <a:defRPr sz="1100" b="1">
                           <a:solidFill>
                             <a:srgbClr val="333333"/>
                           </a:solidFill>
+                          <a:latin typeface="Calibri"/>
                         </a:defRPr>
                       </a:pPr>
                       <a:r>
-                        <a:t>HolmesGPT-API</a:t>
+                        <a:t>DataStorage</a:t>
                       </a:r>
                     </a:p>
                   </a:txBody>
-                  <a:tcPr>
+                  <a:tcPr anchor="ctr">
                     <a:solidFill>
-                      <a:srgbClr val="F6F8FA"/>
+                      <a:srgbClr val="F0F4F8"/>
                     </a:solidFill>
                   </a:tcPr>
                 </a:tc>
@@ -5299,20 +5295,21 @@
                     <a:lstStyle/>
                     <a:p>
                       <a:pPr algn="ctr">
-                        <a:defRPr sz="1200">
+                        <a:defRPr sz="1100">
                           <a:solidFill>
                             <a:srgbClr val="333333"/>
                           </a:solidFill>
+                          <a:latin typeface="Calibri"/>
                         </a:defRPr>
                       </a:pPr>
                       <a:r>
-                        <a:t>79.0%</a:t>
+                        <a:t>60.1%</a:t>
                       </a:r>
                     </a:p>
                   </a:txBody>
-                  <a:tcPr>
+                  <a:tcPr anchor="ctr">
                     <a:solidFill>
-                      <a:srgbClr val="F6F8FA"/>
+                      <a:srgbClr val="F0F4F8"/>
                     </a:solidFill>
                   </a:tcPr>
                 </a:tc>
@@ -5322,20 +5319,21 @@
                     <a:lstStyle/>
                     <a:p>
                       <a:pPr algn="ctr">
-                        <a:defRPr sz="1200">
+                        <a:defRPr sz="1100">
                           <a:solidFill>
                             <a:srgbClr val="333333"/>
                           </a:solidFill>
+                          <a:latin typeface="Calibri"/>
                         </a:defRPr>
                       </a:pPr>
                       <a:r>
-                        <a:t>62.1%</a:t>
+                        <a:t>34.9%</a:t>
                       </a:r>
                     </a:p>
                   </a:txBody>
-                  <a:tcPr>
+                  <a:tcPr anchor="ctr">
                     <a:solidFill>
-                      <a:srgbClr val="F6F8FA"/>
+                      <a:srgbClr val="F0F4F8"/>
                     </a:solidFill>
                   </a:tcPr>
                 </a:tc>
@@ -5345,20 +5343,21 @@
                     <a:lstStyle/>
                     <a:p>
                       <a:pPr algn="ctr">
-                        <a:defRPr sz="1200">
+                        <a:defRPr sz="1100">
                           <a:solidFill>
                             <a:srgbClr val="333333"/>
                           </a:solidFill>
+                          <a:latin typeface="Calibri"/>
                         </a:defRPr>
                       </a:pPr>
                       <a:r>
-                        <a:t>59.1%</a:t>
+                        <a:t>48.7%</a:t>
                       </a:r>
                     </a:p>
                   </a:txBody>
-                  <a:tcPr>
+                  <a:tcPr anchor="ctr">
                     <a:solidFill>
-                      <a:srgbClr val="F6F8FA"/>
+                      <a:srgbClr val="F0F4F8"/>
                     </a:solidFill>
                   </a:tcPr>
                 </a:tc>
@@ -5368,10 +5367,133 @@
                     <a:lstStyle/>
                     <a:p>
                       <a:pPr algn="ctr">
-                        <a:defRPr sz="1200">
+                        <a:defRPr sz="1100">
                           <a:solidFill>
-                            <a:srgbClr val="1A7F37"/>
+                            <a:srgbClr val="333333"/>
                           </a:solidFill>
+                          <a:latin typeface="Calibri"/>
+                        </a:defRPr>
+                      </a:pPr>
+                      <a:r>
+                        <a:t>65.4%</a:t>
+                      </a:r>
+                    </a:p>
+                  </a:txBody>
+                  <a:tcPr anchor="ctr">
+                    <a:solidFill>
+                      <a:srgbClr val="F0F4F8"/>
+                    </a:solidFill>
+                  </a:tcPr>
+                </a:tc>
+              </a:tr>
+              <a:tr h="415636">
+                <a:tc>
+                  <a:txBody>
+                    <a:bodyPr/>
+                    <a:lstStyle/>
+                    <a:p>
+                      <a:pPr algn="l">
+                        <a:defRPr sz="1100" b="1">
+                          <a:solidFill>
+                            <a:srgbClr val="333333"/>
+                          </a:solidFill>
+                          <a:latin typeface="Calibri"/>
+                        </a:defRPr>
+                      </a:pPr>
+                      <a:r>
+                        <a:t>HolmesGPT-API</a:t>
+                      </a:r>
+                    </a:p>
+                  </a:txBody>
+                  <a:tcPr anchor="ctr">
+                    <a:solidFill>
+                      <a:srgbClr val="FFFFFF"/>
+                    </a:solidFill>
+                  </a:tcPr>
+                </a:tc>
+                <a:tc>
+                  <a:txBody>
+                    <a:bodyPr/>
+                    <a:lstStyle/>
+                    <a:p>
+                      <a:pPr algn="ctr">
+                        <a:defRPr sz="1100">
+                          <a:solidFill>
+                            <a:srgbClr val="333333"/>
+                          </a:solidFill>
+                          <a:latin typeface="Calibri"/>
+                        </a:defRPr>
+                      </a:pPr>
+                      <a:r>
+                        <a:t>79.0%</a:t>
+                      </a:r>
+                    </a:p>
+                  </a:txBody>
+                  <a:tcPr anchor="ctr">
+                    <a:solidFill>
+                      <a:srgbClr val="FFFFFF"/>
+                    </a:solidFill>
+                  </a:tcPr>
+                </a:tc>
+                <a:tc>
+                  <a:txBody>
+                    <a:bodyPr/>
+                    <a:lstStyle/>
+                    <a:p>
+                      <a:pPr algn="ctr">
+                        <a:defRPr sz="1100">
+                          <a:solidFill>
+                            <a:srgbClr val="333333"/>
+                          </a:solidFill>
+                          <a:latin typeface="Calibri"/>
+                        </a:defRPr>
+                      </a:pPr>
+                      <a:r>
+                        <a:t>62.1%</a:t>
+                      </a:r>
+                    </a:p>
+                  </a:txBody>
+                  <a:tcPr anchor="ctr">
+                    <a:solidFill>
+                      <a:srgbClr val="FFFFFF"/>
+                    </a:solidFill>
+                  </a:tcPr>
+                </a:tc>
+                <a:tc>
+                  <a:txBody>
+                    <a:bodyPr/>
+                    <a:lstStyle/>
+                    <a:p>
+                      <a:pPr algn="ctr">
+                        <a:defRPr sz="1100">
+                          <a:solidFill>
+                            <a:srgbClr val="333333"/>
+                          </a:solidFill>
+                          <a:latin typeface="Calibri"/>
+                        </a:defRPr>
+                      </a:pPr>
+                      <a:r>
+                        <a:t>59.1%</a:t>
+                      </a:r>
+                    </a:p>
+                  </a:txBody>
+                  <a:tcPr anchor="ctr">
+                    <a:solidFill>
+                      <a:srgbClr val="FFFFFF"/>
+                    </a:solidFill>
+                  </a:tcPr>
+                </a:tc>
+                <a:tc>
+                  <a:txBody>
+                    <a:bodyPr/>
+                    <a:lstStyle/>
+                    <a:p>
+                      <a:pPr algn="ctr">
+                        <a:defRPr sz="1100">
+                          <a:solidFill>
+                            <a:srgbClr val="333333"/>
+                          </a:solidFill>
+                          <a:latin typeface="Calibri"/>
                         </a:defRPr>
                       </a:pPr>
                       <a:r>
@@ -5379,9 +5501,9 @@
                       </a:r>
                     </a:p>
                   </a:txBody>
-                  <a:tcPr>
+                  <a:tcPr anchor="ctr">
                     <a:solidFill>
-                      <a:srgbClr val="F6F8FA"/>
+                      <a:srgbClr val="FFFFFF"/>
                     </a:solidFill>
                   </a:tcPr>
                 </a:tc>
@@ -5393,10 +5515,11 @@
                     <a:lstStyle/>
                     <a:p>
                       <a:pPr algn="l">
-                        <a:defRPr sz="1200">
+                        <a:defRPr sz="1100" b="1">
                           <a:solidFill>
                             <a:srgbClr val="333333"/>
                           </a:solidFill>
+                          <a:latin typeface="Calibri"/>
                         </a:defRPr>
                       </a:pPr>
                       <a:r>
@@ -5404,9 +5527,9 @@
                       </a:r>
                     </a:p>
                   </a:txBody>
-                  <a:tcPr>
+                  <a:tcPr anchor="ctr">
                     <a:solidFill>
-                      <a:srgbClr val="FFFFFF"/>
+                      <a:srgbClr val="F0F4F8"/>
                     </a:solidFill>
                   </a:tcPr>
                 </a:tc>
@@ -5416,10 +5539,11 @@
                     <a:lstStyle/>
                     <a:p>
                       <a:pPr algn="ctr">
-                        <a:defRPr sz="1200">
+                        <a:defRPr sz="1100">
                           <a:solidFill>
                             <a:srgbClr val="333333"/>
                           </a:solidFill>
+                          <a:latin typeface="Calibri"/>
                         </a:defRPr>
                       </a:pPr>
                       <a:r>
@@ -5427,9 +5551,9 @@
                       </a:r>
                     </a:p>
                   </a:txBody>
-                  <a:tcPr>
+                  <a:tcPr anchor="ctr">
                     <a:solidFill>
-                      <a:srgbClr val="FFFFFF"/>
+                      <a:srgbClr val="F0F4F8"/>
                     </a:solidFill>
                   </a:tcPr>
                 </a:tc>
@@ -5439,10 +5563,11 @@
                     <a:lstStyle/>
                     <a:p>
                       <a:pPr algn="ctr">
-                        <a:defRPr sz="1200">
+                        <a:defRPr sz="1100">
                           <a:solidFill>
                             <a:srgbClr val="333333"/>
                           </a:solidFill>
+                          <a:latin typeface="Calibri"/>
                         </a:defRPr>
                       </a:pPr>
                       <a:r>
@@ -5450,9 +5575,9 @@
                       </a:r>
                     </a:p>
                   </a:txBody>
-                  <a:tcPr>
+                  <a:tcPr anchor="ctr">
                     <a:solidFill>
-                      <a:srgbClr val="FFFFFF"/>
+                      <a:srgbClr val="F0F4F8"/>
                     </a:solidFill>
                   </a:tcPr>
                 </a:tc>
@@ -5462,10 +5587,11 @@
                     <a:lstStyle/>
                     <a:p>
                       <a:pPr algn="ctr">
-                        <a:defRPr sz="1200">
+                        <a:defRPr sz="1100">
                           <a:solidFill>
                             <a:srgbClr val="333333"/>
                           </a:solidFill>
+                          <a:latin typeface="Calibri"/>
                         </a:defRPr>
                       </a:pPr>
                       <a:r>
@@ -5473,9 +5599,9 @@
                       </a:r>
                     </a:p>
                   </a:txBody>
-                  <a:tcPr>
+                  <a:tcPr anchor="ctr">
                     <a:solidFill>
-                      <a:srgbClr val="FFFFFF"/>
+                      <a:srgbClr val="F0F4F8"/>
                     </a:solidFill>
                   </a:tcPr>
                 </a:tc>
@@ -5485,10 +5611,11 @@
                     <a:lstStyle/>
                     <a:p>
                       <a:pPr algn="ctr">
-                        <a:defRPr sz="1200">
+                        <a:defRPr sz="1100">
                           <a:solidFill>
-                            <a:srgbClr val="BF8B00"/>
+                            <a:srgbClr val="333333"/>
                           </a:solidFill>
+                          <a:latin typeface="Calibri"/>
                         </a:defRPr>
                       </a:pPr>
                       <a:r>
@@ -5496,9 +5623,9 @@
                       </a:r>
                     </a:p>
                   </a:txBody>
-                  <a:tcPr>
+                  <a:tcPr anchor="ctr">
                     <a:solidFill>
-                      <a:srgbClr val="FFFFFF"/>
+                      <a:srgbClr val="F0F4F8"/>
                     </a:solidFill>
                   </a:tcPr>
                 </a:tc>
@@ -5507,640 +5634,6 @@
           </a:graphicData>
         </a:graphic>
       </p:graphicFrame>
-    </p:spTree>
-  </p:cSld>
-  <p:clrMapOvr>
-    <a:masterClrMapping/>
-  </p:clrMapOvr>
-</p:sld>
-</file>
-
-<file path=ppt/slides/slide14.xml><?xml version="1.0" encoding="utf-8"?>
-<p:sld xmlns:a="http://schemas.openxmlformats.org/drawingml/2006/main" xmlns:p="http://schemas.openxmlformats.org/presentationml/2006/main" xmlns:r="http://schemas.openxmlformats.org/officeDocument/2006/relationships">
-  <p:cSld>
-    <p:bg>
-      <p:bgPr>
-        <a:solidFill>
-          <a:srgbClr val="FFFFFF"/>
-        </a:solidFill>
-        <a:effectLst/>
-      </p:bgPr>
-    </p:bg>
-    <p:spTree>
-      <p:nvGrpSpPr>
-        <p:cNvPr id="1" name=""/>
-        <p:cNvGrpSpPr/>
-        <p:nvPr/>
-      </p:nvGrpSpPr>
-      <p:grpSpPr/>
-      <p:sp>
-        <p:nvSpPr>
-          <p:cNvPr id="2" name="TextBox 1"/>
-          <p:cNvSpPr txBox="1"/>
-          <p:nvPr/>
-        </p:nvSpPr>
-        <p:spPr>
-          <a:xfrm>
-            <a:off x="731520" y="365760"/>
-            <a:ext cx="10058400" cy="640080"/>
-          </a:xfrm>
-          <a:prstGeom prst="rect">
-            <a:avLst/>
-          </a:prstGeom>
-          <a:noFill/>
-        </p:spPr>
-        <p:txBody>
-          <a:bodyPr wrap="square">
-            <a:spAutoFit/>
-          </a:bodyPr>
-          <a:lstStyle/>
-          <a:p>
-            <a:pPr>
-              <a:defRPr sz="3200" b="1">
-                <a:solidFill>
-                  <a:srgbClr val="1A1A2E"/>
-                </a:solidFill>
-              </a:defRPr>
-            </a:pPr>
-            <a:r>
-              <a:t>Live Demo</a:t>
-            </a:r>
-          </a:p>
-          <a:p>
-            <a:pPr>
-              <a:spcBef>
-                <a:spcPts val="600"/>
-              </a:spcBef>
-              <a:defRPr sz="1600">
-                <a:solidFill>
-                  <a:srgbClr val="666666"/>
-                </a:solidFill>
-              </a:defRPr>
-            </a:pPr>
-            <a:r>
-              <a:t>End-to-end autonomous remediation of an OOMKilled pod</a:t>
-            </a:r>
-          </a:p>
-        </p:txBody>
-      </p:sp>
-      <p:sp>
-        <p:nvSpPr>
-          <p:cNvPr id="3" name="Rectangle 2"/>
-          <p:cNvSpPr/>
-          <p:nvPr/>
-        </p:nvSpPr>
-        <p:spPr>
-          <a:xfrm>
-            <a:off x="731520" y="1005840"/>
-            <a:ext cx="1828800" cy="38100"/>
-          </a:xfrm>
-          <a:prstGeom prst="rect">
-            <a:avLst/>
-          </a:prstGeom>
-          <a:solidFill>
-            <a:srgbClr val="007ACC"/>
-          </a:solidFill>
-          <a:ln>
-            <a:noFill/>
-          </a:ln>
-        </p:spPr>
-        <p:style>
-          <a:lnRef idx="1">
-            <a:schemeClr val="accent1"/>
-          </a:lnRef>
-          <a:fillRef idx="3">
-            <a:schemeClr val="accent1"/>
-          </a:fillRef>
-          <a:effectRef idx="2">
-            <a:schemeClr val="accent1"/>
-          </a:effectRef>
-          <a:fontRef idx="minor">
-            <a:schemeClr val="lt1"/>
-          </a:fontRef>
-        </p:style>
-        <p:txBody>
-          <a:bodyPr rtlCol="0" anchor="ctr"/>
-          <a:lstStyle/>
-          <a:p>
-            <a:pPr algn="ctr"/>
-          </a:p>
-        </p:txBody>
-      </p:sp>
-      <p:sp>
-        <p:nvSpPr>
-          <p:cNvPr id="4" name="TextBox 3"/>
-          <p:cNvSpPr txBox="1"/>
-          <p:nvPr/>
-        </p:nvSpPr>
-        <p:spPr>
-          <a:xfrm>
-            <a:off x="731520" y="1280160"/>
-            <a:ext cx="5029200" cy="5029200"/>
-          </a:xfrm>
-          <a:prstGeom prst="rect">
-            <a:avLst/>
-          </a:prstGeom>
-          <a:noFill/>
-        </p:spPr>
-        <p:txBody>
-          <a:bodyPr wrap="square">
-            <a:spAutoFit/>
-          </a:bodyPr>
-          <a:lstStyle/>
-          <a:p>
-            <a:pPr>
-              <a:spcBef>
-                <a:spcPts val="400"/>
-              </a:spcBef>
-              <a:defRPr sz="1300">
-                <a:solidFill>
-                  <a:srgbClr val="333333"/>
-                </a:solidFill>
-              </a:defRPr>
-            </a:pPr>
-            <a:r>
-              <a:t>Scenario:</a:t>
-            </a:r>
-          </a:p>
-          <a:p>
-            <a:pPr>
-              <a:spcBef>
-                <a:spcPts val="800"/>
-              </a:spcBef>
-            </a:pPr>
-          </a:p>
-          <a:p>
-            <a:pPr>
-              <a:spcBef>
-                <a:spcPts val="400"/>
-              </a:spcBef>
-              <a:defRPr sz="1300">
-                <a:solidFill>
-                  <a:srgbClr val="333333"/>
-                </a:solidFill>
-              </a:defRPr>
-            </a:pPr>
-            <a:r>
-              <a:t>A memory-eater pod is deployed with a 50Mi memory limit</a:t>
-            </a:r>
-          </a:p>
-          <a:p>
-            <a:pPr>
-              <a:spcBef>
-                <a:spcPts val="400"/>
-              </a:spcBef>
-              <a:defRPr sz="1300">
-                <a:solidFill>
-                  <a:srgbClr val="333333"/>
-                </a:solidFill>
-              </a:defRPr>
-            </a:pPr>
-            <a:r>
-              <a:t>The application needs 60Mi, so it gets OOMKilled by the kernel</a:t>
-            </a:r>
-          </a:p>
-          <a:p>
-            <a:pPr>
-              <a:spcBef>
-                <a:spcPts val="400"/>
-              </a:spcBef>
-              <a:defRPr sz="1300">
-                <a:solidFill>
-                  <a:srgbClr val="333333"/>
-                </a:solidFill>
-              </a:defRPr>
-            </a:pPr>
-            <a:r>
-              <a:t>The pod enters CrashLoopBackOff, triggering a Kubernetes event</a:t>
-            </a:r>
-          </a:p>
-          <a:p>
-            <a:pPr>
-              <a:spcBef>
-                <a:spcPts val="800"/>
-              </a:spcBef>
-            </a:pPr>
-          </a:p>
-          <a:p>
-            <a:pPr>
-              <a:spcBef>
-                <a:spcPts val="400"/>
-              </a:spcBef>
-              <a:defRPr sz="1300">
-                <a:solidFill>
-                  <a:srgbClr val="333333"/>
-                </a:solidFill>
-              </a:defRPr>
-            </a:pPr>
-            <a:r>
-              <a:t>What Kubernaut Does:</a:t>
-            </a:r>
-          </a:p>
-          <a:p>
-            <a:pPr>
-              <a:spcBef>
-                <a:spcPts val="800"/>
-              </a:spcBef>
-            </a:pPr>
-          </a:p>
-          <a:p>
-            <a:pPr>
-              <a:spcBef>
-                <a:spcPts val="400"/>
-              </a:spcBef>
-              <a:defRPr sz="1300">
-                <a:solidFill>
-                  <a:srgbClr val="333333"/>
-                </a:solidFill>
-              </a:defRPr>
-            </a:pPr>
-            <a:r>
-              <a:t>1. Gateway ingests the OOMKill event</a:t>
-            </a:r>
-          </a:p>
-          <a:p>
-            <a:pPr>
-              <a:spcBef>
-                <a:spcPts val="400"/>
-              </a:spcBef>
-              <a:defRPr sz="1300">
-                <a:solidFill>
-                  <a:srgbClr val="333333"/>
-                </a:solidFill>
-              </a:defRPr>
-            </a:pPr>
-            <a:r>
-              <a:t>2. Signal Processing enriches it (owner chain, labels, classification)</a:t>
-            </a:r>
-          </a:p>
-          <a:p>
-            <a:pPr>
-              <a:spcBef>
-                <a:spcPts val="400"/>
-              </a:spcBef>
-              <a:defRPr sz="1300">
-                <a:solidFill>
-                  <a:srgbClr val="333333"/>
-                </a:solidFill>
-              </a:defRPr>
-            </a:pPr>
-            <a:r>
-              <a:t>3. AI Analysis sends it to the LLM via HolmesGPT-API</a:t>
-            </a:r>
-          </a:p>
-          <a:p>
-            <a:pPr>
-              <a:spcBef>
-                <a:spcPts val="400"/>
-              </a:spcBef>
-              <a:defRPr sz="1300">
-                <a:solidFill>
-                  <a:srgbClr val="333333"/>
-                </a:solidFill>
-              </a:defRPr>
-            </a:pPr>
-            <a:r>
-              <a:t>4. LLM diagnoses: "memory limit too low" with 0.95 confidence</a:t>
-            </a:r>
-          </a:p>
-          <a:p>
-            <a:pPr>
-              <a:spcBef>
-                <a:spcPts val="400"/>
-              </a:spcBef>
-              <a:defRPr sz="1300">
-                <a:solidFill>
-                  <a:srgbClr val="333333"/>
-                </a:solidFill>
-              </a:defRPr>
-            </a:pPr>
-            <a:r>
-              <a:t>5. LLM selects the oomkill-increase-memory workflow</a:t>
-            </a:r>
-          </a:p>
-        </p:txBody>
-      </p:sp>
-      <p:sp>
-        <p:nvSpPr>
-          <p:cNvPr id="5" name="TextBox 4"/>
-          <p:cNvSpPr txBox="1"/>
-          <p:nvPr/>
-        </p:nvSpPr>
-        <p:spPr>
-          <a:xfrm>
-            <a:off x="6217920" y="1280160"/>
-            <a:ext cx="5303520" cy="5029200"/>
-          </a:xfrm>
-          <a:prstGeom prst="rect">
-            <a:avLst/>
-          </a:prstGeom>
-          <a:noFill/>
-        </p:spPr>
-        <p:txBody>
-          <a:bodyPr wrap="square">
-            <a:spAutoFit/>
-          </a:bodyPr>
-          <a:lstStyle/>
-          <a:p>
-            <a:pPr>
-              <a:spcBef>
-                <a:spcPts val="400"/>
-              </a:spcBef>
-              <a:defRPr sz="1300">
-                <a:solidFill>
-                  <a:srgbClr val="333333"/>
-                </a:solidFill>
-              </a:defRPr>
-            </a:pPr>
-            <a:r>
-              <a:t>What to Watch:</a:t>
-            </a:r>
-          </a:p>
-          <a:p>
-            <a:pPr>
-              <a:spcBef>
-                <a:spcPts val="800"/>
-              </a:spcBef>
-            </a:pPr>
-          </a:p>
-          <a:p>
-            <a:pPr>
-              <a:spcBef>
-                <a:spcPts val="400"/>
-              </a:spcBef>
-              <a:defRPr sz="1300">
-                <a:solidFill>
-                  <a:srgbClr val="333333"/>
-                </a:solidFill>
-              </a:defRPr>
-            </a:pPr>
-            <a:r>
-              <a:t>6. Rego policy evaluates approval (auto-approved in dev)</a:t>
-            </a:r>
-          </a:p>
-          <a:p>
-            <a:pPr>
-              <a:spcBef>
-                <a:spcPts val="400"/>
-              </a:spcBef>
-              <a:defRPr sz="1300">
-                <a:solidFill>
-                  <a:srgbClr val="333333"/>
-                </a:solidFill>
-              </a:defRPr>
-            </a:pPr>
-            <a:r>
-              <a:t>7. Workflow Execution runs a K8s Job that patches the Deployment memory limit from 50Mi to 128Mi</a:t>
-            </a:r>
-          </a:p>
-          <a:p>
-            <a:pPr>
-              <a:spcBef>
-                <a:spcPts val="400"/>
-              </a:spcBef>
-              <a:defRPr sz="1300">
-                <a:solidFill>
-                  <a:srgbClr val="333333"/>
-                </a:solidFill>
-              </a:defRPr>
-            </a:pPr>
-            <a:r>
-              <a:t>8. Kubernetes rolls out a new pod with the higher limit</a:t>
-            </a:r>
-          </a:p>
-          <a:p>
-            <a:pPr>
-              <a:spcBef>
-                <a:spcPts val="400"/>
-              </a:spcBef>
-              <a:defRPr sz="1300">
-                <a:solidFill>
-                  <a:srgbClr val="333333"/>
-                </a:solidFill>
-              </a:defRPr>
-            </a:pPr>
-            <a:r>
-              <a:t>9. Pod starts successfully and stays Running</a:t>
-            </a:r>
-          </a:p>
-          <a:p>
-            <a:pPr>
-              <a:spcBef>
-                <a:spcPts val="400"/>
-              </a:spcBef>
-              <a:defRPr sz="1300">
-                <a:solidFill>
-                  <a:srgbClr val="333333"/>
-                </a:solidFill>
-              </a:defRPr>
-            </a:pPr>
-            <a:r>
-              <a:t>10. Effectiveness Monitor assesses the fix (health, alerts, metrics, spec hash)</a:t>
-            </a:r>
-          </a:p>
-          <a:p>
-            <a:pPr>
-              <a:spcBef>
-                <a:spcPts val="400"/>
-              </a:spcBef>
-              <a:defRPr sz="1300">
-                <a:solidFill>
-                  <a:srgbClr val="333333"/>
-                </a:solidFill>
-              </a:defRPr>
-            </a:pPr>
-            <a:r>
-              <a:t>11. Notification sends a Slack message with the outcome</a:t>
-            </a:r>
-          </a:p>
-          <a:p>
-            <a:pPr>
-              <a:spcBef>
-                <a:spcPts val="800"/>
-              </a:spcBef>
-            </a:pPr>
-          </a:p>
-          <a:p>
-            <a:pPr>
-              <a:spcBef>
-                <a:spcPts val="400"/>
-              </a:spcBef>
-              <a:defRPr sz="1300">
-                <a:solidFill>
-                  <a:srgbClr val="333333"/>
-                </a:solidFill>
-              </a:defRPr>
-            </a:pPr>
-            <a:r>
-              <a:t>Key Observation:</a:t>
-            </a:r>
-          </a:p>
-          <a:p>
-            <a:pPr>
-              <a:spcBef>
-                <a:spcPts val="400"/>
-              </a:spcBef>
-              <a:defRPr sz="1300">
-                <a:solidFill>
-                  <a:srgbClr val="333333"/>
-                </a:solidFill>
-              </a:defRPr>
-            </a:pPr>
-            <a:r>
-              <a:t>The entire pipeline runs autonomously</a:t>
-            </a:r>
-          </a:p>
-          <a:p>
-            <a:pPr>
-              <a:spcBef>
-                <a:spcPts val="400"/>
-              </a:spcBef>
-              <a:defRPr sz="1300">
-                <a:solidFill>
-                  <a:srgbClr val="333333"/>
-                </a:solidFill>
-              </a:defRPr>
-            </a:pPr>
-            <a:r>
-              <a:t>No human intervention from alert to fix</a:t>
-            </a:r>
-          </a:p>
-          <a:p>
-            <a:pPr>
-              <a:spcBef>
-                <a:spcPts val="400"/>
-              </a:spcBef>
-              <a:defRPr sz="1300">
-                <a:solidFill>
-                  <a:srgbClr val="333333"/>
-                </a:solidFill>
-              </a:defRPr>
-            </a:pPr>
-            <a:r>
-              <a:t>Full audit trail in DataStorage at every step</a:t>
-            </a:r>
-          </a:p>
-        </p:txBody>
-      </p:sp>
-    </p:spTree>
-  </p:cSld>
-  <p:clrMapOvr>
-    <a:masterClrMapping/>
-  </p:clrMapOvr>
-</p:sld>
-</file>
-
-<file path=ppt/slides/slide15.xml><?xml version="1.0" encoding="utf-8"?>
-<p:sld xmlns:a="http://schemas.openxmlformats.org/drawingml/2006/main" xmlns:p="http://schemas.openxmlformats.org/presentationml/2006/main" xmlns:r="http://schemas.openxmlformats.org/officeDocument/2006/relationships">
-  <p:cSld>
-    <p:bg>
-      <p:bgPr>
-        <a:solidFill>
-          <a:srgbClr val="FFFFFF"/>
-        </a:solidFill>
-        <a:effectLst/>
-      </p:bgPr>
-    </p:bg>
-    <p:spTree>
-      <p:nvGrpSpPr>
-        <p:cNvPr id="1" name=""/>
-        <p:cNvGrpSpPr/>
-        <p:nvPr/>
-      </p:nvGrpSpPr>
-      <p:grpSpPr/>
-      <p:sp>
-        <p:nvSpPr>
-          <p:cNvPr id="2" name="TextBox 1"/>
-          <p:cNvSpPr txBox="1"/>
-          <p:nvPr/>
-        </p:nvSpPr>
-        <p:spPr>
-          <a:xfrm>
-            <a:off x="731520" y="1828800"/>
-            <a:ext cx="10058400" cy="1828800"/>
-          </a:xfrm>
-          <a:prstGeom prst="rect">
-            <a:avLst/>
-          </a:prstGeom>
-          <a:noFill/>
-        </p:spPr>
-        <p:txBody>
-          <a:bodyPr wrap="none">
-            <a:spAutoFit/>
-          </a:bodyPr>
-          <a:lstStyle/>
-          <a:p>
-            <a:pPr algn="ctr">
-              <a:defRPr sz="5400" b="1">
-                <a:solidFill>
-                  <a:srgbClr val="1A1A2E"/>
-                </a:solidFill>
-              </a:defRPr>
-            </a:pPr>
-            <a:r>
-              <a:t>Questions?</a:t>
-            </a:r>
-          </a:p>
-          <a:p>
-            <a:pPr algn="ctr">
-              <a:spcBef>
-                <a:spcPts val="3600"/>
-              </a:spcBef>
-              <a:defRPr sz="2000">
-                <a:solidFill>
-                  <a:srgbClr val="007ACC"/>
-                </a:solidFill>
-              </a:defRPr>
-            </a:pPr>
-            <a:r>
-              <a:t>github.com/jordigilh/kubernaut</a:t>
-            </a:r>
-          </a:p>
-        </p:txBody>
-      </p:sp>
-      <p:sp>
-        <p:nvSpPr>
-          <p:cNvPr id="3" name="Rectangle 2"/>
-          <p:cNvSpPr/>
-          <p:nvPr/>
-        </p:nvSpPr>
-        <p:spPr>
-          <a:xfrm>
-            <a:off x="731520" y="1691640"/>
-            <a:ext cx="1828800" cy="38100"/>
-          </a:xfrm>
-          <a:prstGeom prst="rect">
-            <a:avLst/>
-          </a:prstGeom>
-          <a:solidFill>
-            <a:srgbClr val="007ACC"/>
-          </a:solidFill>
-          <a:ln>
-            <a:noFill/>
-          </a:ln>
-        </p:spPr>
-        <p:style>
-          <a:lnRef idx="1">
-            <a:schemeClr val="accent1"/>
-          </a:lnRef>
-          <a:fillRef idx="3">
-            <a:schemeClr val="accent1"/>
-          </a:fillRef>
-          <a:effectRef idx="2">
-            <a:schemeClr val="accent1"/>
-          </a:effectRef>
-          <a:fontRef idx="minor">
-            <a:schemeClr val="lt1"/>
-          </a:fontRef>
-        </p:style>
-        <p:txBody>
-          <a:bodyPr rtlCol="0" anchor="ctr"/>
-          <a:lstStyle/>
-          <a:p>
-            <a:pPr algn="ctr"/>
-          </a:p>
-        </p:txBody>
-      </p:sp>
     </p:spTree>
   </p:cSld>
   <p:clrMapOvr>
@@ -6175,8 +5668,8 @@
         </p:nvSpPr>
         <p:spPr>
           <a:xfrm>
-            <a:off x="731520" y="365760"/>
-            <a:ext cx="10058400" cy="640080"/>
+            <a:off x="457200" y="274320"/>
+            <a:ext cx="8229600" cy="548640"/>
           </a:xfrm>
           <a:prstGeom prst="rect">
             <a:avLst/>
@@ -6190,10 +5683,11 @@
           <a:lstStyle/>
           <a:p>
             <a:pPr>
-              <a:defRPr sz="3200" b="1">
-                <a:solidFill>
-                  <a:srgbClr val="1A1A2E"/>
-                </a:solidFill>
+              <a:defRPr sz="2800" b="1">
+                <a:solidFill>
+                  <a:srgbClr val="1B2A4A"/>
+                </a:solidFill>
+                <a:latin typeface="Calibri"/>
               </a:defRPr>
             </a:pPr>
             <a:r>
@@ -6204,24 +5698,61 @@
       </p:sp>
       <p:sp>
         <p:nvSpPr>
-          <p:cNvPr id="3" name="Rectangle 2"/>
+          <p:cNvPr id="3" name="TextBox 2"/>
+          <p:cNvSpPr txBox="1"/>
+          <p:nvPr/>
+        </p:nvSpPr>
+        <p:spPr>
+          <a:xfrm>
+            <a:off x="457200" y="822960"/>
+            <a:ext cx="8229600" cy="640080"/>
+          </a:xfrm>
+          <a:prstGeom prst="rect">
+            <a:avLst/>
+          </a:prstGeom>
+          <a:noFill/>
+        </p:spPr>
+        <p:txBody>
+          <a:bodyPr wrap="square">
+            <a:spAutoFit/>
+          </a:bodyPr>
+          <a:lstStyle/>
+          <a:p>
+            <a:pPr>
+              <a:defRPr sz="1200" i="1">
+                <a:solidFill>
+                  <a:srgbClr val="333333"/>
+                </a:solidFill>
+                <a:latin typeface="Calibri"/>
+              </a:defRPr>
+            </a:pPr>
+            <a:r>
+              <a:t>When a monitoring alert fires, Kubernaut ingests it, enriches it with cluster context, asks an LLM to diagnose the root cause and select a remediation workflow, executes that workflow safely, and then measures whether the fix actually worked.</a:t>
+            </a:r>
+          </a:p>
+        </p:txBody>
+      </p:sp>
+      <p:sp>
+        <p:nvSpPr>
+          <p:cNvPr id="4" name="Rectangle 3"/>
           <p:cNvSpPr/>
           <p:nvPr/>
         </p:nvSpPr>
         <p:spPr>
           <a:xfrm>
-            <a:off x="731520" y="1005840"/>
-            <a:ext cx="1828800" cy="38100"/>
+            <a:off x="731520" y="1554480"/>
+            <a:ext cx="6858000" cy="4114800"/>
           </a:xfrm>
           <a:prstGeom prst="rect">
             <a:avLst/>
           </a:prstGeom>
           <a:solidFill>
-            <a:srgbClr val="007ACC"/>
+            <a:srgbClr val="F5F5F0"/>
           </a:solidFill>
           <a:ln>
             <a:noFill/>
           </a:ln>
+          <a:effectLst/>
         </p:spPr>
         <p:style>
           <a:lnRef idx="1">
@@ -6247,14 +5778,14 @@
       </p:sp>
       <p:sp>
         <p:nvSpPr>
-          <p:cNvPr id="4" name="TextBox 3"/>
+          <p:cNvPr id="5" name="TextBox 4"/>
           <p:cNvSpPr txBox="1"/>
           <p:nvPr/>
         </p:nvSpPr>
         <p:spPr>
           <a:xfrm>
-            <a:off x="731520" y="1188720"/>
-            <a:ext cx="10515600" cy="640080"/>
+            <a:off x="868680" y="1645920"/>
+            <a:ext cx="6583680" cy="3931920"/>
           </a:xfrm>
           <a:prstGeom prst="rect">
             <a:avLst/>
@@ -6268,42 +5799,443 @@
           <a:lstStyle/>
           <a:p>
             <a:pPr>
-              <a:defRPr sz="1300">
-                <a:solidFill>
-                  <a:srgbClr val="666666"/>
-                </a:solidFill>
-              </a:defRPr>
-            </a:pPr>
-            <a:r>
-              <a:t>When a monitoring alert fires, Kubernaut ingests it, enriches it with cluster context, asks an LLM to diagnose the root cause and select a remediation workflow, executes that workflow safely, and then measures whether the fix actually worked.</a:t>
-            </a:r>
-          </a:p>
-        </p:txBody>
-      </p:sp>
-      <p:pic>
-        <p:nvPicPr>
-          <p:cNvPr id="5" name="Picture 4" descr="kubernaut-architecture.png"/>
-          <p:cNvPicPr>
-            <a:picLocks noChangeAspect="1"/>
-          </p:cNvPicPr>
-          <p:nvPr/>
-        </p:nvPicPr>
-        <p:blipFill>
-          <a:blip r:embed="rId2"/>
-          <a:stretch>
-            <a:fillRect/>
-          </a:stretch>
-        </p:blipFill>
-        <p:spPr>
-          <a:xfrm>
-            <a:off x="838047" y="2011680"/>
-            <a:ext cx="10515600" cy="4572000"/>
-          </a:xfrm>
-          <a:prstGeom prst="rect">
-            <a:avLst/>
-          </a:prstGeom>
-        </p:spPr>
-      </p:pic>
+              <a:spcBef>
+                <a:spcPts val="0"/>
+              </a:spcBef>
+              <a:spcAft>
+                <a:spcPts val="100"/>
+              </a:spcAft>
+              <a:defRPr sz="1000">
+                <a:solidFill>
+                  <a:srgbClr val="333333"/>
+                </a:solidFill>
+                <a:latin typeface="Courier New"/>
+              </a:defRPr>
+            </a:pPr>
+            <a:r>
+              <a:t>Alert (Prometheus / K8s Event)</a:t>
+            </a:r>
+          </a:p>
+          <a:p>
+            <a:pPr>
+              <a:spcBef>
+                <a:spcPts val="0"/>
+              </a:spcBef>
+              <a:spcAft>
+                <a:spcPts val="100"/>
+              </a:spcAft>
+              <a:defRPr sz="1000">
+                <a:solidFill>
+                  <a:srgbClr val="333333"/>
+                </a:solidFill>
+                <a:latin typeface="Courier New"/>
+              </a:defRPr>
+            </a:pPr>
+            <a:r>
+              <a:t>  |</a:t>
+            </a:r>
+          </a:p>
+          <a:p>
+            <a:pPr>
+              <a:spcBef>
+                <a:spcPts val="0"/>
+              </a:spcBef>
+              <a:spcAft>
+                <a:spcPts val="100"/>
+              </a:spcAft>
+              <a:defRPr sz="1000">
+                <a:solidFill>
+                  <a:srgbClr val="333333"/>
+                </a:solidFill>
+                <a:latin typeface="Courier New"/>
+              </a:defRPr>
+            </a:pPr>
+            <a:r>
+              <a:t>  v</a:t>
+            </a:r>
+          </a:p>
+          <a:p>
+            <a:pPr>
+              <a:spcBef>
+                <a:spcPts val="0"/>
+              </a:spcBef>
+              <a:spcAft>
+                <a:spcPts val="100"/>
+              </a:spcAft>
+              <a:defRPr sz="1000">
+                <a:solidFill>
+                  <a:srgbClr val="333333"/>
+                </a:solidFill>
+                <a:latin typeface="Courier New"/>
+              </a:defRPr>
+            </a:pPr>
+            <a:r>
+              <a:t>Gateway --&gt; RemediationRequest CRD</a:t>
+            </a:r>
+          </a:p>
+          <a:p>
+            <a:pPr>
+              <a:spcBef>
+                <a:spcPts val="0"/>
+              </a:spcBef>
+              <a:spcAft>
+                <a:spcPts val="100"/>
+              </a:spcAft>
+              <a:defRPr sz="1000">
+                <a:solidFill>
+                  <a:srgbClr val="333333"/>
+                </a:solidFill>
+                <a:latin typeface="Courier New"/>
+              </a:defRPr>
+            </a:pPr>
+            <a:r>
+              <a:t>  |</a:t>
+            </a:r>
+          </a:p>
+          <a:p>
+            <a:pPr>
+              <a:spcBef>
+                <a:spcPts val="0"/>
+              </a:spcBef>
+              <a:spcAft>
+                <a:spcPts val="100"/>
+              </a:spcAft>
+              <a:defRPr sz="1000">
+                <a:solidFill>
+                  <a:srgbClr val="333333"/>
+                </a:solidFill>
+                <a:latin typeface="Courier New"/>
+              </a:defRPr>
+            </a:pPr>
+            <a:r>
+              <a:t>  v</a:t>
+            </a:r>
+          </a:p>
+          <a:p>
+            <a:pPr>
+              <a:spcBef>
+                <a:spcPts val="0"/>
+              </a:spcBef>
+              <a:spcAft>
+                <a:spcPts val="100"/>
+              </a:spcAft>
+              <a:defRPr sz="1000">
+                <a:solidFill>
+                  <a:srgbClr val="333333"/>
+                </a:solidFill>
+                <a:latin typeface="Courier New"/>
+              </a:defRPr>
+            </a:pPr>
+            <a:r>
+              <a:t>Signal Processing --&gt; SignalProcessing CRD</a:t>
+            </a:r>
+          </a:p>
+          <a:p>
+            <a:pPr>
+              <a:spcBef>
+                <a:spcPts val="0"/>
+              </a:spcBef>
+              <a:spcAft>
+                <a:spcPts val="100"/>
+              </a:spcAft>
+              <a:defRPr sz="1000">
+                <a:solidFill>
+                  <a:srgbClr val="333333"/>
+                </a:solidFill>
+                <a:latin typeface="Courier New"/>
+              </a:defRPr>
+            </a:pPr>
+            <a:r>
+              <a:t>  |                   (enrichment + Rego classification)</a:t>
+            </a:r>
+          </a:p>
+          <a:p>
+            <a:pPr>
+              <a:spcBef>
+                <a:spcPts val="0"/>
+              </a:spcBef>
+              <a:spcAft>
+                <a:spcPts val="100"/>
+              </a:spcAft>
+              <a:defRPr sz="1000">
+                <a:solidFill>
+                  <a:srgbClr val="333333"/>
+                </a:solidFill>
+                <a:latin typeface="Courier New"/>
+              </a:defRPr>
+            </a:pPr>
+            <a:r>
+              <a:t>  v</a:t>
+            </a:r>
+          </a:p>
+          <a:p>
+            <a:pPr>
+              <a:spcBef>
+                <a:spcPts val="0"/>
+              </a:spcBef>
+              <a:spcAft>
+                <a:spcPts val="100"/>
+              </a:spcAft>
+              <a:defRPr sz="1000">
+                <a:solidFill>
+                  <a:srgbClr val="333333"/>
+                </a:solidFill>
+                <a:latin typeface="Courier New"/>
+              </a:defRPr>
+            </a:pPr>
+            <a:r>
+              <a:t>AI Analysis --&gt; AIAnalysis CRD</a:t>
+            </a:r>
+          </a:p>
+          <a:p>
+            <a:pPr>
+              <a:spcBef>
+                <a:spcPts val="0"/>
+              </a:spcBef>
+              <a:spcAft>
+                <a:spcPts val="100"/>
+              </a:spcAft>
+              <a:defRPr sz="1000">
+                <a:solidFill>
+                  <a:srgbClr val="333333"/>
+                </a:solidFill>
+                <a:latin typeface="Courier New"/>
+              </a:defRPr>
+            </a:pPr>
+            <a:r>
+              <a:t>  |             (HolmesGPT RCA + workflow selection + Rego approval)</a:t>
+            </a:r>
+          </a:p>
+          <a:p>
+            <a:pPr>
+              <a:spcBef>
+                <a:spcPts val="0"/>
+              </a:spcBef>
+              <a:spcAft>
+                <a:spcPts val="100"/>
+              </a:spcAft>
+              <a:defRPr sz="1000">
+                <a:solidFill>
+                  <a:srgbClr val="333333"/>
+                </a:solidFill>
+                <a:latin typeface="Courier New"/>
+              </a:defRPr>
+            </a:pPr>
+            <a:r>
+              <a:t>  v</a:t>
+            </a:r>
+          </a:p>
+          <a:p>
+            <a:pPr>
+              <a:spcBef>
+                <a:spcPts val="0"/>
+              </a:spcBef>
+              <a:spcAft>
+                <a:spcPts val="100"/>
+              </a:spcAft>
+              <a:defRPr sz="1000">
+                <a:solidFill>
+                  <a:srgbClr val="333333"/>
+                </a:solidFill>
+                <a:latin typeface="Courier New"/>
+              </a:defRPr>
+            </a:pPr>
+            <a:r>
+              <a:t>Remediation Orchestrator --&gt; coordinates lifecycle</a:t>
+            </a:r>
+          </a:p>
+          <a:p>
+            <a:pPr>
+              <a:spcBef>
+                <a:spcPts val="0"/>
+              </a:spcBef>
+              <a:spcAft>
+                <a:spcPts val="100"/>
+              </a:spcAft>
+              <a:defRPr sz="1000">
+                <a:solidFill>
+                  <a:srgbClr val="333333"/>
+                </a:solidFill>
+                <a:latin typeface="Courier New"/>
+              </a:defRPr>
+            </a:pPr>
+            <a:r>
+              <a:t>  |</a:t>
+            </a:r>
+          </a:p>
+          <a:p>
+            <a:pPr>
+              <a:spcBef>
+                <a:spcPts val="0"/>
+              </a:spcBef>
+              <a:spcAft>
+                <a:spcPts val="100"/>
+              </a:spcAft>
+              <a:defRPr sz="1000">
+                <a:solidFill>
+                  <a:srgbClr val="333333"/>
+                </a:solidFill>
+                <a:latin typeface="Courier New"/>
+              </a:defRPr>
+            </a:pPr>
+            <a:r>
+              <a:t>  v</a:t>
+            </a:r>
+          </a:p>
+          <a:p>
+            <a:pPr>
+              <a:spcBef>
+                <a:spcPts val="0"/>
+              </a:spcBef>
+              <a:spcAft>
+                <a:spcPts val="100"/>
+              </a:spcAft>
+              <a:defRPr sz="1000">
+                <a:solidFill>
+                  <a:srgbClr val="333333"/>
+                </a:solidFill>
+                <a:latin typeface="Courier New"/>
+              </a:defRPr>
+            </a:pPr>
+            <a:r>
+              <a:t>Workflow Execution --&gt; WorkflowExecution CRD</a:t>
+            </a:r>
+          </a:p>
+          <a:p>
+            <a:pPr>
+              <a:spcBef>
+                <a:spcPts val="0"/>
+              </a:spcBef>
+              <a:spcAft>
+                <a:spcPts val="100"/>
+              </a:spcAft>
+              <a:defRPr sz="1000">
+                <a:solidFill>
+                  <a:srgbClr val="333333"/>
+                </a:solidFill>
+                <a:latin typeface="Courier New"/>
+              </a:defRPr>
+            </a:pPr>
+            <a:r>
+              <a:t>  |                    (Tekton PipelineRun / K8s Job)</a:t>
+            </a:r>
+          </a:p>
+          <a:p>
+            <a:pPr>
+              <a:spcBef>
+                <a:spcPts val="0"/>
+              </a:spcBef>
+              <a:spcAft>
+                <a:spcPts val="100"/>
+              </a:spcAft>
+              <a:defRPr sz="1000">
+                <a:solidFill>
+                  <a:srgbClr val="333333"/>
+                </a:solidFill>
+                <a:latin typeface="Courier New"/>
+              </a:defRPr>
+            </a:pPr>
+            <a:r>
+              <a:t>  v</a:t>
+            </a:r>
+          </a:p>
+          <a:p>
+            <a:pPr>
+              <a:spcBef>
+                <a:spcPts val="0"/>
+              </a:spcBef>
+              <a:spcAft>
+                <a:spcPts val="100"/>
+              </a:spcAft>
+              <a:defRPr sz="1000">
+                <a:solidFill>
+                  <a:srgbClr val="333333"/>
+                </a:solidFill>
+                <a:latin typeface="Courier New"/>
+              </a:defRPr>
+            </a:pPr>
+            <a:r>
+              <a:t>Effectiveness Monitor --&gt; EffectivenessAssessment CRD</a:t>
+            </a:r>
+          </a:p>
+          <a:p>
+            <a:pPr>
+              <a:spcBef>
+                <a:spcPts val="0"/>
+              </a:spcBef>
+              <a:spcAft>
+                <a:spcPts val="100"/>
+              </a:spcAft>
+              <a:defRPr sz="1000">
+                <a:solidFill>
+                  <a:srgbClr val="333333"/>
+                </a:solidFill>
+                <a:latin typeface="Courier New"/>
+              </a:defRPr>
+            </a:pPr>
+            <a:r>
+              <a:t>  |                       (health + alerts + metrics + spec hash)</a:t>
+            </a:r>
+          </a:p>
+          <a:p>
+            <a:pPr>
+              <a:spcBef>
+                <a:spcPts val="0"/>
+              </a:spcBef>
+              <a:spcAft>
+                <a:spcPts val="100"/>
+              </a:spcAft>
+              <a:defRPr sz="1000">
+                <a:solidFill>
+                  <a:srgbClr val="333333"/>
+                </a:solidFill>
+                <a:latin typeface="Courier New"/>
+              </a:defRPr>
+            </a:pPr>
+            <a:r>
+              <a:t>  v</a:t>
+            </a:r>
+          </a:p>
+          <a:p>
+            <a:pPr>
+              <a:spcBef>
+                <a:spcPts val="0"/>
+              </a:spcBef>
+              <a:spcAft>
+                <a:spcPts val="100"/>
+              </a:spcAft>
+              <a:defRPr sz="1000">
+                <a:solidFill>
+                  <a:srgbClr val="333333"/>
+                </a:solidFill>
+                <a:latin typeface="Courier New"/>
+              </a:defRPr>
+            </a:pPr>
+            <a:r>
+              <a:t>Notification --&gt; NotificationRequest CRD</a:t>
+            </a:r>
+          </a:p>
+          <a:p>
+            <a:pPr>
+              <a:spcBef>
+                <a:spcPts val="0"/>
+              </a:spcBef>
+              <a:spcAft>
+                <a:spcPts val="100"/>
+              </a:spcAft>
+              <a:defRPr sz="1000">
+                <a:solidFill>
+                  <a:srgbClr val="333333"/>
+                </a:solidFill>
+                <a:latin typeface="Courier New"/>
+              </a:defRPr>
+            </a:pPr>
+            <a:r>
+              <a:t>                 (Slack, Email, Console)</a:t>
+            </a:r>
+          </a:p>
+        </p:txBody>
+      </p:sp>
       <p:sp>
         <p:nvSpPr>
           <p:cNvPr id="6" name="TextBox 5"/>
@@ -6312,8 +6244,8 @@
         </p:nvSpPr>
         <p:spPr>
           <a:xfrm>
-            <a:off x="731520" y="6400800"/>
-            <a:ext cx="10058400" cy="365760"/>
+            <a:off x="457200" y="5852160"/>
+            <a:ext cx="8229600" cy="365760"/>
           </a:xfrm>
           <a:prstGeom prst="rect">
             <a:avLst/>
@@ -6321,20 +6253,21 @@
           <a:noFill/>
         </p:spPr>
         <p:txBody>
-          <a:bodyPr wrap="none">
+          <a:bodyPr wrap="square">
             <a:spAutoFit/>
           </a:bodyPr>
           <a:lstStyle/>
           <a:p>
             <a:pPr>
-              <a:defRPr sz="1100">
-                <a:solidFill>
-                  <a:srgbClr val="666666"/>
-                </a:solidFill>
-              </a:defRPr>
-            </a:pPr>
-            <a:r>
-              <a:t>Supporting services: DataStorage (audit trail + workflow catalog)  •  HolmesGPT-API (LLM orchestration)  •  AuthWebhook (SOC2 identity injection)</a:t>
+              <a:defRPr sz="1000" b="0">
+                <a:solidFill>
+                  <a:srgbClr val="333333"/>
+                </a:solidFill>
+                <a:latin typeface="Calibri"/>
+              </a:defRPr>
+            </a:pPr>
+            <a:r>
+              <a:t>Supporting: DataStorage (audit + workflow catalog), HolmesGPT-API (LLM), AuthWebhook (SOC2 identity)</a:t>
             </a:r>
           </a:p>
         </p:txBody>
@@ -6373,8 +6306,8 @@
         </p:nvSpPr>
         <p:spPr>
           <a:xfrm>
-            <a:off x="731520" y="365760"/>
-            <a:ext cx="10058400" cy="640080"/>
+            <a:off x="457200" y="274320"/>
+            <a:ext cx="8229600" cy="548640"/>
           </a:xfrm>
           <a:prstGeom prst="rect">
             <a:avLst/>
@@ -6388,86 +6321,29 @@
           <a:lstStyle/>
           <a:p>
             <a:pPr>
-              <a:defRPr sz="3200" b="1">
-                <a:solidFill>
-                  <a:srgbClr val="1A1A2E"/>
-                </a:solidFill>
+              <a:defRPr sz="2800" b="1">
+                <a:solidFill>
+                  <a:srgbClr val="1B2A4A"/>
+                </a:solidFill>
+                <a:latin typeface="Calibri"/>
               </a:defRPr>
             </a:pPr>
             <a:r>
               <a:t>Gateway</a:t>
             </a:r>
           </a:p>
-          <a:p>
-            <a:pPr>
-              <a:spcBef>
-                <a:spcPts val="600"/>
-              </a:spcBef>
-              <a:defRPr sz="1600">
-                <a:solidFill>
-                  <a:srgbClr val="666666"/>
-                </a:solidFill>
-              </a:defRPr>
-            </a:pPr>
-            <a:r>
-              <a:t>Webhook receiver  •  HTTP server  •  CRD: RemediationRequest</a:t>
-            </a:r>
-          </a:p>
-        </p:txBody>
-      </p:sp>
-      <p:sp>
-        <p:nvSpPr>
-          <p:cNvPr id="3" name="Rectangle 2"/>
-          <p:cNvSpPr/>
+        </p:txBody>
+      </p:sp>
+      <p:sp>
+        <p:nvSpPr>
+          <p:cNvPr id="3" name="TextBox 2"/>
+          <p:cNvSpPr txBox="1"/>
           <p:nvPr/>
         </p:nvSpPr>
         <p:spPr>
           <a:xfrm>
-            <a:off x="731520" y="1005840"/>
-            <a:ext cx="1828800" cy="38100"/>
-          </a:xfrm>
-          <a:prstGeom prst="rect">
-            <a:avLst/>
-          </a:prstGeom>
-          <a:solidFill>
-            <a:srgbClr val="007ACC"/>
-          </a:solidFill>
-          <a:ln>
-            <a:noFill/>
-          </a:ln>
-        </p:spPr>
-        <p:style>
-          <a:lnRef idx="1">
-            <a:schemeClr val="accent1"/>
-          </a:lnRef>
-          <a:fillRef idx="3">
-            <a:schemeClr val="accent1"/>
-          </a:fillRef>
-          <a:effectRef idx="2">
-            <a:schemeClr val="accent1"/>
-          </a:effectRef>
-          <a:fontRef idx="minor">
-            <a:schemeClr val="lt1"/>
-          </a:fontRef>
-        </p:style>
-        <p:txBody>
-          <a:bodyPr rtlCol="0" anchor="ctr"/>
-          <a:lstStyle/>
-          <a:p>
-            <a:pPr algn="ctr"/>
-          </a:p>
-        </p:txBody>
-      </p:sp>
-      <p:sp>
-        <p:nvSpPr>
-          <p:cNvPr id="4" name="TextBox 3"/>
-          <p:cNvSpPr txBox="1"/>
-          <p:nvPr/>
-        </p:nvSpPr>
-        <p:spPr>
-          <a:xfrm>
-            <a:off x="731520" y="1280160"/>
-            <a:ext cx="5029200" cy="5029200"/>
+            <a:off x="457200" y="822960"/>
+            <a:ext cx="8229600" cy="502920"/>
           </a:xfrm>
           <a:prstGeom prst="rect">
             <a:avLst/>
@@ -6481,136 +6357,29 @@
           <a:lstStyle/>
           <a:p>
             <a:pPr>
-              <a:spcBef>
-                <a:spcPts val="400"/>
-              </a:spcBef>
-              <a:defRPr sz="1300">
-                <a:solidFill>
-                  <a:srgbClr val="333333"/>
-                </a:solidFill>
-              </a:defRPr>
-            </a:pPr>
-            <a:r>
-              <a:t>Pluggable adapters: Prometheus AlertManager, Kubernetes Events</a:t>
-            </a:r>
-          </a:p>
-          <a:p>
-            <a:pPr>
-              <a:spcBef>
-                <a:spcPts val="400"/>
-              </a:spcBef>
-              <a:defRPr sz="1300">
-                <a:solidFill>
-                  <a:srgbClr val="333333"/>
-                </a:solidFill>
-              </a:defRPr>
-            </a:pPr>
-            <a:r>
-              <a:t>Status-based deduplication using RR fingerprint lookups (no Redis)</a:t>
-            </a:r>
-          </a:p>
-          <a:p>
-            <a:pPr>
-              <a:spcBef>
-                <a:spcPts val="400"/>
-              </a:spcBef>
-              <a:defRPr sz="1300">
-                <a:solidFill>
-                  <a:srgbClr val="333333"/>
-                </a:solidFill>
-              </a:defRPr>
-            </a:pPr>
-            <a:r>
-              <a:t>Replay prevention: header-first with body-fallback freshness validation</a:t>
-            </a:r>
-          </a:p>
-          <a:p>
-            <a:pPr>
-              <a:spcBef>
-                <a:spcPts val="400"/>
-              </a:spcBef>
-              <a:defRPr sz="1300">
-                <a:solidFill>
-                  <a:srgbClr val="333333"/>
-                </a:solidFill>
-              </a:defRPr>
-            </a:pPr>
-            <a:r>
-              <a:t>Scope filtering: label-based opt-in (kubernaut.ai/managed=true)</a:t>
-            </a:r>
-          </a:p>
-          <a:p>
-            <a:pPr>
-              <a:spcBef>
-                <a:spcPts val="400"/>
-              </a:spcBef>
-              <a:defRPr sz="1300">
-                <a:solidFill>
-                  <a:srgbClr val="333333"/>
-                </a:solidFill>
-              </a:defRPr>
-            </a:pPr>
-            <a:r>
-              <a:t>Distributed locking: K8s Lease-based for multi-replica safety</a:t>
-            </a:r>
-          </a:p>
-          <a:p>
-            <a:pPr>
-              <a:spcBef>
-                <a:spcPts val="400"/>
-              </a:spcBef>
-              <a:defRPr sz="1300">
-                <a:solidFill>
-                  <a:srgbClr val="333333"/>
-                </a:solidFill>
-              </a:defRPr>
-            </a:pPr>
-            <a:r>
-              <a:t>Circuit breaker: protects against K8s API cascading failures</a:t>
-            </a:r>
-          </a:p>
-          <a:p>
-            <a:pPr>
-              <a:spcBef>
-                <a:spcPts val="400"/>
-              </a:spcBef>
-              <a:defRPr sz="1300">
-                <a:solidFill>
-                  <a:srgbClr val="333333"/>
-                </a:solidFill>
-              </a:defRPr>
-            </a:pPr>
-            <a:r>
-              <a:t>Buffered audit events to DataStorage</a:t>
-            </a:r>
-          </a:p>
-          <a:p>
-            <a:pPr>
-              <a:spcBef>
-                <a:spcPts val="400"/>
-              </a:spcBef>
-              <a:defRPr sz="1300">
-                <a:solidFill>
-                  <a:srgbClr val="333333"/>
-                </a:solidFill>
-              </a:defRPr>
-            </a:pPr>
-            <a:r>
-              <a:t>Graceful shutdown with readiness probe (503 during drain)</a:t>
-            </a:r>
-          </a:p>
-        </p:txBody>
-      </p:sp>
-      <p:sp>
-        <p:nvSpPr>
-          <p:cNvPr id="5" name="TextBox 4"/>
+              <a:defRPr sz="1100" i="1">
+                <a:solidFill>
+                  <a:srgbClr val="333333"/>
+                </a:solidFill>
+                <a:latin typeface="Calibri"/>
+              </a:defRPr>
+            </a:pPr>
+            <a:r>
+              <a:t>Webhook receiver that ingests alerts from monitoring systems, normalizes them, deduplicates, and creates RemediationRequest CRDs. The single entry point for all signals.</a:t>
+            </a:r>
+          </a:p>
+        </p:txBody>
+      </p:sp>
+      <p:sp>
+        <p:nvSpPr>
+          <p:cNvPr id="4" name="TextBox 3"/>
           <p:cNvSpPr txBox="1"/>
           <p:nvPr/>
         </p:nvSpPr>
         <p:spPr>
           <a:xfrm>
-            <a:off x="6217920" y="1280160"/>
-            <a:ext cx="5303520" cy="5029200"/>
+            <a:off x="457200" y="1325880"/>
+            <a:ext cx="8229600" cy="274320"/>
           </a:xfrm>
           <a:prstGeom prst="rect">
             <a:avLst/>
@@ -6624,114 +6393,174 @@
           <a:lstStyle/>
           <a:p>
             <a:pPr>
-              <a:spcBef>
+              <a:defRPr sz="1000" b="1">
+                <a:solidFill>
+                  <a:srgbClr val="2B579A"/>
+                </a:solidFill>
+                <a:latin typeface="Calibri"/>
+              </a:defRPr>
+            </a:pPr>
+            <a:r>
+              <a:t>Architecture: HTTP server (stateless, K8s-native)  |  CRD: RemediationRequest</a:t>
+            </a:r>
+          </a:p>
+        </p:txBody>
+      </p:sp>
+      <p:sp>
+        <p:nvSpPr>
+          <p:cNvPr id="5" name="TextBox 4"/>
+          <p:cNvSpPr txBox="1"/>
+          <p:nvPr/>
+        </p:nvSpPr>
+        <p:spPr>
+          <a:xfrm>
+            <a:off x="457200" y="1645920"/>
+            <a:ext cx="8229600" cy="4572000"/>
+          </a:xfrm>
+          <a:prstGeom prst="rect">
+            <a:avLst/>
+          </a:prstGeom>
+          <a:noFill/>
+        </p:spPr>
+        <p:txBody>
+          <a:bodyPr wrap="square">
+            <a:spAutoFit/>
+          </a:bodyPr>
+          <a:lstStyle/>
+          <a:p>
+            <a:pPr>
+              <a:spcAft>
                 <a:spcPts val="400"/>
-              </a:spcBef>
-              <a:defRPr sz="1300">
-                <a:solidFill>
-                  <a:srgbClr val="333333"/>
-                </a:solidFill>
-              </a:defRPr>
-            </a:pPr>
-            <a:r>
-              <a:t>Signal Flow:</a:t>
-            </a:r>
-          </a:p>
-          <a:p>
-            <a:pPr>
-              <a:spcBef>
-                <a:spcPts val="800"/>
-              </a:spcBef>
-            </a:pPr>
-          </a:p>
-          <a:p>
-            <a:pPr>
-              <a:spcBef>
+              </a:spcAft>
+              <a:defRPr sz="1100">
+                <a:solidFill>
+                  <a:srgbClr val="333333"/>
+                </a:solidFill>
+                <a:latin typeface="Calibri"/>
+              </a:defRPr>
+              <a:buChar char="•"/>
+            </a:pPr>
+            <a:r>
+              <a:t>Pluggable adapters: Prometheus AlertManager, K8s Events</a:t>
+            </a:r>
+          </a:p>
+          <a:p>
+            <a:pPr>
+              <a:spcAft>
                 <a:spcPts val="400"/>
-              </a:spcBef>
-              <a:defRPr sz="1300">
-                <a:solidFill>
-                  <a:srgbClr val="333333"/>
-                </a:solidFill>
-              </a:defRPr>
-            </a:pPr>
-            <a:r>
-              <a:t>1. HTTP POST arrives at adapter route</a:t>
-            </a:r>
-          </a:p>
-          <a:p>
-            <a:pPr>
-              <a:spcBef>
+              </a:spcAft>
+              <a:defRPr sz="1100">
+                <a:solidFill>
+                  <a:srgbClr val="333333"/>
+                </a:solidFill>
+                <a:latin typeface="Calibri"/>
+              </a:defRPr>
+              <a:buChar char="•"/>
+            </a:pPr>
+            <a:r>
+              <a:t>Status-based deduplication via RR fingerprint lookups (no Redis)</a:t>
+            </a:r>
+          </a:p>
+          <a:p>
+            <a:pPr>
+              <a:spcAft>
                 <a:spcPts val="400"/>
-              </a:spcBef>
-              <a:defRPr sz="1300">
-                <a:solidFill>
-                  <a:srgbClr val="333333"/>
-                </a:solidFill>
-              </a:defRPr>
-            </a:pPr>
-            <a:r>
-              <a:t>2. Middleware: concurrency throttle, replay validation</a:t>
-            </a:r>
-          </a:p>
-          <a:p>
-            <a:pPr>
-              <a:spcBef>
+              </a:spcAft>
+              <a:defRPr sz="1100">
+                <a:solidFill>
+                  <a:srgbClr val="333333"/>
+                </a:solidFill>
+                <a:latin typeface="Calibri"/>
+              </a:defRPr>
+              <a:buChar char="•"/>
+            </a:pPr>
+            <a:r>
+              <a:t>Replay prevention: header-first + body-fallback freshness validation</a:t>
+            </a:r>
+          </a:p>
+          <a:p>
+            <a:pPr>
+              <a:spcAft>
                 <a:spcPts val="400"/>
-              </a:spcBef>
-              <a:defRPr sz="1300">
-                <a:solidFill>
-                  <a:srgbClr val="333333"/>
-                </a:solidFill>
-              </a:defRPr>
-            </a:pPr>
-            <a:r>
-              <a:t>3. Adapter parses payload into NormalizedSignal</a:t>
-            </a:r>
-          </a:p>
-          <a:p>
-            <a:pPr>
-              <a:spcBef>
+              </a:spcAft>
+              <a:defRPr sz="1100">
+                <a:solidFill>
+                  <a:srgbClr val="333333"/>
+                </a:solidFill>
+                <a:latin typeface="Calibri"/>
+              </a:defRPr>
+              <a:buChar char="•"/>
+            </a:pPr>
+            <a:r>
+              <a:t>Label-based scope filtering (kubernaut.ai/managed=true)</a:t>
+            </a:r>
+          </a:p>
+          <a:p>
+            <a:pPr>
+              <a:spcAft>
                 <a:spcPts val="400"/>
-              </a:spcBef>
-              <a:defRPr sz="1300">
-                <a:solidFill>
-                  <a:srgbClr val="333333"/>
-                </a:solidFill>
-              </a:defRPr>
-            </a:pPr>
-            <a:r>
-              <a:t>4. Scope check, distributed lock, deduplication</a:t>
-            </a:r>
-          </a:p>
-          <a:p>
-            <a:pPr>
-              <a:spcBef>
+              </a:spcAft>
+              <a:defRPr sz="1100">
+                <a:solidFill>
+                  <a:srgbClr val="333333"/>
+                </a:solidFill>
+                <a:latin typeface="Calibri"/>
+              </a:defRPr>
+              <a:buChar char="•"/>
+            </a:pPr>
+            <a:r>
+              <a:t>K8s Lease-based distributed locking for multi-replica safety</a:t>
+            </a:r>
+          </a:p>
+          <a:p>
+            <a:pPr>
+              <a:spcAft>
                 <a:spcPts val="400"/>
-              </a:spcBef>
-              <a:defRPr sz="1300">
-                <a:solidFill>
-                  <a:srgbClr val="333333"/>
-                </a:solidFill>
-              </a:defRPr>
-            </a:pPr>
-            <a:r>
-              <a:t>5. New: create RemediationRequest CRD (201)</a:t>
-            </a:r>
-          </a:p>
-          <a:p>
-            <a:pPr>
-              <a:spcBef>
+              </a:spcAft>
+              <a:defRPr sz="1100">
+                <a:solidFill>
+                  <a:srgbClr val="333333"/>
+                </a:solidFill>
+                <a:latin typeface="Calibri"/>
+              </a:defRPr>
+              <a:buChar char="•"/>
+            </a:pPr>
+            <a:r>
+              <a:t>Circuit breaker against K8s API cascading failures</a:t>
+            </a:r>
+          </a:p>
+          <a:p>
+            <a:pPr>
+              <a:spcAft>
                 <a:spcPts val="400"/>
-              </a:spcBef>
-              <a:defRPr sz="1300">
-                <a:solidFill>
-                  <a:srgbClr val="333333"/>
-                </a:solidFill>
-              </a:defRPr>
-            </a:pPr>
-            <a:r>
-              <a:t>   Duplicate: update status (202)</a:t>
+              </a:spcAft>
+              <a:defRPr sz="1100">
+                <a:solidFill>
+                  <a:srgbClr val="333333"/>
+                </a:solidFill>
+                <a:latin typeface="Calibri"/>
+              </a:defRPr>
+              <a:buChar char="•"/>
+            </a:pPr>
+            <a:r>
+              <a:t>Buffered audit events to DataStorage</a:t>
+            </a:r>
+          </a:p>
+          <a:p>
+            <a:pPr>
+              <a:spcAft>
+                <a:spcPts val="400"/>
+              </a:spcAft>
+              <a:defRPr sz="1100">
+                <a:solidFill>
+                  <a:srgbClr val="333333"/>
+                </a:solidFill>
+                <a:latin typeface="Calibri"/>
+              </a:defRPr>
+              <a:buChar char="•"/>
+            </a:pPr>
+            <a:r>
+              <a:t>Graceful shutdown with readiness probe (503 during drain)</a:t>
             </a:r>
           </a:p>
         </p:txBody>
@@ -6770,8 +6599,8 @@
         </p:nvSpPr>
         <p:spPr>
           <a:xfrm>
-            <a:off x="731520" y="365760"/>
-            <a:ext cx="10058400" cy="640080"/>
+            <a:off x="457200" y="274320"/>
+            <a:ext cx="8229600" cy="548640"/>
           </a:xfrm>
           <a:prstGeom prst="rect">
             <a:avLst/>
@@ -6785,53 +6614,273 @@
           <a:lstStyle/>
           <a:p>
             <a:pPr>
-              <a:defRPr sz="3200" b="1">
-                <a:solidFill>
-                  <a:srgbClr val="1A1A2E"/>
-                </a:solidFill>
+              <a:defRPr sz="2800" b="1">
+                <a:solidFill>
+                  <a:srgbClr val="1B2A4A"/>
+                </a:solidFill>
+                <a:latin typeface="Calibri"/>
               </a:defRPr>
             </a:pPr>
             <a:r>
               <a:t>Signal Processing</a:t>
             </a:r>
           </a:p>
-          <a:p>
-            <a:pPr>
-              <a:spcBef>
-                <a:spcPts val="600"/>
-              </a:spcBef>
-              <a:defRPr sz="1600">
-                <a:solidFill>
-                  <a:srgbClr val="666666"/>
-                </a:solidFill>
-              </a:defRPr>
-            </a:pPr>
-            <a:r>
-              <a:t>K8s controller  •  CRD: SignalProcessing</a:t>
-            </a:r>
-          </a:p>
-        </p:txBody>
-      </p:sp>
-      <p:sp>
-        <p:nvSpPr>
-          <p:cNvPr id="3" name="Rectangle 2"/>
+        </p:txBody>
+      </p:sp>
+      <p:sp>
+        <p:nvSpPr>
+          <p:cNvPr id="3" name="TextBox 2"/>
+          <p:cNvSpPr txBox="1"/>
+          <p:nvPr/>
+        </p:nvSpPr>
+        <p:spPr>
+          <a:xfrm>
+            <a:off x="457200" y="822960"/>
+            <a:ext cx="8229600" cy="502920"/>
+          </a:xfrm>
+          <a:prstGeom prst="rect">
+            <a:avLst/>
+          </a:prstGeom>
+          <a:noFill/>
+        </p:spPr>
+        <p:txBody>
+          <a:bodyPr wrap="square">
+            <a:spAutoFit/>
+          </a:bodyPr>
+          <a:lstStyle/>
+          <a:p>
+            <a:pPr>
+              <a:defRPr sz="1100" i="1">
+                <a:solidFill>
+                  <a:srgbClr val="333333"/>
+                </a:solidFill>
+                <a:latin typeface="Calibri"/>
+              </a:defRPr>
+            </a:pPr>
+            <a:r>
+              <a:t>Enriches raw signals with K8s context (namespace labels, pod status, owner chain, HPA, PDB) and classifies them using operator-defined Rego policies.</a:t>
+            </a:r>
+          </a:p>
+        </p:txBody>
+      </p:sp>
+      <p:sp>
+        <p:nvSpPr>
+          <p:cNvPr id="4" name="TextBox 3"/>
+          <p:cNvSpPr txBox="1"/>
+          <p:nvPr/>
+        </p:nvSpPr>
+        <p:spPr>
+          <a:xfrm>
+            <a:off x="457200" y="1325880"/>
+            <a:ext cx="8229600" cy="274320"/>
+          </a:xfrm>
+          <a:prstGeom prst="rect">
+            <a:avLst/>
+          </a:prstGeom>
+          <a:noFill/>
+        </p:spPr>
+        <p:txBody>
+          <a:bodyPr wrap="square">
+            <a:spAutoFit/>
+          </a:bodyPr>
+          <a:lstStyle/>
+          <a:p>
+            <a:pPr>
+              <a:defRPr sz="1000" b="1">
+                <a:solidFill>
+                  <a:srgbClr val="2B579A"/>
+                </a:solidFill>
+                <a:latin typeface="Calibri"/>
+              </a:defRPr>
+            </a:pPr>
+            <a:r>
+              <a:t>Architecture: Kubernetes controller  |  CRD: SignalProcessing</a:t>
+            </a:r>
+          </a:p>
+        </p:txBody>
+      </p:sp>
+      <p:sp>
+        <p:nvSpPr>
+          <p:cNvPr id="5" name="TextBox 4"/>
+          <p:cNvSpPr txBox="1"/>
+          <p:nvPr/>
+        </p:nvSpPr>
+        <p:spPr>
+          <a:xfrm>
+            <a:off x="457200" y="1645920"/>
+            <a:ext cx="4114800" cy="4114800"/>
+          </a:xfrm>
+          <a:prstGeom prst="rect">
+            <a:avLst/>
+          </a:prstGeom>
+          <a:noFill/>
+        </p:spPr>
+        <p:txBody>
+          <a:bodyPr wrap="square">
+            <a:spAutoFit/>
+          </a:bodyPr>
+          <a:lstStyle/>
+          <a:p>
+            <a:pPr>
+              <a:spcAft>
+                <a:spcPts val="400"/>
+              </a:spcAft>
+              <a:defRPr sz="1000">
+                <a:solidFill>
+                  <a:srgbClr val="333333"/>
+                </a:solidFill>
+                <a:latin typeface="Calibri"/>
+              </a:defRPr>
+              <a:buChar char="•"/>
+            </a:pPr>
+            <a:r>
+              <a:t>Phase flow: Pending &gt; Enriching &gt; Classifying &gt; Categorizing &gt; Completed</a:t>
+            </a:r>
+          </a:p>
+          <a:p>
+            <a:pPr>
+              <a:spcAft>
+                <a:spcPts val="400"/>
+              </a:spcAft>
+              <a:defRPr sz="1000">
+                <a:solidFill>
+                  <a:srgbClr val="333333"/>
+                </a:solidFill>
+                <a:latin typeface="Calibri"/>
+              </a:defRPr>
+              <a:buChar char="•"/>
+            </a:pPr>
+            <a:r>
+              <a:t>K8s enrichment: namespace, pod, deployment, owner chain, node, PDB, HPA</a:t>
+            </a:r>
+          </a:p>
+          <a:p>
+            <a:pPr>
+              <a:spcAft>
+                <a:spcPts val="400"/>
+              </a:spcAft>
+              <a:defRPr sz="1000">
+                <a:solidFill>
+                  <a:srgbClr val="333333"/>
+                </a:solidFill>
+                <a:latin typeface="Calibri"/>
+              </a:defRPr>
+              <a:buChar char="•"/>
+            </a:pPr>
+            <a:r>
+              <a:t>5 Rego classifiers: Environment, Priority, Severity, Business, CustomLabels</a:t>
+            </a:r>
+          </a:p>
+          <a:p>
+            <a:pPr>
+              <a:spcAft>
+                <a:spcPts val="400"/>
+              </a:spcAft>
+              <a:defRPr sz="1000">
+                <a:solidFill>
+                  <a:srgbClr val="333333"/>
+                </a:solidFill>
+                <a:latin typeface="Calibri"/>
+              </a:defRPr>
+              <a:buChar char="•"/>
+            </a:pPr>
+            <a:r>
+              <a:t>Detected labels: GitOps, Helm, PDB-protected, HPA-managed, service mesh</a:t>
+            </a:r>
+          </a:p>
+          <a:p>
+            <a:pPr>
+              <a:spcAft>
+                <a:spcPts val="400"/>
+              </a:spcAft>
+              <a:defRPr sz="1000">
+                <a:solidFill>
+                  <a:srgbClr val="333333"/>
+                </a:solidFill>
+                <a:latin typeface="Calibri"/>
+              </a:defRPr>
+              <a:buChar char="•"/>
+            </a:pPr>
+            <a:r>
+              <a:t>Signal mode: predictive vs reactive</a:t>
+            </a:r>
+          </a:p>
+          <a:p>
+            <a:pPr>
+              <a:spcAft>
+                <a:spcPts val="400"/>
+              </a:spcAft>
+              <a:defRPr sz="1000">
+                <a:solidFill>
+                  <a:srgbClr val="333333"/>
+                </a:solidFill>
+                <a:latin typeface="Calibri"/>
+              </a:defRPr>
+              <a:buChar char="•"/>
+            </a:pPr>
+            <a:r>
+              <a:t>Degraded mode: partial enrichment when target not found</a:t>
+            </a:r>
+          </a:p>
+        </p:txBody>
+      </p:sp>
+      <p:sp>
+        <p:nvSpPr>
+          <p:cNvPr id="6" name="TextBox 5"/>
+          <p:cNvSpPr txBox="1"/>
+          <p:nvPr/>
+        </p:nvSpPr>
+        <p:spPr>
+          <a:xfrm>
+            <a:off x="4754880" y="1645920"/>
+            <a:ext cx="4114800" cy="274320"/>
+          </a:xfrm>
+          <a:prstGeom prst="rect">
+            <a:avLst/>
+          </a:prstGeom>
+          <a:noFill/>
+        </p:spPr>
+        <p:txBody>
+          <a:bodyPr wrap="square">
+            <a:spAutoFit/>
+          </a:bodyPr>
+          <a:lstStyle/>
+          <a:p>
+            <a:pPr>
+              <a:defRPr sz="900" b="1">
+                <a:solidFill>
+                  <a:srgbClr val="2B579A"/>
+                </a:solidFill>
+                <a:latin typeface="Calibri"/>
+              </a:defRPr>
+            </a:pPr>
+            <a:r>
+              <a:t>Rego -- Priority Classification</a:t>
+            </a:r>
+          </a:p>
+        </p:txBody>
+      </p:sp>
+      <p:sp>
+        <p:nvSpPr>
+          <p:cNvPr id="7" name="Rectangle 6"/>
           <p:cNvSpPr/>
           <p:nvPr/>
         </p:nvSpPr>
         <p:spPr>
           <a:xfrm>
-            <a:off x="731520" y="1005840"/>
-            <a:ext cx="1828800" cy="38100"/>
+            <a:off x="4754880" y="1920240"/>
+            <a:ext cx="4114800" cy="4389120"/>
           </a:xfrm>
           <a:prstGeom prst="rect">
             <a:avLst/>
           </a:prstGeom>
           <a:solidFill>
-            <a:srgbClr val="007ACC"/>
+            <a:srgbClr val="F5F5F0"/>
           </a:solidFill>
           <a:ln>
             <a:noFill/>
           </a:ln>
+          <a:effectLst/>
         </p:spPr>
         <p:style>
           <a:lnRef idx="1">
@@ -6857,14 +6906,14 @@
       </p:sp>
       <p:sp>
         <p:nvSpPr>
-          <p:cNvPr id="4" name="TextBox 3"/>
+          <p:cNvPr id="8" name="TextBox 7"/>
           <p:cNvSpPr txBox="1"/>
           <p:nvPr/>
         </p:nvSpPr>
         <p:spPr>
           <a:xfrm>
-            <a:off x="731520" y="1280160"/>
-            <a:ext cx="5029200" cy="5029200"/>
+            <a:off x="4892040" y="2011680"/>
+            <a:ext cx="3840480" cy="4206240"/>
           </a:xfrm>
           <a:prstGeom prst="rect">
             <a:avLst/>
@@ -6879,554 +6928,670 @@
           <a:p>
             <a:pPr>
               <a:spcBef>
-                <a:spcPts val="400"/>
+                <a:spcPts val="0"/>
               </a:spcBef>
-              <a:defRPr sz="1400">
-                <a:solidFill>
-                  <a:srgbClr val="333333"/>
-                </a:solidFill>
-              </a:defRPr>
-            </a:pPr>
-            <a:r>
-              <a:t>Phase flow: Pending &gt; Enriching &gt; Classifying &gt; Categorizing &gt; Completed</a:t>
+              <a:spcAft>
+                <a:spcPts val="100"/>
+              </a:spcAft>
+              <a:defRPr sz="800">
+                <a:solidFill>
+                  <a:srgbClr val="333333"/>
+                </a:solidFill>
+                <a:latin typeface="Courier New"/>
+              </a:defRPr>
+            </a:pPr>
+            <a:r>
+              <a:t>package signalprocessing.priority</a:t>
             </a:r>
           </a:p>
           <a:p>
             <a:pPr>
               <a:spcBef>
-                <a:spcPts val="400"/>
+                <a:spcPts val="0"/>
               </a:spcBef>
-              <a:defRPr sz="1400">
-                <a:solidFill>
-                  <a:srgbClr val="333333"/>
-                </a:solidFill>
-              </a:defRPr>
-            </a:pPr>
-            <a:r>
-              <a:t>K8s enrichment: namespace, pod, deployment, owner chain, node, PDB, HPA</a:t>
-            </a:r>
+              <a:spcAft>
+                <a:spcPts val="100"/>
+              </a:spcAft>
+              <a:defRPr sz="800">
+                <a:solidFill>
+                  <a:srgbClr val="333333"/>
+                </a:solidFill>
+                <a:latin typeface="Courier New"/>
+              </a:defRPr>
+            </a:pPr>
           </a:p>
           <a:p>
             <a:pPr>
               <a:spcBef>
-                <a:spcPts val="400"/>
+                <a:spcPts val="0"/>
               </a:spcBef>
-              <a:defRPr sz="1400">
-                <a:solidFill>
-                  <a:srgbClr val="333333"/>
-                </a:solidFill>
-              </a:defRPr>
-            </a:pPr>
-            <a:r>
-              <a:t>5 Rego classifiers: Environment, Priority, Severity, Business, CustomLabels</a:t>
+              <a:spcAft>
+                <a:spcPts val="100"/>
+              </a:spcAft>
+              <a:defRPr sz="800">
+                <a:solidFill>
+                  <a:srgbClr val="333333"/>
+                </a:solidFill>
+                <a:latin typeface="Courier New"/>
+              </a:defRPr>
+            </a:pPr>
+            <a:r>
+              <a:t>import rego.v2</a:t>
             </a:r>
           </a:p>
           <a:p>
             <a:pPr>
               <a:spcBef>
-                <a:spcPts val="400"/>
+                <a:spcPts val="0"/>
               </a:spcBef>
-              <a:defRPr sz="1400">
-                <a:solidFill>
-                  <a:srgbClr val="333333"/>
-                </a:solidFill>
-              </a:defRPr>
-            </a:pPr>
-            <a:r>
-              <a:t>Detected labels: GitOps, Helm, PDB-protected, HPA-managed, service mesh</a:t>
-            </a:r>
+              <a:spcAft>
+                <a:spcPts val="100"/>
+              </a:spcAft>
+              <a:defRPr sz="800">
+                <a:solidFill>
+                  <a:srgbClr val="333333"/>
+                </a:solidFill>
+                <a:latin typeface="Courier New"/>
+              </a:defRPr>
+            </a:pPr>
           </a:p>
           <a:p>
             <a:pPr>
               <a:spcBef>
-                <a:spcPts val="400"/>
+                <a:spcPts val="0"/>
               </a:spcBef>
-              <a:defRPr sz="1400">
-                <a:solidFill>
-                  <a:srgbClr val="333333"/>
-                </a:solidFill>
-              </a:defRPr>
-            </a:pPr>
-            <a:r>
-              <a:t>Signal mode: predictive vs reactive</a:t>
+              <a:spcAft>
+                <a:spcPts val="100"/>
+              </a:spcAft>
+              <a:defRPr sz="800">
+                <a:solidFill>
+                  <a:srgbClr val="333333"/>
+                </a:solidFill>
+                <a:latin typeface="Courier New"/>
+              </a:defRPr>
+            </a:pPr>
+            <a:r>
+              <a:t># Severity rank: higher = more urgent</a:t>
             </a:r>
           </a:p>
           <a:p>
             <a:pPr>
               <a:spcBef>
-                <a:spcPts val="400"/>
+                <a:spcPts val="0"/>
               </a:spcBef>
-              <a:defRPr sz="1400">
-                <a:solidFill>
-                  <a:srgbClr val="333333"/>
-                </a:solidFill>
-              </a:defRPr>
-            </a:pPr>
-            <a:r>
-              <a:t>Recovery context propagation for retries</a:t>
+              <a:spcAft>
+                <a:spcPts val="100"/>
+              </a:spcAft>
+              <a:defRPr sz="800">
+                <a:solidFill>
+                  <a:srgbClr val="333333"/>
+                </a:solidFill>
+                <a:latin typeface="Courier New"/>
+              </a:defRPr>
+            </a:pPr>
+            <a:r>
+              <a:t>severity_rank := 3 if {</a:t>
             </a:r>
           </a:p>
           <a:p>
             <a:pPr>
               <a:spcBef>
-                <a:spcPts val="400"/>
+                <a:spcPts val="0"/>
               </a:spcBef>
-              <a:defRPr sz="1400">
-                <a:solidFill>
-                  <a:srgbClr val="333333"/>
-                </a:solidFill>
-              </a:defRPr>
-            </a:pPr>
-            <a:r>
-              <a:t>Degraded mode: partial enrichment when target not found</a:t>
-            </a:r>
-          </a:p>
-        </p:txBody>
-      </p:sp>
-      <p:sp>
-        <p:nvSpPr>
-          <p:cNvPr id="5" name="Rounded Rectangle 4"/>
-          <p:cNvSpPr/>
-          <p:nvPr/>
-        </p:nvSpPr>
-        <p:spPr>
-          <a:xfrm>
-            <a:off x="6217920" y="1280160"/>
-            <a:ext cx="5303520" cy="5029200"/>
-          </a:xfrm>
-          <a:prstGeom prst="roundRect">
-            <a:avLst/>
-          </a:prstGeom>
-          <a:solidFill>
-            <a:srgbClr val="F6F8FA"/>
-          </a:solidFill>
-          <a:ln w="12700">
-            <a:solidFill>
-              <a:srgbClr val="D0D7DE"/>
-            </a:solidFill>
-          </a:ln>
-        </p:spPr>
-        <p:style>
-          <a:lnRef idx="1">
-            <a:schemeClr val="accent1"/>
-          </a:lnRef>
-          <a:fillRef idx="3">
-            <a:schemeClr val="accent1"/>
-          </a:fillRef>
-          <a:effectRef idx="2">
-            <a:schemeClr val="accent1"/>
-          </a:effectRef>
-          <a:fontRef idx="minor">
-            <a:schemeClr val="lt1"/>
-          </a:fontRef>
-        </p:style>
-        <p:txBody>
-          <a:bodyPr rtlCol="0" anchor="ctr" wrap="square" lIns="182880" rIns="182880" tIns="137160" bIns="137160"/>
-          <a:lstStyle/>
-          <a:p>
-            <a:pPr algn="ctr">
+              <a:spcAft>
+                <a:spcPts val="100"/>
+              </a:spcAft>
+              <a:defRPr sz="800">
+                <a:solidFill>
+                  <a:srgbClr val="333333"/>
+                </a:solidFill>
+                <a:latin typeface="Courier New"/>
+              </a:defRPr>
+            </a:pPr>
+            <a:r>
+              <a:t>    lower(input.signal.severity) == "critical"</a:t>
+            </a:r>
+          </a:p>
+          <a:p>
+            <a:pPr>
               <a:spcBef>
+                <a:spcPts val="0"/>
+              </a:spcBef>
+              <a:spcAft>
                 <a:spcPts val="100"/>
+              </a:spcAft>
+              <a:defRPr sz="800">
+                <a:solidFill>
+                  <a:srgbClr val="333333"/>
+                </a:solidFill>
+                <a:latin typeface="Courier New"/>
+              </a:defRPr>
+            </a:pPr>
+            <a:r>
+              <a:t>}</a:t>
+            </a:r>
+          </a:p>
+          <a:p>
+            <a:pPr>
+              <a:spcBef>
+                <a:spcPts val="0"/>
               </a:spcBef>
               <a:spcAft>
                 <a:spcPts val="100"/>
               </a:spcAft>
-              <a:defRPr sz="1000">
-                <a:solidFill>
-                  <a:srgbClr val="24292E"/>
-                </a:solidFill>
-                <a:latin typeface="Menlo"/>
-              </a:defRPr>
-            </a:pPr>
-            <a:r>
-              <a:t>package signalprocessing.priority</a:t>
+              <a:defRPr sz="800">
+                <a:solidFill>
+                  <a:srgbClr val="333333"/>
+                </a:solidFill>
+                <a:latin typeface="Courier New"/>
+              </a:defRPr>
+            </a:pPr>
+            <a:r>
+              <a:t>severity_rank := 2 if {</a:t>
             </a:r>
           </a:p>
           <a:p>
             <a:pPr>
               <a:spcBef>
+                <a:spcPts val="0"/>
+              </a:spcBef>
+              <a:spcAft>
                 <a:spcPts val="100"/>
+              </a:spcAft>
+              <a:defRPr sz="800">
+                <a:solidFill>
+                  <a:srgbClr val="333333"/>
+                </a:solidFill>
+                <a:latin typeface="Courier New"/>
+              </a:defRPr>
+            </a:pPr>
+            <a:r>
+              <a:t>    lower(input.signal.severity) == "warning"</a:t>
+            </a:r>
+          </a:p>
+          <a:p>
+            <a:pPr>
+              <a:spcBef>
+                <a:spcPts val="0"/>
               </a:spcBef>
               <a:spcAft>
                 <a:spcPts val="100"/>
               </a:spcAft>
-              <a:defRPr sz="1000">
-                <a:solidFill>
-                  <a:srgbClr val="24292E"/>
-                </a:solidFill>
-                <a:latin typeface="Menlo"/>
-              </a:defRPr>
-            </a:pPr>
-            <a:r>
-              <a:t>import rego.v2</a:t>
+              <a:defRPr sz="800">
+                <a:solidFill>
+                  <a:srgbClr val="333333"/>
+                </a:solidFill>
+                <a:latin typeface="Courier New"/>
+              </a:defRPr>
+            </a:pPr>
+            <a:r>
+              <a:t>}</a:t>
             </a:r>
           </a:p>
           <a:p>
             <a:pPr>
               <a:spcBef>
+                <a:spcPts val="0"/>
+              </a:spcBef>
+              <a:spcAft>
                 <a:spcPts val="100"/>
+              </a:spcAft>
+              <a:defRPr sz="800">
+                <a:solidFill>
+                  <a:srgbClr val="333333"/>
+                </a:solidFill>
+                <a:latin typeface="Courier New"/>
+              </a:defRPr>
+            </a:pPr>
+            <a:r>
+              <a:t>severity_rank := 1 if {</a:t>
+            </a:r>
+          </a:p>
+          <a:p>
+            <a:pPr>
+              <a:spcBef>
+                <a:spcPts val="0"/>
               </a:spcBef>
               <a:spcAft>
                 <a:spcPts val="100"/>
               </a:spcAft>
-              <a:defRPr sz="1000">
-                <a:solidFill>
-                  <a:srgbClr val="24292E"/>
-                </a:solidFill>
-                <a:latin typeface="Menlo"/>
-              </a:defRPr>
-            </a:pPr>
+              <a:defRPr sz="800">
+                <a:solidFill>
+                  <a:srgbClr val="333333"/>
+                </a:solidFill>
+                <a:latin typeface="Courier New"/>
+              </a:defRPr>
+            </a:pPr>
+            <a:r>
+              <a:t>    lower(input.signal.severity) == "info"</a:t>
+            </a:r>
           </a:p>
           <a:p>
             <a:pPr>
               <a:spcBef>
+                <a:spcPts val="0"/>
+              </a:spcBef>
+              <a:spcAft>
                 <a:spcPts val="100"/>
+              </a:spcAft>
+              <a:defRPr sz="800">
+                <a:solidFill>
+                  <a:srgbClr val="333333"/>
+                </a:solidFill>
+                <a:latin typeface="Courier New"/>
+              </a:defRPr>
+            </a:pPr>
+            <a:r>
+              <a:t>}</a:t>
+            </a:r>
+          </a:p>
+          <a:p>
+            <a:pPr>
+              <a:spcBef>
+                <a:spcPts val="0"/>
               </a:spcBef>
               <a:spcAft>
                 <a:spcPts val="100"/>
               </a:spcAft>
-              <a:defRPr sz="1000">
-                <a:solidFill>
-                  <a:srgbClr val="24292E"/>
-                </a:solidFill>
-                <a:latin typeface="Menlo"/>
-              </a:defRPr>
-            </a:pPr>
-            <a:r>
-              <a:t># Severity rank: higher = more urgent</a:t>
+              <a:defRPr sz="800">
+                <a:solidFill>
+                  <a:srgbClr val="333333"/>
+                </a:solidFill>
+                <a:latin typeface="Courier New"/>
+              </a:defRPr>
+            </a:pPr>
+            <a:r>
+              <a:t>default severity_rank := 0</a:t>
             </a:r>
           </a:p>
           <a:p>
             <a:pPr>
               <a:spcBef>
+                <a:spcPts val="0"/>
+              </a:spcBef>
+              <a:spcAft>
                 <a:spcPts val="100"/>
+              </a:spcAft>
+              <a:defRPr sz="800">
+                <a:solidFill>
+                  <a:srgbClr val="333333"/>
+                </a:solidFill>
+                <a:latin typeface="Courier New"/>
+              </a:defRPr>
+            </a:pPr>
+          </a:p>
+          <a:p>
+            <a:pPr>
+              <a:spcBef>
+                <a:spcPts val="0"/>
               </a:spcBef>
               <a:spcAft>
                 <a:spcPts val="100"/>
               </a:spcAft>
-              <a:defRPr sz="1000">
-                <a:solidFill>
-                  <a:srgbClr val="24292E"/>
-                </a:solidFill>
-                <a:latin typeface="Menlo"/>
-              </a:defRPr>
-            </a:pPr>
-            <a:r>
-              <a:t>severity_rank := 3 if { lower(input.signal.severity) == "critical" }</a:t>
+              <a:defRPr sz="800">
+                <a:solidFill>
+                  <a:srgbClr val="333333"/>
+                </a:solidFill>
+                <a:latin typeface="Courier New"/>
+              </a:defRPr>
+            </a:pPr>
+            <a:r>
+              <a:t># Environment rank: higher = more sensitive</a:t>
             </a:r>
           </a:p>
           <a:p>
             <a:pPr>
               <a:spcBef>
+                <a:spcPts val="0"/>
+              </a:spcBef>
+              <a:spcAft>
                 <a:spcPts val="100"/>
+              </a:spcAft>
+              <a:defRPr sz="800">
+                <a:solidFill>
+                  <a:srgbClr val="333333"/>
+                </a:solidFill>
+                <a:latin typeface="Courier New"/>
+              </a:defRPr>
+            </a:pPr>
+            <a:r>
+              <a:t>env_rank := 3 if {</a:t>
+            </a:r>
+          </a:p>
+          <a:p>
+            <a:pPr>
+              <a:spcBef>
+                <a:spcPts val="0"/>
               </a:spcBef>
               <a:spcAft>
                 <a:spcPts val="100"/>
               </a:spcAft>
-              <a:defRPr sz="1000">
-                <a:solidFill>
-                  <a:srgbClr val="24292E"/>
-                </a:solidFill>
-                <a:latin typeface="Menlo"/>
-              </a:defRPr>
-            </a:pPr>
-            <a:r>
-              <a:t>severity_rank := 2 if { lower(input.signal.severity) == "warning" }</a:t>
+              <a:defRPr sz="800">
+                <a:solidFill>
+                  <a:srgbClr val="333333"/>
+                </a:solidFill>
+                <a:latin typeface="Courier New"/>
+              </a:defRPr>
+            </a:pPr>
+            <a:r>
+              <a:t>    lower(input.environment) == "production"</a:t>
             </a:r>
           </a:p>
           <a:p>
             <a:pPr>
               <a:spcBef>
+                <a:spcPts val="0"/>
+              </a:spcBef>
+              <a:spcAft>
                 <a:spcPts val="100"/>
+              </a:spcAft>
+              <a:defRPr sz="800">
+                <a:solidFill>
+                  <a:srgbClr val="333333"/>
+                </a:solidFill>
+                <a:latin typeface="Courier New"/>
+              </a:defRPr>
+            </a:pPr>
+            <a:r>
+              <a:t>}</a:t>
+            </a:r>
+          </a:p>
+          <a:p>
+            <a:pPr>
+              <a:spcBef>
+                <a:spcPts val="0"/>
               </a:spcBef>
               <a:spcAft>
                 <a:spcPts val="100"/>
               </a:spcAft>
-              <a:defRPr sz="1000">
-                <a:solidFill>
-                  <a:srgbClr val="24292E"/>
-                </a:solidFill>
-                <a:latin typeface="Menlo"/>
-              </a:defRPr>
-            </a:pPr>
-            <a:r>
-              <a:t>severity_rank := 1 if { lower(input.signal.severity) == "info" }</a:t>
+              <a:defRPr sz="800">
+                <a:solidFill>
+                  <a:srgbClr val="333333"/>
+                </a:solidFill>
+                <a:latin typeface="Courier New"/>
+              </a:defRPr>
+            </a:pPr>
+            <a:r>
+              <a:t>env_rank := 2 if {</a:t>
             </a:r>
           </a:p>
           <a:p>
             <a:pPr>
               <a:spcBef>
+                <a:spcPts val="0"/>
+              </a:spcBef>
+              <a:spcAft>
                 <a:spcPts val="100"/>
+              </a:spcAft>
+              <a:defRPr sz="800">
+                <a:solidFill>
+                  <a:srgbClr val="333333"/>
+                </a:solidFill>
+                <a:latin typeface="Courier New"/>
+              </a:defRPr>
+            </a:pPr>
+            <a:r>
+              <a:t>    lower(input.environment) == "staging"</a:t>
+            </a:r>
+          </a:p>
+          <a:p>
+            <a:pPr>
+              <a:spcBef>
+                <a:spcPts val="0"/>
               </a:spcBef>
               <a:spcAft>
                 <a:spcPts val="100"/>
               </a:spcAft>
-              <a:defRPr sz="1000">
-                <a:solidFill>
-                  <a:srgbClr val="24292E"/>
-                </a:solidFill>
-                <a:latin typeface="Menlo"/>
-              </a:defRPr>
-            </a:pPr>
-            <a:r>
-              <a:t>default severity_rank := 0</a:t>
+              <a:defRPr sz="800">
+                <a:solidFill>
+                  <a:srgbClr val="333333"/>
+                </a:solidFill>
+                <a:latin typeface="Courier New"/>
+              </a:defRPr>
+            </a:pPr>
+            <a:r>
+              <a:t>}</a:t>
             </a:r>
           </a:p>
           <a:p>
             <a:pPr>
               <a:spcBef>
+                <a:spcPts val="0"/>
+              </a:spcBef>
+              <a:spcAft>
                 <a:spcPts val="100"/>
+              </a:spcAft>
+              <a:defRPr sz="800">
+                <a:solidFill>
+                  <a:srgbClr val="333333"/>
+                </a:solidFill>
+                <a:latin typeface="Courier New"/>
+              </a:defRPr>
+            </a:pPr>
+            <a:r>
+              <a:t>default env_rank := 0</a:t>
+            </a:r>
+          </a:p>
+          <a:p>
+            <a:pPr>
+              <a:spcBef>
+                <a:spcPts val="0"/>
               </a:spcBef>
               <a:spcAft>
                 <a:spcPts val="100"/>
               </a:spcAft>
-              <a:defRPr sz="1000">
-                <a:solidFill>
-                  <a:srgbClr val="24292E"/>
-                </a:solidFill>
-                <a:latin typeface="Menlo"/>
+              <a:defRPr sz="800">
+                <a:solidFill>
+                  <a:srgbClr val="333333"/>
+                </a:solidFill>
+                <a:latin typeface="Courier New"/>
               </a:defRPr>
             </a:pPr>
           </a:p>
           <a:p>
             <a:pPr>
               <a:spcBef>
+                <a:spcPts val="0"/>
+              </a:spcBef>
+              <a:spcAft>
                 <a:spcPts val="100"/>
+              </a:spcAft>
+              <a:defRPr sz="800">
+                <a:solidFill>
+                  <a:srgbClr val="333333"/>
+                </a:solidFill>
+                <a:latin typeface="Courier New"/>
+              </a:defRPr>
+            </a:pPr>
+            <a:r>
+              <a:t># Combined score -&gt; priority</a:t>
+            </a:r>
+          </a:p>
+          <a:p>
+            <a:pPr>
+              <a:spcBef>
+                <a:spcPts val="0"/>
               </a:spcBef>
               <a:spcAft>
                 <a:spcPts val="100"/>
               </a:spcAft>
-              <a:defRPr sz="1000">
-                <a:solidFill>
-                  <a:srgbClr val="24292E"/>
-                </a:solidFill>
-                <a:latin typeface="Menlo"/>
-              </a:defRPr>
-            </a:pPr>
-            <a:r>
-              <a:t># Environment rank: higher = more sensitive</a:t>
+              <a:defRPr sz="800">
+                <a:solidFill>
+                  <a:srgbClr val="333333"/>
+                </a:solidFill>
+                <a:latin typeface="Courier New"/>
+              </a:defRPr>
+            </a:pPr>
+            <a:r>
+              <a:t>score := severity_rank + env_rank</a:t>
             </a:r>
           </a:p>
           <a:p>
             <a:pPr>
               <a:spcBef>
+                <a:spcPts val="0"/>
+              </a:spcBef>
+              <a:spcAft>
                 <a:spcPts val="100"/>
+              </a:spcAft>
+              <a:defRPr sz="800">
+                <a:solidFill>
+                  <a:srgbClr val="333333"/>
+                </a:solidFill>
+                <a:latin typeface="Courier New"/>
+              </a:defRPr>
+            </a:pPr>
+          </a:p>
+          <a:p>
+            <a:pPr>
+              <a:spcBef>
+                <a:spcPts val="0"/>
               </a:spcBef>
               <a:spcAft>
                 <a:spcPts val="100"/>
               </a:spcAft>
-              <a:defRPr sz="1000">
-                <a:solidFill>
-                  <a:srgbClr val="24292E"/>
-                </a:solidFill>
-                <a:latin typeface="Menlo"/>
-              </a:defRPr>
-            </a:pPr>
-            <a:r>
-              <a:t>env_rank := 3 if { lower(input.environment) == "production" }</a:t>
+              <a:defRPr sz="800">
+                <a:solidFill>
+                  <a:srgbClr val="333333"/>
+                </a:solidFill>
+                <a:latin typeface="Courier New"/>
+              </a:defRPr>
+            </a:pPr>
+            <a:r>
+              <a:t>result := {"priority": "P0",</a:t>
             </a:r>
           </a:p>
           <a:p>
             <a:pPr>
               <a:spcBef>
+                <a:spcPts val="0"/>
+              </a:spcBef>
+              <a:spcAft>
                 <a:spcPts val="100"/>
+              </a:spcAft>
+              <a:defRPr sz="800">
+                <a:solidFill>
+                  <a:srgbClr val="333333"/>
+                </a:solidFill>
+                <a:latin typeface="Courier New"/>
+              </a:defRPr>
+            </a:pPr>
+            <a:r>
+              <a:t>           "policy_name": "score-based"}</a:t>
+            </a:r>
+          </a:p>
+          <a:p>
+            <a:pPr>
+              <a:spcBef>
+                <a:spcPts val="0"/>
               </a:spcBef>
               <a:spcAft>
                 <a:spcPts val="100"/>
               </a:spcAft>
-              <a:defRPr sz="1000">
-                <a:solidFill>
-                  <a:srgbClr val="24292E"/>
-                </a:solidFill>
-                <a:latin typeface="Menlo"/>
-              </a:defRPr>
-            </a:pPr>
-            <a:r>
-              <a:t>env_rank := 2 if { lower(input.environment) == "staging" }</a:t>
+              <a:defRPr sz="800">
+                <a:solidFill>
+                  <a:srgbClr val="333333"/>
+                </a:solidFill>
+                <a:latin typeface="Courier New"/>
+              </a:defRPr>
+            </a:pPr>
+            <a:r>
+              <a:t>    if { score &gt;= 6 }</a:t>
             </a:r>
           </a:p>
           <a:p>
             <a:pPr>
               <a:spcBef>
+                <a:spcPts val="0"/>
+              </a:spcBef>
+              <a:spcAft>
                 <a:spcPts val="100"/>
+              </a:spcAft>
+              <a:defRPr sz="800">
+                <a:solidFill>
+                  <a:srgbClr val="333333"/>
+                </a:solidFill>
+                <a:latin typeface="Courier New"/>
+              </a:defRPr>
+            </a:pPr>
+            <a:r>
+              <a:t>result := {"priority": "P1",</a:t>
+            </a:r>
+          </a:p>
+          <a:p>
+            <a:pPr>
+              <a:spcBef>
+                <a:spcPts val="0"/>
               </a:spcBef>
               <a:spcAft>
                 <a:spcPts val="100"/>
               </a:spcAft>
-              <a:defRPr sz="1000">
-                <a:solidFill>
-                  <a:srgbClr val="24292E"/>
-                </a:solidFill>
-                <a:latin typeface="Menlo"/>
-              </a:defRPr>
-            </a:pPr>
-            <a:r>
-              <a:t>env_rank := 1 if { lower(input.environment) == "development" }</a:t>
+              <a:defRPr sz="800">
+                <a:solidFill>
+                  <a:srgbClr val="333333"/>
+                </a:solidFill>
+                <a:latin typeface="Courier New"/>
+              </a:defRPr>
+            </a:pPr>
+            <a:r>
+              <a:t>           "policy_name": "score-based"}</a:t>
             </a:r>
           </a:p>
           <a:p>
             <a:pPr>
               <a:spcBef>
+                <a:spcPts val="0"/>
+              </a:spcBef>
+              <a:spcAft>
                 <a:spcPts val="100"/>
+              </a:spcAft>
+              <a:defRPr sz="800">
+                <a:solidFill>
+                  <a:srgbClr val="333333"/>
+                </a:solidFill>
+                <a:latin typeface="Courier New"/>
+              </a:defRPr>
+            </a:pPr>
+            <a:r>
+              <a:t>    if { score &gt;= 4; score &lt; 6 }</a:t>
+            </a:r>
+          </a:p>
+          <a:p>
+            <a:pPr>
+              <a:spcBef>
+                <a:spcPts val="0"/>
               </a:spcBef>
               <a:spcAft>
                 <a:spcPts val="100"/>
               </a:spcAft>
-              <a:defRPr sz="1000">
-                <a:solidFill>
-                  <a:srgbClr val="24292E"/>
-                </a:solidFill>
-                <a:latin typeface="Menlo"/>
-              </a:defRPr>
-            </a:pPr>
-            <a:r>
-              <a:t>default env_rank := 0</a:t>
+              <a:defRPr sz="800">
+                <a:solidFill>
+                  <a:srgbClr val="333333"/>
+                </a:solidFill>
+                <a:latin typeface="Courier New"/>
+              </a:defRPr>
+            </a:pPr>
+            <a:r>
+              <a:t>default result := {"priority": "P3",</a:t>
             </a:r>
           </a:p>
           <a:p>
             <a:pPr>
               <a:spcBef>
+                <a:spcPts val="0"/>
+              </a:spcBef>
+              <a:spcAft>
                 <a:spcPts val="100"/>
-              </a:spcBef>
-              <a:spcAft>
-                <a:spcPts val="100"/>
-              </a:spcAft>
-              <a:defRPr sz="1000">
-                <a:solidFill>
-                  <a:srgbClr val="24292E"/>
-                </a:solidFill>
-                <a:latin typeface="Menlo"/>
-              </a:defRPr>
-            </a:pPr>
-          </a:p>
-          <a:p>
-            <a:pPr>
-              <a:spcBef>
-                <a:spcPts val="100"/>
-              </a:spcBef>
-              <a:spcAft>
-                <a:spcPts val="100"/>
-              </a:spcAft>
-              <a:defRPr sz="1000">
-                <a:solidFill>
-                  <a:srgbClr val="24292E"/>
-                </a:solidFill>
-                <a:latin typeface="Menlo"/>
-              </a:defRPr>
-            </a:pPr>
-            <a:r>
-              <a:t># Combined score -&gt; priority (N + M rules instead of N * M)</a:t>
-            </a:r>
-          </a:p>
-          <a:p>
-            <a:pPr>
-              <a:spcBef>
-                <a:spcPts val="100"/>
-              </a:spcBef>
-              <a:spcAft>
-                <a:spcPts val="100"/>
-              </a:spcAft>
-              <a:defRPr sz="1000">
-                <a:solidFill>
-                  <a:srgbClr val="24292E"/>
-                </a:solidFill>
-                <a:latin typeface="Menlo"/>
-              </a:defRPr>
-            </a:pPr>
-            <a:r>
-              <a:t>score := severity_rank + env_rank</a:t>
-            </a:r>
-          </a:p>
-          <a:p>
-            <a:pPr>
-              <a:spcBef>
-                <a:spcPts val="100"/>
-              </a:spcBef>
-              <a:spcAft>
-                <a:spcPts val="100"/>
-              </a:spcAft>
-              <a:defRPr sz="1000">
-                <a:solidFill>
-                  <a:srgbClr val="24292E"/>
-                </a:solidFill>
-                <a:latin typeface="Menlo"/>
-              </a:defRPr>
-            </a:pPr>
-          </a:p>
-          <a:p>
-            <a:pPr>
-              <a:spcBef>
-                <a:spcPts val="100"/>
-              </a:spcBef>
-              <a:spcAft>
-                <a:spcPts val="100"/>
-              </a:spcAft>
-              <a:defRPr sz="1000">
-                <a:solidFill>
-                  <a:srgbClr val="24292E"/>
-                </a:solidFill>
-                <a:latin typeface="Menlo"/>
-              </a:defRPr>
-            </a:pPr>
-            <a:r>
-              <a:t>result := {"priority": "P0"} if { score &gt;= 6 }</a:t>
-            </a:r>
-          </a:p>
-          <a:p>
-            <a:pPr>
-              <a:spcBef>
-                <a:spcPts val="100"/>
-              </a:spcBef>
-              <a:spcAft>
-                <a:spcPts val="100"/>
-              </a:spcAft>
-              <a:defRPr sz="1000">
-                <a:solidFill>
-                  <a:srgbClr val="24292E"/>
-                </a:solidFill>
-                <a:latin typeface="Menlo"/>
-              </a:defRPr>
-            </a:pPr>
-            <a:r>
-              <a:t>result := {"priority": "P1"} if { score &gt;= 4; score &lt; 6 }</a:t>
-            </a:r>
-          </a:p>
-          <a:p>
-            <a:pPr>
-              <a:spcBef>
-                <a:spcPts val="100"/>
-              </a:spcBef>
-              <a:spcAft>
-                <a:spcPts val="100"/>
-              </a:spcAft>
-              <a:defRPr sz="1000">
-                <a:solidFill>
-                  <a:srgbClr val="24292E"/>
-                </a:solidFill>
-                <a:latin typeface="Menlo"/>
-              </a:defRPr>
-            </a:pPr>
-            <a:r>
-              <a:t>result := {"priority": "P2"} if { score &gt;= 2; score &lt; 4 }</a:t>
-            </a:r>
-          </a:p>
-          <a:p>
-            <a:pPr>
-              <a:spcBef>
-                <a:spcPts val="100"/>
-              </a:spcBef>
-              <a:spcAft>
-                <a:spcPts val="100"/>
-              </a:spcAft>
-              <a:defRPr sz="1000">
-                <a:solidFill>
-                  <a:srgbClr val="24292E"/>
-                </a:solidFill>
-                <a:latin typeface="Menlo"/>
-              </a:defRPr>
-            </a:pPr>
-            <a:r>
-              <a:t>default result := {"priority": "P3"}</a:t>
+              </a:spcAft>
+              <a:defRPr sz="800">
+                <a:solidFill>
+                  <a:srgbClr val="333333"/>
+                </a:solidFill>
+                <a:latin typeface="Courier New"/>
+              </a:defRPr>
+            </a:pPr>
+            <a:r>
+              <a:t>    "policy_name": "default-catch-all"}</a:t>
             </a:r>
           </a:p>
         </p:txBody>
@@ -7465,8 +7630,8 @@
         </p:nvSpPr>
         <p:spPr>
           <a:xfrm>
-            <a:off x="731520" y="365760"/>
-            <a:ext cx="10058400" cy="640080"/>
+            <a:off x="457200" y="274320"/>
+            <a:ext cx="8229600" cy="548640"/>
           </a:xfrm>
           <a:prstGeom prst="rect">
             <a:avLst/>
@@ -7480,53 +7645,307 @@
           <a:lstStyle/>
           <a:p>
             <a:pPr>
-              <a:defRPr sz="3200" b="1">
-                <a:solidFill>
-                  <a:srgbClr val="1A1A2E"/>
-                </a:solidFill>
+              <a:defRPr sz="2800" b="1">
+                <a:solidFill>
+                  <a:srgbClr val="1B2A4A"/>
+                </a:solidFill>
+                <a:latin typeface="Calibri"/>
               </a:defRPr>
             </a:pPr>
             <a:r>
               <a:t>AI Analysis</a:t>
             </a:r>
           </a:p>
-          <a:p>
-            <a:pPr>
-              <a:spcBef>
-                <a:spcPts val="600"/>
-              </a:spcBef>
-              <a:defRPr sz="1600">
-                <a:solidFill>
-                  <a:srgbClr val="666666"/>
-                </a:solidFill>
-              </a:defRPr>
-            </a:pPr>
-            <a:r>
-              <a:t>K8s controller  •  CRD: AIAnalysis</a:t>
-            </a:r>
-          </a:p>
-        </p:txBody>
-      </p:sp>
-      <p:sp>
-        <p:nvSpPr>
-          <p:cNvPr id="3" name="Rectangle 2"/>
+        </p:txBody>
+      </p:sp>
+      <p:sp>
+        <p:nvSpPr>
+          <p:cNvPr id="3" name="TextBox 2"/>
+          <p:cNvSpPr txBox="1"/>
+          <p:nvPr/>
+        </p:nvSpPr>
+        <p:spPr>
+          <a:xfrm>
+            <a:off x="457200" y="822960"/>
+            <a:ext cx="8229600" cy="502920"/>
+          </a:xfrm>
+          <a:prstGeom prst="rect">
+            <a:avLst/>
+          </a:prstGeom>
+          <a:noFill/>
+        </p:spPr>
+        <p:txBody>
+          <a:bodyPr wrap="square">
+            <a:spAutoFit/>
+          </a:bodyPr>
+          <a:lstStyle/>
+          <a:p>
+            <a:pPr>
+              <a:defRPr sz="1100" i="1">
+                <a:solidFill>
+                  <a:srgbClr val="333333"/>
+                </a:solidFill>
+                <a:latin typeface="Calibri"/>
+              </a:defRPr>
+            </a:pPr>
+            <a:r>
+              <a:t>Runs AI-powered root cause analysis via HolmesGPT-API, selects a remediation workflow, and evaluates approval requirements via Rego policy. The brain of the pipeline.</a:t>
+            </a:r>
+          </a:p>
+        </p:txBody>
+      </p:sp>
+      <p:sp>
+        <p:nvSpPr>
+          <p:cNvPr id="4" name="TextBox 3"/>
+          <p:cNvSpPr txBox="1"/>
+          <p:nvPr/>
+        </p:nvSpPr>
+        <p:spPr>
+          <a:xfrm>
+            <a:off x="457200" y="1325880"/>
+            <a:ext cx="8229600" cy="274320"/>
+          </a:xfrm>
+          <a:prstGeom prst="rect">
+            <a:avLst/>
+          </a:prstGeom>
+          <a:noFill/>
+        </p:spPr>
+        <p:txBody>
+          <a:bodyPr wrap="square">
+            <a:spAutoFit/>
+          </a:bodyPr>
+          <a:lstStyle/>
+          <a:p>
+            <a:pPr>
+              <a:defRPr sz="1000" b="1">
+                <a:solidFill>
+                  <a:srgbClr val="2B579A"/>
+                </a:solidFill>
+                <a:latin typeface="Calibri"/>
+              </a:defRPr>
+            </a:pPr>
+            <a:r>
+              <a:t>Architecture: Kubernetes controller  |  CRD: AIAnalysis</a:t>
+            </a:r>
+          </a:p>
+        </p:txBody>
+      </p:sp>
+      <p:sp>
+        <p:nvSpPr>
+          <p:cNvPr id="5" name="TextBox 4"/>
+          <p:cNvSpPr txBox="1"/>
+          <p:nvPr/>
+        </p:nvSpPr>
+        <p:spPr>
+          <a:xfrm>
+            <a:off x="457200" y="1645920"/>
+            <a:ext cx="4114800" cy="4114800"/>
+          </a:xfrm>
+          <a:prstGeom prst="rect">
+            <a:avLst/>
+          </a:prstGeom>
+          <a:noFill/>
+        </p:spPr>
+        <p:txBody>
+          <a:bodyPr wrap="square">
+            <a:spAutoFit/>
+          </a:bodyPr>
+          <a:lstStyle/>
+          <a:p>
+            <a:pPr>
+              <a:spcAft>
+                <a:spcPts val="400"/>
+              </a:spcAft>
+              <a:defRPr sz="1000">
+                <a:solidFill>
+                  <a:srgbClr val="333333"/>
+                </a:solidFill>
+                <a:latin typeface="Calibri"/>
+              </a:defRPr>
+              <a:buChar char="•"/>
+            </a:pPr>
+            <a:r>
+              <a:t>Phase flow: Pending &gt; Investigating &gt; Analyzing &gt; Completed</a:t>
+            </a:r>
+          </a:p>
+          <a:p>
+            <a:pPr>
+              <a:spcAft>
+                <a:spcPts val="400"/>
+              </a:spcAft>
+              <a:defRPr sz="1000">
+                <a:solidFill>
+                  <a:srgbClr val="333333"/>
+                </a:solidFill>
+                <a:latin typeface="Calibri"/>
+              </a:defRPr>
+              <a:buChar char="•"/>
+            </a:pPr>
+            <a:r>
+              <a:t>HolmesGPT integration: async session (submit &gt; poll &gt; result)</a:t>
+            </a:r>
+          </a:p>
+          <a:p>
+            <a:pPr>
+              <a:spcAft>
+                <a:spcPts val="400"/>
+              </a:spcAft>
+              <a:defRPr sz="1000">
+                <a:solidFill>
+                  <a:srgbClr val="333333"/>
+                </a:solidFill>
+                <a:latin typeface="Calibri"/>
+              </a:defRPr>
+              <a:buChar char="•"/>
+            </a:pPr>
+            <a:r>
+              <a:t>Workflow selection: HAPI returns workflow ID, image, parameters, rationale</a:t>
+            </a:r>
+          </a:p>
+          <a:p>
+            <a:pPr>
+              <a:spcAft>
+                <a:spcPts val="400"/>
+              </a:spcAft>
+              <a:defRPr sz="1000">
+                <a:solidFill>
+                  <a:srgbClr val="333333"/>
+                </a:solidFill>
+                <a:latin typeface="Calibri"/>
+              </a:defRPr>
+              <a:buChar char="•"/>
+            </a:pPr>
+            <a:r>
+              <a:t>Rego approval policy: approved / manual_review_required / denied</a:t>
+            </a:r>
+          </a:p>
+          <a:p>
+            <a:pPr>
+              <a:spcAft>
+                <a:spcPts val="400"/>
+              </a:spcAft>
+              <a:defRPr sz="1000">
+                <a:solidFill>
+                  <a:srgbClr val="333333"/>
+                </a:solidFill>
+                <a:latin typeface="Calibri"/>
+              </a:defRPr>
+              <a:buChar char="•"/>
+            </a:pPr>
+            <a:r>
+              <a:t>LLM identifies affected resource (e.g. Deployment instead of Pod)</a:t>
+            </a:r>
+          </a:p>
+          <a:p>
+            <a:pPr>
+              <a:spcAft>
+                <a:spcPts val="400"/>
+              </a:spcAft>
+              <a:defRPr sz="1000">
+                <a:solidFill>
+                  <a:srgbClr val="333333"/>
+                </a:solidFill>
+                <a:latin typeface="Calibri"/>
+              </a:defRPr>
+              <a:buChar char="•"/>
+            </a:pPr>
+            <a:r>
+              <a:t>Recovery flow: uses history to avoid repeating failed remediations</a:t>
+            </a:r>
+          </a:p>
+          <a:p>
+            <a:pPr>
+              <a:spcAft>
+                <a:spcPts val="400"/>
+              </a:spcAft>
+              <a:defRPr sz="1000">
+                <a:solidFill>
+                  <a:srgbClr val="333333"/>
+                </a:solidFill>
+                <a:latin typeface="Calibri"/>
+              </a:defRPr>
+              <a:buChar char="•"/>
+            </a:pPr>
+            <a:r>
+              <a:t>Execution engine: supports tekton and job backends</a:t>
+            </a:r>
+          </a:p>
+          <a:p>
+            <a:pPr>
+              <a:spcAft>
+                <a:spcPts val="400"/>
+              </a:spcAft>
+              <a:defRPr sz="1000">
+                <a:solidFill>
+                  <a:srgbClr val="333333"/>
+                </a:solidFill>
+                <a:latin typeface="Calibri"/>
+              </a:defRPr>
+              <a:buChar char="•"/>
+            </a:pPr>
+            <a:r>
+              <a:t>WorkflowNotNeeded: LLM can determine problem self-resolved</a:t>
+            </a:r>
+          </a:p>
+        </p:txBody>
+      </p:sp>
+      <p:sp>
+        <p:nvSpPr>
+          <p:cNvPr id="6" name="TextBox 5"/>
+          <p:cNvSpPr txBox="1"/>
+          <p:nvPr/>
+        </p:nvSpPr>
+        <p:spPr>
+          <a:xfrm>
+            <a:off x="4754880" y="1645920"/>
+            <a:ext cx="4114800" cy="274320"/>
+          </a:xfrm>
+          <a:prstGeom prst="rect">
+            <a:avLst/>
+          </a:prstGeom>
+          <a:noFill/>
+        </p:spPr>
+        <p:txBody>
+          <a:bodyPr wrap="square">
+            <a:spAutoFit/>
+          </a:bodyPr>
+          <a:lstStyle/>
+          <a:p>
+            <a:pPr>
+              <a:defRPr sz="900" b="1">
+                <a:solidFill>
+                  <a:srgbClr val="2B579A"/>
+                </a:solidFill>
+                <a:latin typeface="Calibri"/>
+              </a:defRPr>
+            </a:pPr>
+            <a:r>
+              <a:t>Rego -- Approval Policy</a:t>
+            </a:r>
+          </a:p>
+        </p:txBody>
+      </p:sp>
+      <p:sp>
+        <p:nvSpPr>
+          <p:cNvPr id="7" name="Rectangle 6"/>
           <p:cNvSpPr/>
           <p:nvPr/>
         </p:nvSpPr>
         <p:spPr>
           <a:xfrm>
-            <a:off x="731520" y="1005840"/>
-            <a:ext cx="1828800" cy="38100"/>
+            <a:off x="4754880" y="1920240"/>
+            <a:ext cx="4114800" cy="4389120"/>
           </a:xfrm>
           <a:prstGeom prst="rect">
             <a:avLst/>
           </a:prstGeom>
           <a:solidFill>
-            <a:srgbClr val="007ACC"/>
+            <a:srgbClr val="F5F5F0"/>
           </a:solidFill>
           <a:ln>
             <a:noFill/>
           </a:ln>
+          <a:effectLst/>
         </p:spPr>
         <p:style>
           <a:lnRef idx="1">
@@ -7552,14 +7971,14 @@
       </p:sp>
       <p:sp>
         <p:nvSpPr>
-          <p:cNvPr id="4" name="TextBox 3"/>
+          <p:cNvPr id="8" name="TextBox 7"/>
           <p:cNvSpPr txBox="1"/>
           <p:nvPr/>
         </p:nvSpPr>
         <p:spPr>
           <a:xfrm>
-            <a:off x="731520" y="1280160"/>
-            <a:ext cx="5029200" cy="5029200"/>
+            <a:off x="4892040" y="2011680"/>
+            <a:ext cx="3840480" cy="4206240"/>
           </a:xfrm>
           <a:prstGeom prst="rect">
             <a:avLst/>
@@ -7574,286 +7993,435 @@
           <a:p>
             <a:pPr>
               <a:spcBef>
-                <a:spcPts val="400"/>
+                <a:spcPts val="0"/>
               </a:spcBef>
-              <a:defRPr sz="1400">
-                <a:solidFill>
-                  <a:srgbClr val="333333"/>
-                </a:solidFill>
-              </a:defRPr>
-            </a:pPr>
-            <a:r>
-              <a:t>Phase flow: Pending &gt; Investigating &gt; Analyzing &gt; Completed</a:t>
+              <a:spcAft>
+                <a:spcPts val="100"/>
+              </a:spcAft>
+              <a:defRPr sz="800">
+                <a:solidFill>
+                  <a:srgbClr val="333333"/>
+                </a:solidFill>
+                <a:latin typeface="Courier New"/>
+              </a:defRPr>
+            </a:pPr>
+            <a:r>
+              <a:t>package aianalysis.approval</a:t>
             </a:r>
           </a:p>
           <a:p>
             <a:pPr>
               <a:spcBef>
-                <a:spcPts val="400"/>
+                <a:spcPts val="0"/>
               </a:spcBef>
-              <a:defRPr sz="1400">
-                <a:solidFill>
-                  <a:srgbClr val="333333"/>
-                </a:solidFill>
-              </a:defRPr>
-            </a:pPr>
-            <a:r>
-              <a:t>HolmesGPT integration: async session (submit &gt; poll &gt; result)</a:t>
-            </a:r>
+              <a:spcAft>
+                <a:spcPts val="100"/>
+              </a:spcAft>
+              <a:defRPr sz="800">
+                <a:solidFill>
+                  <a:srgbClr val="333333"/>
+                </a:solidFill>
+                <a:latin typeface="Courier New"/>
+              </a:defRPr>
+            </a:pPr>
           </a:p>
           <a:p>
             <a:pPr>
               <a:spcBef>
-                <a:spcPts val="400"/>
+                <a:spcPts val="0"/>
               </a:spcBef>
-              <a:defRPr sz="1400">
-                <a:solidFill>
-                  <a:srgbClr val="333333"/>
-                </a:solidFill>
-              </a:defRPr>
-            </a:pPr>
-            <a:r>
-              <a:t>Workflow selection: HAPI returns workflow ID, image, parameters, rationale</a:t>
+              <a:spcAft>
+                <a:spcPts val="100"/>
+              </a:spcAft>
+              <a:defRPr sz="800">
+                <a:solidFill>
+                  <a:srgbClr val="333333"/>
+                </a:solidFill>
+                <a:latin typeface="Courier New"/>
+              </a:defRPr>
+            </a:pPr>
+            <a:r>
+              <a:t>import rego.v2</a:t>
             </a:r>
           </a:p>
           <a:p>
             <a:pPr>
               <a:spcBef>
-                <a:spcPts val="400"/>
+                <a:spcPts val="0"/>
               </a:spcBef>
-              <a:defRPr sz="1400">
-                <a:solidFill>
-                  <a:srgbClr val="333333"/>
-                </a:solidFill>
-              </a:defRPr>
-            </a:pPr>
-            <a:r>
-              <a:t>Rego approval policy: approved / manual_review_required / denied</a:t>
-            </a:r>
+              <a:spcAft>
+                <a:spcPts val="100"/>
+              </a:spcAft>
+              <a:defRPr sz="800">
+                <a:solidFill>
+                  <a:srgbClr val="333333"/>
+                </a:solidFill>
+                <a:latin typeface="Courier New"/>
+              </a:defRPr>
+            </a:pPr>
           </a:p>
           <a:p>
             <a:pPr>
               <a:spcBef>
-                <a:spcPts val="400"/>
+                <a:spcPts val="0"/>
               </a:spcBef>
-              <a:defRPr sz="1400">
-                <a:solidFill>
-                  <a:srgbClr val="333333"/>
-                </a:solidFill>
-              </a:defRPr>
-            </a:pPr>
-            <a:r>
-              <a:t>Affected resource: LLM identifies the actual target (e.g., Deployment not Pod)</a:t>
+              <a:spcAft>
+                <a:spcPts val="100"/>
+              </a:spcAft>
+              <a:defRPr sz="800">
+                <a:solidFill>
+                  <a:srgbClr val="333333"/>
+                </a:solidFill>
+                <a:latin typeface="Courier New"/>
+              </a:defRPr>
+            </a:pPr>
+            <a:r>
+              <a:t>default require_approval := false</a:t>
             </a:r>
           </a:p>
           <a:p>
             <a:pPr>
               <a:spcBef>
-                <a:spcPts val="400"/>
+                <a:spcPts val="0"/>
               </a:spcBef>
-              <a:defRPr sz="1400">
-                <a:solidFill>
-                  <a:srgbClr val="333333"/>
-                </a:solidFill>
-              </a:defRPr>
-            </a:pPr>
-            <a:r>
-              <a:t>Recovery flow: avoids repeating failed remediations</a:t>
-            </a:r>
+              <a:spcAft>
+                <a:spcPts val="100"/>
+              </a:spcAft>
+              <a:defRPr sz="800">
+                <a:solidFill>
+                  <a:srgbClr val="333333"/>
+                </a:solidFill>
+                <a:latin typeface="Courier New"/>
+              </a:defRPr>
+            </a:pPr>
           </a:p>
           <a:p>
             <a:pPr>
               <a:spcBef>
-                <a:spcPts val="400"/>
+                <a:spcPts val="0"/>
               </a:spcBef>
-              <a:defRPr sz="1400">
-                <a:solidFill>
-                  <a:srgbClr val="333333"/>
-                </a:solidFill>
-              </a:defRPr>
-            </a:pPr>
-            <a:r>
-              <a:t>Execution engine: supports tekton and job backends</a:t>
+              <a:spcAft>
+                <a:spcPts val="100"/>
+              </a:spcAft>
+              <a:defRPr sz="800">
+                <a:solidFill>
+                  <a:srgbClr val="333333"/>
+                </a:solidFill>
+                <a:latin typeface="Courier New"/>
+              </a:defRPr>
+            </a:pPr>
+            <a:r>
+              <a:t># Production requires manual approval</a:t>
             </a:r>
           </a:p>
           <a:p>
             <a:pPr>
               <a:spcBef>
-                <a:spcPts val="400"/>
+                <a:spcPts val="0"/>
               </a:spcBef>
-              <a:defRPr sz="1400">
-                <a:solidFill>
-                  <a:srgbClr val="333333"/>
-                </a:solidFill>
-              </a:defRPr>
-            </a:pPr>
-            <a:r>
-              <a:t>WorkflowNotNeeded: LLM determines problem self-resolved</a:t>
-            </a:r>
-          </a:p>
-        </p:txBody>
-      </p:sp>
-      <p:sp>
-        <p:nvSpPr>
-          <p:cNvPr id="5" name="Rounded Rectangle 4"/>
-          <p:cNvSpPr/>
-          <p:nvPr/>
-        </p:nvSpPr>
-        <p:spPr>
-          <a:xfrm>
-            <a:off x="6217920" y="1280160"/>
-            <a:ext cx="5303520" cy="5029200"/>
-          </a:xfrm>
-          <a:prstGeom prst="roundRect">
-            <a:avLst/>
-          </a:prstGeom>
-          <a:solidFill>
-            <a:srgbClr val="F6F8FA"/>
-          </a:solidFill>
-          <a:ln w="12700">
-            <a:solidFill>
-              <a:srgbClr val="D0D7DE"/>
-            </a:solidFill>
-          </a:ln>
-        </p:spPr>
-        <p:style>
-          <a:lnRef idx="1">
-            <a:schemeClr val="accent1"/>
-          </a:lnRef>
-          <a:fillRef idx="3">
-            <a:schemeClr val="accent1"/>
-          </a:fillRef>
-          <a:effectRef idx="2">
-            <a:schemeClr val="accent1"/>
-          </a:effectRef>
-          <a:fontRef idx="minor">
-            <a:schemeClr val="lt1"/>
-          </a:fontRef>
-        </p:style>
-        <p:txBody>
-          <a:bodyPr rtlCol="0" anchor="ctr" wrap="square" lIns="182880" rIns="182880" tIns="137160" bIns="137160"/>
-          <a:lstStyle/>
-          <a:p>
-            <a:pPr algn="ctr">
+              <a:spcAft>
+                <a:spcPts val="100"/>
+              </a:spcAft>
+              <a:defRPr sz="800">
+                <a:solidFill>
+                  <a:srgbClr val="333333"/>
+                </a:solidFill>
+                <a:latin typeface="Courier New"/>
+              </a:defRPr>
+            </a:pPr>
+            <a:r>
+              <a:t>require_approval if {</a:t>
+            </a:r>
+          </a:p>
+          <a:p>
+            <a:pPr>
               <a:spcBef>
+                <a:spcPts val="0"/>
+              </a:spcBef>
+              <a:spcAft>
                 <a:spcPts val="100"/>
+              </a:spcAft>
+              <a:defRPr sz="800">
+                <a:solidFill>
+                  <a:srgbClr val="333333"/>
+                </a:solidFill>
+                <a:latin typeface="Courier New"/>
+              </a:defRPr>
+            </a:pPr>
+            <a:r>
+              <a:t>    is_production</a:t>
+            </a:r>
+          </a:p>
+          <a:p>
+            <a:pPr>
+              <a:spcBef>
+                <a:spcPts val="0"/>
               </a:spcBef>
               <a:spcAft>
                 <a:spcPts val="100"/>
               </a:spcAft>
-              <a:defRPr sz="1000">
-                <a:solidFill>
-                  <a:srgbClr val="24292E"/>
-                </a:solidFill>
-                <a:latin typeface="Menlo"/>
-              </a:defRPr>
-            </a:pPr>
-            <a:r>
-              <a:t>package aianalysis.approval</a:t>
+              <a:defRPr sz="800">
+                <a:solidFill>
+                  <a:srgbClr val="333333"/>
+                </a:solidFill>
+                <a:latin typeface="Courier New"/>
+              </a:defRPr>
+            </a:pPr>
+            <a:r>
+              <a:t>}</a:t>
             </a:r>
           </a:p>
           <a:p>
             <a:pPr>
               <a:spcBef>
+                <a:spcPts val="0"/>
+              </a:spcBef>
+              <a:spcAft>
                 <a:spcPts val="100"/>
+              </a:spcAft>
+              <a:defRPr sz="800">
+                <a:solidFill>
+                  <a:srgbClr val="333333"/>
+                </a:solidFill>
+                <a:latin typeface="Courier New"/>
+              </a:defRPr>
+            </a:pPr>
+          </a:p>
+          <a:p>
+            <a:pPr>
+              <a:spcBef>
+                <a:spcPts val="0"/>
               </a:spcBef>
               <a:spcAft>
                 <a:spcPts val="100"/>
               </a:spcAft>
-              <a:defRPr sz="1000">
-                <a:solidFill>
-                  <a:srgbClr val="24292E"/>
-                </a:solidFill>
-                <a:latin typeface="Menlo"/>
-              </a:defRPr>
-            </a:pPr>
-            <a:r>
-              <a:t>import rego.v2</a:t>
+              <a:defRPr sz="800">
+                <a:solidFill>
+                  <a:srgbClr val="333333"/>
+                </a:solidFill>
+                <a:latin typeface="Courier New"/>
+              </a:defRPr>
+            </a:pPr>
+            <a:r>
+              <a:t># 3+ recovery attempts require approval</a:t>
             </a:r>
           </a:p>
           <a:p>
             <a:pPr>
               <a:spcBef>
+                <a:spcPts val="0"/>
+              </a:spcBef>
+              <a:spcAft>
                 <a:spcPts val="100"/>
+              </a:spcAft>
+              <a:defRPr sz="800">
+                <a:solidFill>
+                  <a:srgbClr val="333333"/>
+                </a:solidFill>
+                <a:latin typeface="Courier New"/>
+              </a:defRPr>
+            </a:pPr>
+            <a:r>
+              <a:t>require_approval if {</a:t>
+            </a:r>
+          </a:p>
+          <a:p>
+            <a:pPr>
+              <a:spcBef>
+                <a:spcPts val="0"/>
               </a:spcBef>
               <a:spcAft>
                 <a:spcPts val="100"/>
               </a:spcAft>
-              <a:defRPr sz="1000">
-                <a:solidFill>
-                  <a:srgbClr val="24292E"/>
-                </a:solidFill>
-                <a:latin typeface="Menlo"/>
-              </a:defRPr>
-            </a:pPr>
+              <a:defRPr sz="800">
+                <a:solidFill>
+                  <a:srgbClr val="333333"/>
+                </a:solidFill>
+                <a:latin typeface="Courier New"/>
+              </a:defRPr>
+            </a:pPr>
+            <a:r>
+              <a:t>    is_multiple_recovery</a:t>
+            </a:r>
           </a:p>
           <a:p>
             <a:pPr>
               <a:spcBef>
+                <a:spcPts val="0"/>
+              </a:spcBef>
+              <a:spcAft>
                 <a:spcPts val="100"/>
+              </a:spcAft>
+              <a:defRPr sz="800">
+                <a:solidFill>
+                  <a:srgbClr val="333333"/>
+                </a:solidFill>
+                <a:latin typeface="Courier New"/>
+              </a:defRPr>
+            </a:pPr>
+            <a:r>
+              <a:t>}</a:t>
+            </a:r>
+          </a:p>
+          <a:p>
+            <a:pPr>
+              <a:spcBef>
+                <a:spcPts val="0"/>
               </a:spcBef>
               <a:spcAft>
                 <a:spcPts val="100"/>
               </a:spcAft>
-              <a:defRPr sz="1000">
-                <a:solidFill>
-                  <a:srgbClr val="24292E"/>
-                </a:solidFill>
-                <a:latin typeface="Menlo"/>
-              </a:defRPr>
-            </a:pPr>
-            <a:r>
-              <a:t>default require_approval := false</a:t>
-            </a:r>
+              <a:defRPr sz="800">
+                <a:solidFill>
+                  <a:srgbClr val="333333"/>
+                </a:solidFill>
+                <a:latin typeface="Courier New"/>
+              </a:defRPr>
+            </a:pPr>
           </a:p>
           <a:p>
             <a:pPr>
               <a:spcBef>
+                <a:spcPts val="0"/>
+              </a:spcBef>
+              <a:spcAft>
                 <a:spcPts val="100"/>
+              </a:spcAft>
+              <a:defRPr sz="800">
+                <a:solidFill>
+                  <a:srgbClr val="333333"/>
+                </a:solidFill>
+                <a:latin typeface="Courier New"/>
+              </a:defRPr>
+            </a:pPr>
+            <a:r>
+              <a:t># Production + unvalidated target</a:t>
+            </a:r>
+          </a:p>
+          <a:p>
+            <a:pPr>
+              <a:spcBef>
+                <a:spcPts val="0"/>
               </a:spcBef>
               <a:spcAft>
                 <a:spcPts val="100"/>
               </a:spcAft>
-              <a:defRPr sz="1000">
-                <a:solidFill>
-                  <a:srgbClr val="24292E"/>
-                </a:solidFill>
-                <a:latin typeface="Menlo"/>
-              </a:defRPr>
-            </a:pPr>
+              <a:defRPr sz="800">
+                <a:solidFill>
+                  <a:srgbClr val="333333"/>
+                </a:solidFill>
+                <a:latin typeface="Courier New"/>
+              </a:defRPr>
+            </a:pPr>
+            <a:r>
+              <a:t>require_approval if {</a:t>
+            </a:r>
           </a:p>
           <a:p>
             <a:pPr>
               <a:spcBef>
+                <a:spcPts val="0"/>
+              </a:spcBef>
+              <a:spcAft>
                 <a:spcPts val="100"/>
+              </a:spcAft>
+              <a:defRPr sz="800">
+                <a:solidFill>
+                  <a:srgbClr val="333333"/>
+                </a:solidFill>
+                <a:latin typeface="Courier New"/>
+              </a:defRPr>
+            </a:pPr>
+            <a:r>
+              <a:t>    is_production</a:t>
+            </a:r>
+          </a:p>
+          <a:p>
+            <a:pPr>
+              <a:spcBef>
+                <a:spcPts val="0"/>
               </a:spcBef>
               <a:spcAft>
                 <a:spcPts val="100"/>
               </a:spcAft>
-              <a:defRPr sz="1000">
-                <a:solidFill>
-                  <a:srgbClr val="24292E"/>
-                </a:solidFill>
-                <a:latin typeface="Menlo"/>
-              </a:defRPr>
-            </a:pPr>
-            <a:r>
-              <a:t># Production environment requires manual approval</a:t>
+              <a:defRPr sz="800">
+                <a:solidFill>
+                  <a:srgbClr val="333333"/>
+                </a:solidFill>
+                <a:latin typeface="Courier New"/>
+              </a:defRPr>
+            </a:pPr>
+            <a:r>
+              <a:t>    not target_validated</a:t>
             </a:r>
           </a:p>
           <a:p>
             <a:pPr>
               <a:spcBef>
+                <a:spcPts val="0"/>
+              </a:spcBef>
+              <a:spcAft>
                 <a:spcPts val="100"/>
+              </a:spcAft>
+              <a:defRPr sz="800">
+                <a:solidFill>
+                  <a:srgbClr val="333333"/>
+                </a:solidFill>
+                <a:latin typeface="Courier New"/>
+              </a:defRPr>
+            </a:pPr>
+            <a:r>
+              <a:t>}</a:t>
+            </a:r>
+          </a:p>
+          <a:p>
+            <a:pPr>
+              <a:spcBef>
+                <a:spcPts val="0"/>
               </a:spcBef>
               <a:spcAft>
                 <a:spcPts val="100"/>
               </a:spcAft>
-              <a:defRPr sz="1000">
-                <a:solidFill>
-                  <a:srgbClr val="24292E"/>
-                </a:solidFill>
-                <a:latin typeface="Menlo"/>
+              <a:defRPr sz="800">
+                <a:solidFill>
+                  <a:srgbClr val="333333"/>
+                </a:solidFill>
+                <a:latin typeface="Courier New"/>
+              </a:defRPr>
+            </a:pPr>
+          </a:p>
+          <a:p>
+            <a:pPr>
+              <a:spcBef>
+                <a:spcPts val="0"/>
+              </a:spcBef>
+              <a:spcAft>
+                <a:spcPts val="100"/>
+              </a:spcAft>
+              <a:defRPr sz="800">
+                <a:solidFill>
+                  <a:srgbClr val="333333"/>
+                </a:solidFill>
+                <a:latin typeface="Courier New"/>
+              </a:defRPr>
+            </a:pPr>
+            <a:r>
+              <a:t># Production + failed detections</a:t>
+            </a:r>
+          </a:p>
+          <a:p>
+            <a:pPr>
+              <a:spcBef>
+                <a:spcPts val="0"/>
+              </a:spcBef>
+              <a:spcAft>
+                <a:spcPts val="100"/>
+              </a:spcAft>
+              <a:defRPr sz="800">
+                <a:solidFill>
+                  <a:srgbClr val="333333"/>
+                </a:solidFill>
+                <a:latin typeface="Courier New"/>
               </a:defRPr>
             </a:pPr>
             <a:r>
@@ -7863,16 +8431,127 @@
           <a:p>
             <a:pPr>
               <a:spcBef>
+                <a:spcPts val="0"/>
+              </a:spcBef>
+              <a:spcAft>
                 <a:spcPts val="100"/>
+              </a:spcAft>
+              <a:defRPr sz="800">
+                <a:solidFill>
+                  <a:srgbClr val="333333"/>
+                </a:solidFill>
+                <a:latin typeface="Courier New"/>
+              </a:defRPr>
+            </a:pPr>
+            <a:r>
+              <a:t>    is_production</a:t>
+            </a:r>
+          </a:p>
+          <a:p>
+            <a:pPr>
+              <a:spcBef>
+                <a:spcPts val="0"/>
               </a:spcBef>
               <a:spcAft>
                 <a:spcPts val="100"/>
               </a:spcAft>
-              <a:defRPr sz="1000">
-                <a:solidFill>
-                  <a:srgbClr val="24292E"/>
-                </a:solidFill>
-                <a:latin typeface="Menlo"/>
+              <a:defRPr sz="800">
+                <a:solidFill>
+                  <a:srgbClr val="333333"/>
+                </a:solidFill>
+                <a:latin typeface="Courier New"/>
+              </a:defRPr>
+            </a:pPr>
+            <a:r>
+              <a:t>    has_failed_detections</a:t>
+            </a:r>
+          </a:p>
+          <a:p>
+            <a:pPr>
+              <a:spcBef>
+                <a:spcPts val="0"/>
+              </a:spcBef>
+              <a:spcAft>
+                <a:spcPts val="100"/>
+              </a:spcAft>
+              <a:defRPr sz="800">
+                <a:solidFill>
+                  <a:srgbClr val="333333"/>
+                </a:solidFill>
+                <a:latin typeface="Courier New"/>
+              </a:defRPr>
+            </a:pPr>
+            <a:r>
+              <a:t>}</a:t>
+            </a:r>
+          </a:p>
+          <a:p>
+            <a:pPr>
+              <a:spcBef>
+                <a:spcPts val="0"/>
+              </a:spcBef>
+              <a:spcAft>
+                <a:spcPts val="100"/>
+              </a:spcAft>
+              <a:defRPr sz="800">
+                <a:solidFill>
+                  <a:srgbClr val="333333"/>
+                </a:solidFill>
+                <a:latin typeface="Courier New"/>
+              </a:defRPr>
+            </a:pPr>
+          </a:p>
+          <a:p>
+            <a:pPr>
+              <a:spcBef>
+                <a:spcPts val="0"/>
+              </a:spcBef>
+              <a:spcAft>
+                <a:spcPts val="100"/>
+              </a:spcAft>
+              <a:defRPr sz="800">
+                <a:solidFill>
+                  <a:srgbClr val="333333"/>
+                </a:solidFill>
+                <a:latin typeface="Courier New"/>
+              </a:defRPr>
+            </a:pPr>
+            <a:r>
+              <a:t># Production + stateful workload</a:t>
+            </a:r>
+          </a:p>
+          <a:p>
+            <a:pPr>
+              <a:spcBef>
+                <a:spcPts val="0"/>
+              </a:spcBef>
+              <a:spcAft>
+                <a:spcPts val="100"/>
+              </a:spcAft>
+              <a:defRPr sz="800">
+                <a:solidFill>
+                  <a:srgbClr val="333333"/>
+                </a:solidFill>
+                <a:latin typeface="Courier New"/>
+              </a:defRPr>
+            </a:pPr>
+            <a:r>
+              <a:t>require_approval if {</a:t>
+            </a:r>
+          </a:p>
+          <a:p>
+            <a:pPr>
+              <a:spcBef>
+                <a:spcPts val="0"/>
+              </a:spcBef>
+              <a:spcAft>
+                <a:spcPts val="100"/>
+              </a:spcAft>
+              <a:defRPr sz="800">
+                <a:solidFill>
+                  <a:srgbClr val="333333"/>
+                </a:solidFill>
+                <a:latin typeface="Courier New"/>
               </a:defRPr>
             </a:pPr>
             <a:r>
@@ -7882,330 +8561,35 @@
           <a:p>
             <a:pPr>
               <a:spcBef>
+                <a:spcPts val="0"/>
+              </a:spcBef>
+              <a:spcAft>
                 <a:spcPts val="100"/>
+              </a:spcAft>
+              <a:defRPr sz="800">
+                <a:solidFill>
+                  <a:srgbClr val="333333"/>
+                </a:solidFill>
+                <a:latin typeface="Courier New"/>
+              </a:defRPr>
+            </a:pPr>
+            <a:r>
+              <a:t>    is_stateful</a:t>
+            </a:r>
+          </a:p>
+          <a:p>
+            <a:pPr>
+              <a:spcBef>
+                <a:spcPts val="0"/>
               </a:spcBef>
               <a:spcAft>
                 <a:spcPts val="100"/>
               </a:spcAft>
-              <a:defRPr sz="1000">
-                <a:solidFill>
-                  <a:srgbClr val="24292E"/>
-                </a:solidFill>
-                <a:latin typeface="Menlo"/>
-              </a:defRPr>
-            </a:pPr>
-            <a:r>
-              <a:t>}</a:t>
-            </a:r>
-          </a:p>
-          <a:p>
-            <a:pPr>
-              <a:spcBef>
-                <a:spcPts val="100"/>
-              </a:spcBef>
-              <a:spcAft>
-                <a:spcPts val="100"/>
-              </a:spcAft>
-              <a:defRPr sz="1000">
-                <a:solidFill>
-                  <a:srgbClr val="24292E"/>
-                </a:solidFill>
-                <a:latin typeface="Menlo"/>
-              </a:defRPr>
-            </a:pPr>
-          </a:p>
-          <a:p>
-            <a:pPr>
-              <a:spcBef>
-                <a:spcPts val="100"/>
-              </a:spcBef>
-              <a:spcAft>
-                <a:spcPts val="100"/>
-              </a:spcAft>
-              <a:defRPr sz="1000">
-                <a:solidFill>
-                  <a:srgbClr val="24292E"/>
-                </a:solidFill>
-                <a:latin typeface="Menlo"/>
-              </a:defRPr>
-            </a:pPr>
-            <a:r>
-              <a:t># Multiple recovery attempts (3+) require approval</a:t>
-            </a:r>
-          </a:p>
-          <a:p>
-            <a:pPr>
-              <a:spcBef>
-                <a:spcPts val="100"/>
-              </a:spcBef>
-              <a:spcAft>
-                <a:spcPts val="100"/>
-              </a:spcAft>
-              <a:defRPr sz="1000">
-                <a:solidFill>
-                  <a:srgbClr val="24292E"/>
-                </a:solidFill>
-                <a:latin typeface="Menlo"/>
-              </a:defRPr>
-            </a:pPr>
-            <a:r>
-              <a:t>require_approval if {</a:t>
-            </a:r>
-          </a:p>
-          <a:p>
-            <a:pPr>
-              <a:spcBef>
-                <a:spcPts val="100"/>
-              </a:spcBef>
-              <a:spcAft>
-                <a:spcPts val="100"/>
-              </a:spcAft>
-              <a:defRPr sz="1000">
-                <a:solidFill>
-                  <a:srgbClr val="24292E"/>
-                </a:solidFill>
-                <a:latin typeface="Menlo"/>
-              </a:defRPr>
-            </a:pPr>
-            <a:r>
-              <a:t>    is_multiple_recovery</a:t>
-            </a:r>
-          </a:p>
-          <a:p>
-            <a:pPr>
-              <a:spcBef>
-                <a:spcPts val="100"/>
-              </a:spcBef>
-              <a:spcAft>
-                <a:spcPts val="100"/>
-              </a:spcAft>
-              <a:defRPr sz="1000">
-                <a:solidFill>
-                  <a:srgbClr val="24292E"/>
-                </a:solidFill>
-                <a:latin typeface="Menlo"/>
-              </a:defRPr>
-            </a:pPr>
-            <a:r>
-              <a:t>}</a:t>
-            </a:r>
-          </a:p>
-          <a:p>
-            <a:pPr>
-              <a:spcBef>
-                <a:spcPts val="100"/>
-              </a:spcBef>
-              <a:spcAft>
-                <a:spcPts val="100"/>
-              </a:spcAft>
-              <a:defRPr sz="1000">
-                <a:solidFill>
-                  <a:srgbClr val="24292E"/>
-                </a:solidFill>
-                <a:latin typeface="Menlo"/>
-              </a:defRPr>
-            </a:pPr>
-          </a:p>
-          <a:p>
-            <a:pPr>
-              <a:spcBef>
-                <a:spcPts val="100"/>
-              </a:spcBef>
-              <a:spcAft>
-                <a:spcPts val="100"/>
-              </a:spcAft>
-              <a:defRPr sz="1000">
-                <a:solidFill>
-                  <a:srgbClr val="24292E"/>
-                </a:solidFill>
-                <a:latin typeface="Menlo"/>
-              </a:defRPr>
-            </a:pPr>
-            <a:r>
-              <a:t># Production + unvalidated target requires approval</a:t>
-            </a:r>
-          </a:p>
-          <a:p>
-            <a:pPr>
-              <a:spcBef>
-                <a:spcPts val="100"/>
-              </a:spcBef>
-              <a:spcAft>
-                <a:spcPts val="100"/>
-              </a:spcAft>
-              <a:defRPr sz="1000">
-                <a:solidFill>
-                  <a:srgbClr val="24292E"/>
-                </a:solidFill>
-                <a:latin typeface="Menlo"/>
-              </a:defRPr>
-            </a:pPr>
-            <a:r>
-              <a:t>require_approval if {</a:t>
-            </a:r>
-          </a:p>
-          <a:p>
-            <a:pPr>
-              <a:spcBef>
-                <a:spcPts val="100"/>
-              </a:spcBef>
-              <a:spcAft>
-                <a:spcPts val="100"/>
-              </a:spcAft>
-              <a:defRPr sz="1000">
-                <a:solidFill>
-                  <a:srgbClr val="24292E"/>
-                </a:solidFill>
-                <a:latin typeface="Menlo"/>
-              </a:defRPr>
-            </a:pPr>
-            <a:r>
-              <a:t>    is_production</a:t>
-            </a:r>
-          </a:p>
-          <a:p>
-            <a:pPr>
-              <a:spcBef>
-                <a:spcPts val="100"/>
-              </a:spcBef>
-              <a:spcAft>
-                <a:spcPts val="100"/>
-              </a:spcAft>
-              <a:defRPr sz="1000">
-                <a:solidFill>
-                  <a:srgbClr val="24292E"/>
-                </a:solidFill>
-                <a:latin typeface="Menlo"/>
-              </a:defRPr>
-            </a:pPr>
-            <a:r>
-              <a:t>    not target_validated</a:t>
-            </a:r>
-          </a:p>
-          <a:p>
-            <a:pPr>
-              <a:spcBef>
-                <a:spcPts val="100"/>
-              </a:spcBef>
-              <a:spcAft>
-                <a:spcPts val="100"/>
-              </a:spcAft>
-              <a:defRPr sz="1000">
-                <a:solidFill>
-                  <a:srgbClr val="24292E"/>
-                </a:solidFill>
-                <a:latin typeface="Menlo"/>
-              </a:defRPr>
-            </a:pPr>
-            <a:r>
-              <a:t>}</a:t>
-            </a:r>
-          </a:p>
-          <a:p>
-            <a:pPr>
-              <a:spcBef>
-                <a:spcPts val="100"/>
-              </a:spcBef>
-              <a:spcAft>
-                <a:spcPts val="100"/>
-              </a:spcAft>
-              <a:defRPr sz="1000">
-                <a:solidFill>
-                  <a:srgbClr val="24292E"/>
-                </a:solidFill>
-                <a:latin typeface="Menlo"/>
-              </a:defRPr>
-            </a:pPr>
-          </a:p>
-          <a:p>
-            <a:pPr>
-              <a:spcBef>
-                <a:spcPts val="100"/>
-              </a:spcBef>
-              <a:spcAft>
-                <a:spcPts val="100"/>
-              </a:spcAft>
-              <a:defRPr sz="1000">
-                <a:solidFill>
-                  <a:srgbClr val="24292E"/>
-                </a:solidFill>
-                <a:latin typeface="Menlo"/>
-              </a:defRPr>
-            </a:pPr>
-            <a:r>
-              <a:t># Production + stateful workload requires approval</a:t>
-            </a:r>
-          </a:p>
-          <a:p>
-            <a:pPr>
-              <a:spcBef>
-                <a:spcPts val="100"/>
-              </a:spcBef>
-              <a:spcAft>
-                <a:spcPts val="100"/>
-              </a:spcAft>
-              <a:defRPr sz="1000">
-                <a:solidFill>
-                  <a:srgbClr val="24292E"/>
-                </a:solidFill>
-                <a:latin typeface="Menlo"/>
-              </a:defRPr>
-            </a:pPr>
-            <a:r>
-              <a:t>require_approval if {</a:t>
-            </a:r>
-          </a:p>
-          <a:p>
-            <a:pPr>
-              <a:spcBef>
-                <a:spcPts val="100"/>
-              </a:spcBef>
-              <a:spcAft>
-                <a:spcPts val="100"/>
-              </a:spcAft>
-              <a:defRPr sz="1000">
-                <a:solidFill>
-                  <a:srgbClr val="24292E"/>
-                </a:solidFill>
-                <a:latin typeface="Menlo"/>
-              </a:defRPr>
-            </a:pPr>
-            <a:r>
-              <a:t>    is_production</a:t>
-            </a:r>
-          </a:p>
-          <a:p>
-            <a:pPr>
-              <a:spcBef>
-                <a:spcPts val="100"/>
-              </a:spcBef>
-              <a:spcAft>
-                <a:spcPts val="100"/>
-              </a:spcAft>
-              <a:defRPr sz="1000">
-                <a:solidFill>
-                  <a:srgbClr val="24292E"/>
-                </a:solidFill>
-                <a:latin typeface="Menlo"/>
-              </a:defRPr>
-            </a:pPr>
-            <a:r>
-              <a:t>    is_stateful</a:t>
-            </a:r>
-          </a:p>
-          <a:p>
-            <a:pPr>
-              <a:spcBef>
-                <a:spcPts val="100"/>
-              </a:spcBef>
-              <a:spcAft>
-                <a:spcPts val="100"/>
-              </a:spcAft>
-              <a:defRPr sz="1000">
-                <a:solidFill>
-                  <a:srgbClr val="24292E"/>
-                </a:solidFill>
-                <a:latin typeface="Menlo"/>
+              <a:defRPr sz="800">
+                <a:solidFill>
+                  <a:srgbClr val="333333"/>
+                </a:solidFill>
+                <a:latin typeface="Courier New"/>
               </a:defRPr>
             </a:pPr>
             <a:r>
@@ -8248,8 +8632,8 @@
         </p:nvSpPr>
         <p:spPr>
           <a:xfrm>
-            <a:off x="731520" y="365760"/>
-            <a:ext cx="10058400" cy="640080"/>
+            <a:off x="457200" y="274320"/>
+            <a:ext cx="8229600" cy="548640"/>
           </a:xfrm>
           <a:prstGeom prst="rect">
             <a:avLst/>
@@ -8263,86 +8647,29 @@
           <a:lstStyle/>
           <a:p>
             <a:pPr>
-              <a:defRPr sz="3200" b="1">
-                <a:solidFill>
-                  <a:srgbClr val="1A1A2E"/>
-                </a:solidFill>
+              <a:defRPr sz="2800" b="1">
+                <a:solidFill>
+                  <a:srgbClr val="1B2A4A"/>
+                </a:solidFill>
+                <a:latin typeface="Calibri"/>
               </a:defRPr>
             </a:pPr>
             <a:r>
               <a:t>HolmesGPT-API (HAPI)</a:t>
             </a:r>
           </a:p>
-          <a:p>
-            <a:pPr>
-              <a:spcBef>
-                <a:spcPts val="600"/>
-              </a:spcBef>
-              <a:defRPr sz="1600">
-                <a:solidFill>
-                  <a:srgbClr val="666666"/>
-                </a:solidFill>
-              </a:defRPr>
-            </a:pPr>
-            <a:r>
-              <a:t>Python FastAPI service  •  LLM orchestration layer</a:t>
-            </a:r>
-          </a:p>
-        </p:txBody>
-      </p:sp>
-      <p:sp>
-        <p:nvSpPr>
-          <p:cNvPr id="3" name="Rectangle 2"/>
-          <p:cNvSpPr/>
+        </p:txBody>
+      </p:sp>
+      <p:sp>
+        <p:nvSpPr>
+          <p:cNvPr id="3" name="TextBox 2"/>
+          <p:cNvSpPr txBox="1"/>
           <p:nvPr/>
         </p:nvSpPr>
         <p:spPr>
           <a:xfrm>
-            <a:off x="731520" y="1005840"/>
-            <a:ext cx="1828800" cy="38100"/>
-          </a:xfrm>
-          <a:prstGeom prst="rect">
-            <a:avLst/>
-          </a:prstGeom>
-          <a:solidFill>
-            <a:srgbClr val="007ACC"/>
-          </a:solidFill>
-          <a:ln>
-            <a:noFill/>
-          </a:ln>
-        </p:spPr>
-        <p:style>
-          <a:lnRef idx="1">
-            <a:schemeClr val="accent1"/>
-          </a:lnRef>
-          <a:fillRef idx="3">
-            <a:schemeClr val="accent1"/>
-          </a:fillRef>
-          <a:effectRef idx="2">
-            <a:schemeClr val="accent1"/>
-          </a:effectRef>
-          <a:fontRef idx="minor">
-            <a:schemeClr val="lt1"/>
-          </a:fontRef>
-        </p:style>
-        <p:txBody>
-          <a:bodyPr rtlCol="0" anchor="ctr"/>
-          <a:lstStyle/>
-          <a:p>
-            <a:pPr algn="ctr"/>
-          </a:p>
-        </p:txBody>
-      </p:sp>
-      <p:sp>
-        <p:nvSpPr>
-          <p:cNvPr id="4" name="TextBox 3"/>
-          <p:cNvSpPr txBox="1"/>
-          <p:nvPr/>
-        </p:nvSpPr>
-        <p:spPr>
-          <a:xfrm>
-            <a:off x="731520" y="1280160"/>
-            <a:ext cx="5029200" cy="5029200"/>
+            <a:off x="457200" y="822960"/>
+            <a:ext cx="8229600" cy="502920"/>
           </a:xfrm>
           <a:prstGeom prst="rect">
             <a:avLst/>
@@ -8356,76 +8683,29 @@
           <a:lstStyle/>
           <a:p>
             <a:pPr>
-              <a:spcBef>
-                <a:spcPts val="400"/>
-              </a:spcBef>
-              <a:defRPr sz="1300">
-                <a:solidFill>
-                  <a:srgbClr val="333333"/>
-                </a:solidFill>
-              </a:defRPr>
-            </a:pPr>
-            <a:r>
-              <a:t>Three API endpoints: incident analysis, recovery, post-execution</a:t>
-            </a:r>
-          </a:p>
-          <a:p>
-            <a:pPr>
-              <a:spcBef>
-                <a:spcPts val="400"/>
-              </a:spcBef>
-              <a:defRPr sz="1300">
-                <a:solidFill>
-                  <a:srgbClr val="333333"/>
-                </a:solidFill>
-              </a:defRPr>
-            </a:pPr>
-            <a:r>
-              <a:t>Session-based async API: submit investigation &gt; poll &gt; result</a:t>
-            </a:r>
-          </a:p>
-          <a:p>
-            <a:pPr>
-              <a:spcBef>
-                <a:spcPts val="400"/>
-              </a:spcBef>
-              <a:defRPr sz="1300">
-                <a:solidFill>
-                  <a:srgbClr val="333333"/>
-                </a:solidFill>
-              </a:defRPr>
-            </a:pPr>
-            <a:r>
-              <a:t>Auth: K8s ServiceAccount tokens (TokenReview + SubjectAccessReview)</a:t>
-            </a:r>
-          </a:p>
-          <a:p>
-            <a:pPr>
-              <a:spcBef>
-                <a:spcPts val="400"/>
-              </a:spcBef>
-              <a:defRPr sz="1300">
-                <a:solidFill>
-                  <a:srgbClr val="333333"/>
-                </a:solidFill>
-              </a:defRPr>
-            </a:pPr>
-            <a:r>
-              <a:t>Mock LLM mode: deterministic responses for testing</a:t>
-            </a:r>
-          </a:p>
-        </p:txBody>
-      </p:sp>
-      <p:sp>
-        <p:nvSpPr>
-          <p:cNvPr id="5" name="TextBox 4"/>
+              <a:defRPr sz="1100" i="1">
+                <a:solidFill>
+                  <a:srgbClr val="333333"/>
+                </a:solidFill>
+                <a:latin typeface="Calibri"/>
+              </a:defRPr>
+            </a:pPr>
+            <a:r>
+              <a:t>Internal Python service (FastAPI) that wraps HolmesGPT SDK and orchestrates LLM-driven incident analysis, recovery proposals, and workflow discovery.</a:t>
+            </a:r>
+          </a:p>
+        </p:txBody>
+      </p:sp>
+      <p:sp>
+        <p:nvSpPr>
+          <p:cNvPr id="4" name="TextBox 3"/>
           <p:cNvSpPr txBox="1"/>
           <p:nvPr/>
         </p:nvSpPr>
         <p:spPr>
           <a:xfrm>
-            <a:off x="6217920" y="1280160"/>
-            <a:ext cx="5303520" cy="5029200"/>
+            <a:off x="457200" y="1325880"/>
+            <a:ext cx="8229600" cy="274320"/>
           </a:xfrm>
           <a:prstGeom prst="rect">
             <a:avLst/>
@@ -8439,158 +8719,208 @@
           <a:lstStyle/>
           <a:p>
             <a:pPr>
-              <a:spcBef>
+              <a:defRPr sz="1000" b="1">
+                <a:solidFill>
+                  <a:srgbClr val="2B579A"/>
+                </a:solidFill>
+                <a:latin typeface="Calibri"/>
+              </a:defRPr>
+            </a:pPr>
+            <a:r>
+              <a:t>Architecture: HTTP service (FastAPI, not a controller)</a:t>
+            </a:r>
+          </a:p>
+        </p:txBody>
+      </p:sp>
+      <p:sp>
+        <p:nvSpPr>
+          <p:cNvPr id="5" name="TextBox 4"/>
+          <p:cNvSpPr txBox="1"/>
+          <p:nvPr/>
+        </p:nvSpPr>
+        <p:spPr>
+          <a:xfrm>
+            <a:off x="457200" y="1645920"/>
+            <a:ext cx="8229600" cy="4572000"/>
+          </a:xfrm>
+          <a:prstGeom prst="rect">
+            <a:avLst/>
+          </a:prstGeom>
+          <a:noFill/>
+        </p:spPr>
+        <p:txBody>
+          <a:bodyPr wrap="square">
+            <a:spAutoFit/>
+          </a:bodyPr>
+          <a:lstStyle/>
+          <a:p>
+            <a:pPr>
+              <a:spcAft>
                 <a:spcPts val="400"/>
-              </a:spcBef>
-              <a:defRPr sz="1300">
-                <a:solidFill>
-                  <a:srgbClr val="333333"/>
-                </a:solidFill>
-              </a:defRPr>
-            </a:pPr>
-            <a:r>
-              <a:t>3-Step Workflow Discovery Protocol:</a:t>
-            </a:r>
-          </a:p>
-          <a:p>
-            <a:pPr>
-              <a:spcBef>
-                <a:spcPts val="800"/>
-              </a:spcBef>
-            </a:pPr>
-          </a:p>
-          <a:p>
-            <a:pPr>
-              <a:spcBef>
+              </a:spcAft>
+              <a:defRPr sz="1100">
+                <a:solidFill>
+                  <a:srgbClr val="333333"/>
+                </a:solidFill>
+                <a:latin typeface="Calibri"/>
+              </a:defRPr>
+              <a:buChar char="•"/>
+            </a:pPr>
+            <a:r>
+              <a:t>3 API endpoints: incident analysis, recovery analysis, post-execution analysis</a:t>
+            </a:r>
+          </a:p>
+          <a:p>
+            <a:pPr>
+              <a:spcAft>
                 <a:spcPts val="400"/>
-              </a:spcBef>
-              <a:defRPr sz="1300">
-                <a:solidFill>
-                  <a:srgbClr val="333333"/>
-                </a:solidFill>
-              </a:defRPr>
-            </a:pPr>
-            <a:r>
-              <a:t>1. list_available_actions — what can I do?</a:t>
-            </a:r>
-          </a:p>
-          <a:p>
-            <a:pPr>
-              <a:spcBef>
+              </a:spcAft>
+              <a:defRPr sz="1100">
+                <a:solidFill>
+                  <a:srgbClr val="333333"/>
+                </a:solidFill>
+                <a:latin typeface="Calibri"/>
+              </a:defRPr>
+              <a:buChar char="•"/>
+            </a:pPr>
+            <a:r>
+              <a:t>3-step workflow discovery protocol against DataStorage:</a:t>
+            </a:r>
+          </a:p>
+          <a:p>
+            <a:pPr>
+              <a:spcAft>
                 <a:spcPts val="400"/>
-              </a:spcBef>
-              <a:defRPr sz="1300">
-                <a:solidFill>
-                  <a:srgbClr val="333333"/>
-                </a:solidFill>
-              </a:defRPr>
-            </a:pPr>
-            <a:r>
-              <a:t>2. list_workflows — which workflows implement this action?</a:t>
-            </a:r>
-          </a:p>
-          <a:p>
-            <a:pPr>
-              <a:spcBef>
+              </a:spcAft>
+              <a:defRPr sz="1100">
+                <a:solidFill>
+                  <a:srgbClr val="333333"/>
+                </a:solidFill>
+                <a:latin typeface="Calibri"/>
+              </a:defRPr>
+              <a:buChar char="•"/>
+            </a:pPr>
+            <a:r>
+              <a:t>  1. list_available_actions (what can I do?)</a:t>
+            </a:r>
+          </a:p>
+          <a:p>
+            <a:pPr>
+              <a:spcAft>
                 <a:spcPts val="400"/>
-              </a:spcBef>
-              <a:defRPr sz="1300">
-                <a:solidFill>
-                  <a:srgbClr val="333333"/>
-                </a:solidFill>
-              </a:defRPr>
-            </a:pPr>
-            <a:r>
-              <a:t>3. get_workflow — fetch schema and parameters</a:t>
-            </a:r>
-          </a:p>
-          <a:p>
-            <a:pPr>
-              <a:spcBef>
-                <a:spcPts val="800"/>
-              </a:spcBef>
-            </a:pPr>
-          </a:p>
-          <a:p>
-            <a:pPr>
-              <a:spcBef>
+              </a:spcAft>
+              <a:defRPr sz="1100">
+                <a:solidFill>
+                  <a:srgbClr val="333333"/>
+                </a:solidFill>
+                <a:latin typeface="Calibri"/>
+              </a:defRPr>
+              <a:buChar char="•"/>
+            </a:pPr>
+            <a:r>
+              <a:t>  2. list_workflows (which workflows implement this action?)</a:t>
+            </a:r>
+          </a:p>
+          <a:p>
+            <a:pPr>
+              <a:spcAft>
                 <a:spcPts val="400"/>
-              </a:spcBef>
-              <a:defRPr sz="1300">
-                <a:solidFill>
-                  <a:srgbClr val="333333"/>
-                </a:solidFill>
-              </a:defRPr>
-            </a:pPr>
-            <a:r>
-              <a:t>Remediation History Enrichment:</a:t>
-            </a:r>
-          </a:p>
-          <a:p>
-            <a:pPr>
-              <a:spcBef>
+              </a:spcAft>
+              <a:defRPr sz="1100">
+                <a:solidFill>
+                  <a:srgbClr val="333333"/>
+                </a:solidFill>
+                <a:latin typeface="Calibri"/>
+              </a:defRPr>
+              <a:buChar char="•"/>
+            </a:pPr>
+            <a:r>
+              <a:t>  3. get_workflow (fetch schema and parameters)</a:t>
+            </a:r>
+          </a:p>
+          <a:p>
+            <a:pPr>
+              <a:spcAft>
                 <a:spcPts val="400"/>
-              </a:spcBef>
-              <a:defRPr sz="1300">
-                <a:solidFill>
-                  <a:srgbClr val="333333"/>
-                </a:solidFill>
-              </a:defRPr>
-            </a:pPr>
-            <a:r>
-              <a:t>Queries DataStorage for past remediations on same target</a:t>
-            </a:r>
-          </a:p>
-          <a:p>
-            <a:pPr>
-              <a:spcBef>
+              </a:spcAft>
+              <a:defRPr sz="1100">
+                <a:solidFill>
+                  <a:srgbClr val="333333"/>
+                </a:solidFill>
+                <a:latin typeface="Calibri"/>
+              </a:defRPr>
+              <a:buChar char="•"/>
+            </a:pPr>
+            <a:r>
+              <a:t>Remediation history enrichment: past remediations injected into LLM prompt</a:t>
+            </a:r>
+          </a:p>
+          <a:p>
+            <a:pPr>
+              <a:spcAft>
                 <a:spcPts val="400"/>
-              </a:spcBef>
-              <a:defRPr sz="1300">
-                <a:solidFill>
-                  <a:srgbClr val="333333"/>
-                </a:solidFill>
-              </a:defRPr>
-            </a:pPr>
-            <a:r>
-              <a:t>Injects into prompt so LLM avoids repeating failures</a:t>
-            </a:r>
-          </a:p>
-          <a:p>
-            <a:pPr>
-              <a:spcBef>
+              </a:spcAft>
+              <a:defRPr sz="1100">
+                <a:solidFill>
+                  <a:srgbClr val="333333"/>
+                </a:solidFill>
+                <a:latin typeface="Calibri"/>
+              </a:defRPr>
+              <a:buChar char="•"/>
+            </a:pPr>
+            <a:r>
+              <a:t>Three-way hash comparison: detects spec drift since last remediation</a:t>
+            </a:r>
+          </a:p>
+          <a:p>
+            <a:pPr>
+              <a:spcAft>
                 <a:spcPts val="400"/>
-              </a:spcBef>
-              <a:defRPr sz="1300">
-                <a:solidFill>
-                  <a:srgbClr val="333333"/>
-                </a:solidFill>
-              </a:defRPr>
-            </a:pPr>
-            <a:r>
-              <a:t>Three-way hash comparison for spec drift detection</a:t>
-            </a:r>
-          </a:p>
-          <a:p>
-            <a:pPr>
-              <a:spcBef>
-                <a:spcPts val="800"/>
-              </a:spcBef>
-            </a:pPr>
-          </a:p>
-          <a:p>
-            <a:pPr>
-              <a:spcBef>
+              </a:spcAft>
+              <a:defRPr sz="1100">
+                <a:solidFill>
+                  <a:srgbClr val="333333"/>
+                </a:solidFill>
+                <a:latin typeface="Calibri"/>
+              </a:defRPr>
+              <a:buChar char="•"/>
+            </a:pPr>
+            <a:r>
+              <a:t>Session-based async API: submit investigation &gt; poll for result</a:t>
+            </a:r>
+          </a:p>
+          <a:p>
+            <a:pPr>
+              <a:spcAft>
                 <a:spcPts val="400"/>
-              </a:spcBef>
-              <a:defRPr sz="1300">
-                <a:solidFill>
-                  <a:srgbClr val="333333"/>
-                </a:solidFill>
-              </a:defRPr>
-            </a:pPr>
-            <a:r>
-              <a:t>Returns: root cause, affected resource, selected workflow, approval context</a:t>
+              </a:spcAft>
+              <a:defRPr sz="1100">
+                <a:solidFill>
+                  <a:srgbClr val="333333"/>
+                </a:solidFill>
+                <a:latin typeface="Calibri"/>
+              </a:defRPr>
+              <a:buChar char="•"/>
+            </a:pPr>
+            <a:r>
+              <a:t>Mock LLM mode for deterministic testing</a:t>
+            </a:r>
+          </a:p>
+          <a:p>
+            <a:pPr>
+              <a:spcAft>
+                <a:spcPts val="400"/>
+              </a:spcAft>
+              <a:defRPr sz="1100">
+                <a:solidFill>
+                  <a:srgbClr val="333333"/>
+                </a:solidFill>
+                <a:latin typeface="Calibri"/>
+              </a:defRPr>
+              <a:buChar char="•"/>
+            </a:pPr>
+            <a:r>
+              <a:t>Auth: K8s ServiceAccount tokens (TokenReview + SubjectAccessReview)</a:t>
             </a:r>
           </a:p>
         </p:txBody>
@@ -8629,8 +8959,8 @@
         </p:nvSpPr>
         <p:spPr>
           <a:xfrm>
-            <a:off x="731520" y="365760"/>
-            <a:ext cx="10058400" cy="640080"/>
+            <a:off x="457200" y="274320"/>
+            <a:ext cx="8229600" cy="548640"/>
           </a:xfrm>
           <a:prstGeom prst="rect">
             <a:avLst/>
@@ -8644,86 +8974,29 @@
           <a:lstStyle/>
           <a:p>
             <a:pPr>
-              <a:defRPr sz="3200" b="1">
-                <a:solidFill>
-                  <a:srgbClr val="1A1A2E"/>
-                </a:solidFill>
+              <a:defRPr sz="2800" b="1">
+                <a:solidFill>
+                  <a:srgbClr val="1B2A4A"/>
+                </a:solidFill>
+                <a:latin typeface="Calibri"/>
               </a:defRPr>
             </a:pPr>
             <a:r>
               <a:t>Remediation Orchestrator</a:t>
             </a:r>
           </a:p>
-          <a:p>
-            <a:pPr>
-              <a:spcBef>
-                <a:spcPts val="600"/>
-              </a:spcBef>
-              <a:defRPr sz="1600">
-                <a:solidFill>
-                  <a:srgbClr val="666666"/>
-                </a:solidFill>
-              </a:defRPr>
-            </a:pPr>
-            <a:r>
-              <a:t>K8s controller  •  CRD: RemediationRequest (owns all child CRDs)</a:t>
-            </a:r>
-          </a:p>
-        </p:txBody>
-      </p:sp>
-      <p:sp>
-        <p:nvSpPr>
-          <p:cNvPr id="3" name="Rectangle 2"/>
-          <p:cNvSpPr/>
+        </p:txBody>
+      </p:sp>
+      <p:sp>
+        <p:nvSpPr>
+          <p:cNvPr id="3" name="TextBox 2"/>
+          <p:cNvSpPr txBox="1"/>
           <p:nvPr/>
         </p:nvSpPr>
         <p:spPr>
           <a:xfrm>
-            <a:off x="731520" y="1005840"/>
-            <a:ext cx="1828800" cy="38100"/>
-          </a:xfrm>
-          <a:prstGeom prst="rect">
-            <a:avLst/>
-          </a:prstGeom>
-          <a:solidFill>
-            <a:srgbClr val="007ACC"/>
-          </a:solidFill>
-          <a:ln>
-            <a:noFill/>
-          </a:ln>
-        </p:spPr>
-        <p:style>
-          <a:lnRef idx="1">
-            <a:schemeClr val="accent1"/>
-          </a:lnRef>
-          <a:fillRef idx="3">
-            <a:schemeClr val="accent1"/>
-          </a:fillRef>
-          <a:effectRef idx="2">
-            <a:schemeClr val="accent1"/>
-          </a:effectRef>
-          <a:fontRef idx="minor">
-            <a:schemeClr val="lt1"/>
-          </a:fontRef>
-        </p:style>
-        <p:txBody>
-          <a:bodyPr rtlCol="0" anchor="ctr"/>
-          <a:lstStyle/>
-          <a:p>
-            <a:pPr algn="ctr"/>
-          </a:p>
-        </p:txBody>
-      </p:sp>
-      <p:sp>
-        <p:nvSpPr>
-          <p:cNvPr id="4" name="TextBox 3"/>
-          <p:cNvSpPr txBox="1"/>
-          <p:nvPr/>
-        </p:nvSpPr>
-        <p:spPr>
-          <a:xfrm>
-            <a:off x="731520" y="1280160"/>
-            <a:ext cx="5029200" cy="5029200"/>
+            <a:off x="457200" y="822960"/>
+            <a:ext cx="8229600" cy="502920"/>
           </a:xfrm>
           <a:prstGeom prst="rect">
             <a:avLst/>
@@ -8737,91 +9010,29 @@
           <a:lstStyle/>
           <a:p>
             <a:pPr>
-              <a:spcBef>
-                <a:spcPts val="400"/>
-              </a:spcBef>
-              <a:defRPr sz="1300">
-                <a:solidFill>
-                  <a:srgbClr val="333333"/>
-                </a:solidFill>
-              </a:defRPr>
-            </a:pPr>
-            <a:r>
-              <a:t>Phase state machine:</a:t>
-            </a:r>
-          </a:p>
-          <a:p>
-            <a:pPr>
-              <a:spcBef>
-                <a:spcPts val="400"/>
-              </a:spcBef>
-              <a:defRPr sz="1300">
-                <a:solidFill>
-                  <a:srgbClr val="333333"/>
-                </a:solidFill>
-              </a:defRPr>
-            </a:pPr>
-            <a:r>
-              <a:t>  Pending &gt; Processing &gt; Analyzing &gt; AwaitingApproval &gt; Executing &gt; Completed / Failed / TimedOut</a:t>
-            </a:r>
-          </a:p>
-          <a:p>
-            <a:pPr>
-              <a:spcBef>
-                <a:spcPts val="400"/>
-              </a:spcBef>
-              <a:defRPr sz="1300">
-                <a:solidFill>
-                  <a:srgbClr val="333333"/>
-                </a:solidFill>
-              </a:defRPr>
-            </a:pPr>
-            <a:r>
-              <a:t>Child CRD lifecycle: creates SP, AA, WE, NR, EA at phase transitions</a:t>
-            </a:r>
-          </a:p>
-          <a:p>
-            <a:pPr>
-              <a:spcBef>
-                <a:spcPts val="400"/>
-              </a:spcBef>
-              <a:defRPr sz="1300">
-                <a:solidFill>
-                  <a:srgbClr val="333333"/>
-                </a:solidFill>
-              </a:defRPr>
-            </a:pPr>
-            <a:r>
-              <a:t>Approval flow: creates RemediationApprovalRequest when Rego requires it</a:t>
-            </a:r>
-          </a:p>
-          <a:p>
-            <a:pPr>
-              <a:spcBef>
-                <a:spcPts val="400"/>
-              </a:spcBef>
-              <a:defRPr sz="1300">
-                <a:solidFill>
-                  <a:srgbClr val="333333"/>
-                </a:solidFill>
-              </a:defRPr>
-            </a:pPr>
-            <a:r>
-              <a:t>Routing engine: scope blocking, consecutive failure blocking, dedup</a:t>
-            </a:r>
-          </a:p>
-        </p:txBody>
-      </p:sp>
-      <p:sp>
-        <p:nvSpPr>
-          <p:cNvPr id="5" name="TextBox 4"/>
+              <a:defRPr sz="1100" i="1">
+                <a:solidFill>
+                  <a:srgbClr val="333333"/>
+                </a:solidFill>
+                <a:latin typeface="Calibri"/>
+              </a:defRPr>
+            </a:pPr>
+            <a:r>
+              <a:t>Coordinates the full remediation lifecycle by creating and watching child CRDs (SP, AA, WE, NR, EA). The conductor of the pipeline.</a:t>
+            </a:r>
+          </a:p>
+        </p:txBody>
+      </p:sp>
+      <p:sp>
+        <p:nvSpPr>
+          <p:cNvPr id="4" name="TextBox 3"/>
           <p:cNvSpPr txBox="1"/>
           <p:nvPr/>
         </p:nvSpPr>
         <p:spPr>
           <a:xfrm>
-            <a:off x="6217920" y="1280160"/>
-            <a:ext cx="5303520" cy="5029200"/>
+            <a:off x="457200" y="1325880"/>
+            <a:ext cx="8229600" cy="274320"/>
           </a:xfrm>
           <a:prstGeom prst="rect">
             <a:avLst/>
@@ -8835,104 +9046,205 @@
           <a:lstStyle/>
           <a:p>
             <a:pPr>
-              <a:spcBef>
+              <a:defRPr sz="1000" b="1">
+                <a:solidFill>
+                  <a:srgbClr val="2B579A"/>
+                </a:solidFill>
+                <a:latin typeface="Calibri"/>
+              </a:defRPr>
+            </a:pPr>
+            <a:r>
+              <a:t>Architecture: Kubernetes controller  |  CRD: RemediationRequest (owns all child CRDs via owner references)</a:t>
+            </a:r>
+          </a:p>
+        </p:txBody>
+      </p:sp>
+      <p:sp>
+        <p:nvSpPr>
+          <p:cNvPr id="5" name="TextBox 4"/>
+          <p:cNvSpPr txBox="1"/>
+          <p:nvPr/>
+        </p:nvSpPr>
+        <p:spPr>
+          <a:xfrm>
+            <a:off x="457200" y="1645920"/>
+            <a:ext cx="8229600" cy="4572000"/>
+          </a:xfrm>
+          <a:prstGeom prst="rect">
+            <a:avLst/>
+          </a:prstGeom>
+          <a:noFill/>
+        </p:spPr>
+        <p:txBody>
+          <a:bodyPr wrap="square">
+            <a:spAutoFit/>
+          </a:bodyPr>
+          <a:lstStyle/>
+          <a:p>
+            <a:pPr>
+              <a:spcAft>
                 <a:spcPts val="400"/>
-              </a:spcBef>
-              <a:defRPr sz="1300">
-                <a:solidFill>
-                  <a:srgbClr val="333333"/>
-                </a:solidFill>
-              </a:defRPr>
-            </a:pPr>
-            <a:r>
-              <a:t>Timeout handling:</a:t>
-            </a:r>
-          </a:p>
-          <a:p>
-            <a:pPr>
-              <a:spcBef>
+              </a:spcAft>
+              <a:defRPr sz="1100">
+                <a:solidFill>
+                  <a:srgbClr val="333333"/>
+                </a:solidFill>
+                <a:latin typeface="Calibri"/>
+              </a:defRPr>
+              <a:buChar char="•"/>
+            </a:pPr>
+            <a:r>
+              <a:t>Phase state machine: Pending &gt; Processing &gt; Analyzing &gt; AwaitingApproval &gt; Executing &gt; Completed/Failed/TimedOut</a:t>
+            </a:r>
+          </a:p>
+          <a:p>
+            <a:pPr>
+              <a:spcAft>
                 <a:spcPts val="400"/>
-              </a:spcBef>
-              <a:defRPr sz="1300">
-                <a:solidFill>
-                  <a:srgbClr val="333333"/>
-                </a:solidFill>
-              </a:defRPr>
-            </a:pPr>
-            <a:r>
-              <a:t>  Global: 1h, Processing: 5m, Analyzing: 10m, Executing: 30m</a:t>
-            </a:r>
-          </a:p>
-          <a:p>
-            <a:pPr>
-              <a:spcBef>
+              </a:spcAft>
+              <a:defRPr sz="1100">
+                <a:solidFill>
+                  <a:srgbClr val="333333"/>
+                </a:solidFill>
+                <a:latin typeface="Calibri"/>
+              </a:defRPr>
+              <a:buChar char="•"/>
+            </a:pPr>
+            <a:r>
+              <a:t>Creates child CRDs at the right phase transitions</a:t>
+            </a:r>
+          </a:p>
+          <a:p>
+            <a:pPr>
+              <a:spcAft>
                 <a:spcPts val="400"/>
-              </a:spcBef>
-              <a:defRPr sz="1300">
-                <a:solidFill>
-                  <a:srgbClr val="333333"/>
-                </a:solidFill>
-              </a:defRPr>
-            </a:pPr>
-            <a:r>
-              <a:t>Pre-remediation spec hash: SHA-256 of target .spec before workflow runs</a:t>
-            </a:r>
-          </a:p>
-          <a:p>
-            <a:pPr>
-              <a:spcBef>
+              </a:spcAft>
+              <a:defRPr sz="1100">
+                <a:solidFill>
+                  <a:srgbClr val="333333"/>
+                </a:solidFill>
+                <a:latin typeface="Calibri"/>
+              </a:defRPr>
+              <a:buChar char="•"/>
+            </a:pPr>
+            <a:r>
+              <a:t>Approval flow: RemediationApprovalRequest when Rego requires human approval</a:t>
+            </a:r>
+          </a:p>
+          <a:p>
+            <a:pPr>
+              <a:spcAft>
                 <a:spcPts val="400"/>
-              </a:spcBef>
-              <a:defRPr sz="1300">
-                <a:solidFill>
-                  <a:srgbClr val="333333"/>
-                </a:solidFill>
-              </a:defRPr>
-            </a:pPr>
-            <a:r>
-              <a:t>EA creation on all terminal phases (Completed, Failed, TimedOut)</a:t>
-            </a:r>
-          </a:p>
-          <a:p>
-            <a:pPr>
-              <a:spcBef>
+              </a:spcAft>
+              <a:defRPr sz="1100">
+                <a:solidFill>
+                  <a:srgbClr val="333333"/>
+                </a:solidFill>
+                <a:latin typeface="Calibri"/>
+              </a:defRPr>
+              <a:buChar char="•"/>
+            </a:pPr>
+            <a:r>
+              <a:t>Routing engine: scope blocking, consecutive failure blocking, dedup</a:t>
+            </a:r>
+          </a:p>
+          <a:p>
+            <a:pPr>
+              <a:spcAft>
                 <a:spcPts val="400"/>
-              </a:spcBef>
-              <a:defRPr sz="1300">
-                <a:solidFill>
-                  <a:srgbClr val="333333"/>
-                </a:solidFill>
-              </a:defRPr>
-            </a:pPr>
-            <a:r>
-              <a:t>AI-resolved target: uses LLM-identified AffectedResource</a:t>
-            </a:r>
-          </a:p>
-          <a:p>
-            <a:pPr>
-              <a:spcBef>
+              </a:spcAft>
+              <a:defRPr sz="1100">
+                <a:solidFill>
+                  <a:srgbClr val="333333"/>
+                </a:solidFill>
+                <a:latin typeface="Calibri"/>
+              </a:defRPr>
+              <a:buChar char="•"/>
+            </a:pPr>
+            <a:r>
+              <a:t>Timeout handling: global (1h) + per-phase (Processing 5m, Analyzing 10m, Executing 30m)</a:t>
+            </a:r>
+          </a:p>
+          <a:p>
+            <a:pPr>
+              <a:spcAft>
                 <a:spcPts val="400"/>
-              </a:spcBef>
-              <a:defRPr sz="1300">
-                <a:solidFill>
-                  <a:srgbClr val="333333"/>
-                </a:solidFill>
-              </a:defRPr>
-            </a:pPr>
-            <a:r>
-              <a:t>Atomic status updates with optimistic concurrency</a:t>
-            </a:r>
-          </a:p>
-          <a:p>
-            <a:pPr>
-              <a:spcBef>
+              </a:spcAft>
+              <a:defRPr sz="1100">
+                <a:solidFill>
+                  <a:srgbClr val="333333"/>
+                </a:solidFill>
+                <a:latin typeface="Calibri"/>
+              </a:defRPr>
+              <a:buChar char="•"/>
+            </a:pPr>
+            <a:r>
+              <a:t>Pre-remediation SHA-256 spec hash of AI-resolved target resource</a:t>
+            </a:r>
+          </a:p>
+          <a:p>
+            <a:pPr>
+              <a:spcAft>
                 <a:spcPts val="400"/>
-              </a:spcBef>
-              <a:defRPr sz="1300">
-                <a:solidFill>
-                  <a:srgbClr val="333333"/>
-                </a:solidFill>
-              </a:defRPr>
+              </a:spcAft>
+              <a:defRPr sz="1100">
+                <a:solidFill>
+                  <a:srgbClr val="333333"/>
+                </a:solidFill>
+                <a:latin typeface="Calibri"/>
+              </a:defRPr>
+              <a:buChar char="•"/>
+            </a:pPr>
+            <a:r>
+              <a:t>EffectivenessAssessment on all terminal phases (Completed, Failed, TimedOut)</a:t>
+            </a:r>
+          </a:p>
+          <a:p>
+            <a:pPr>
+              <a:spcAft>
+                <a:spcPts val="400"/>
+              </a:spcAft>
+              <a:defRPr sz="1100">
+                <a:solidFill>
+                  <a:srgbClr val="333333"/>
+                </a:solidFill>
+                <a:latin typeface="Calibri"/>
+              </a:defRPr>
+              <a:buChar char="•"/>
+            </a:pPr>
+            <a:r>
+              <a:t>AI-resolved target: uses LLM AffectedResource instead of signal source</a:t>
+            </a:r>
+          </a:p>
+          <a:p>
+            <a:pPr>
+              <a:spcAft>
+                <a:spcPts val="400"/>
+              </a:spcAft>
+              <a:defRPr sz="1100">
+                <a:solidFill>
+                  <a:srgbClr val="333333"/>
+                </a:solidFill>
+                <a:latin typeface="Calibri"/>
+              </a:defRPr>
+              <a:buChar char="•"/>
+            </a:pPr>
+            <a:r>
+              <a:t>Atomic status updates with RetryOnConflict</a:t>
+            </a:r>
+          </a:p>
+          <a:p>
+            <a:pPr>
+              <a:spcAft>
+                <a:spcPts val="400"/>
+              </a:spcAft>
+              <a:defRPr sz="1100">
+                <a:solidFill>
+                  <a:srgbClr val="333333"/>
+                </a:solidFill>
+                <a:latin typeface="Calibri"/>
+              </a:defRPr>
+              <a:buChar char="•"/>
             </a:pPr>
             <a:r>
               <a:t>Full audit trail to DataStorage at every phase transition</a:t>
@@ -8974,8 +9286,8 @@
         </p:nvSpPr>
         <p:spPr>
           <a:xfrm>
-            <a:off x="731520" y="365760"/>
-            <a:ext cx="10058400" cy="640080"/>
+            <a:off x="457200" y="274320"/>
+            <a:ext cx="8229600" cy="548640"/>
           </a:xfrm>
           <a:prstGeom prst="rect">
             <a:avLst/>
@@ -8989,86 +9301,29 @@
           <a:lstStyle/>
           <a:p>
             <a:pPr>
-              <a:defRPr sz="3200" b="1">
-                <a:solidFill>
-                  <a:srgbClr val="1A1A2E"/>
-                </a:solidFill>
+              <a:defRPr sz="2800" b="1">
+                <a:solidFill>
+                  <a:srgbClr val="1B2A4A"/>
+                </a:solidFill>
+                <a:latin typeface="Calibri"/>
               </a:defRPr>
             </a:pPr>
             <a:r>
               <a:t>Workflow Execution</a:t>
             </a:r>
           </a:p>
-          <a:p>
-            <a:pPr>
-              <a:spcBef>
-                <a:spcPts val="600"/>
-              </a:spcBef>
-              <a:defRPr sz="1600">
-                <a:solidFill>
-                  <a:srgbClr val="666666"/>
-                </a:solidFill>
-              </a:defRPr>
-            </a:pPr>
-            <a:r>
-              <a:t>K8s controller  •  CRD: WorkflowExecution</a:t>
-            </a:r>
-          </a:p>
-        </p:txBody>
-      </p:sp>
-      <p:sp>
-        <p:nvSpPr>
-          <p:cNvPr id="3" name="Rectangle 2"/>
-          <p:cNvSpPr/>
+        </p:txBody>
+      </p:sp>
+      <p:sp>
+        <p:nvSpPr>
+          <p:cNvPr id="3" name="TextBox 2"/>
+          <p:cNvSpPr txBox="1"/>
           <p:nvPr/>
         </p:nvSpPr>
         <p:spPr>
           <a:xfrm>
-            <a:off x="731520" y="1005840"/>
-            <a:ext cx="1828800" cy="38100"/>
-          </a:xfrm>
-          <a:prstGeom prst="rect">
-            <a:avLst/>
-          </a:prstGeom>
-          <a:solidFill>
-            <a:srgbClr val="007ACC"/>
-          </a:solidFill>
-          <a:ln>
-            <a:noFill/>
-          </a:ln>
-        </p:spPr>
-        <p:style>
-          <a:lnRef idx="1">
-            <a:schemeClr val="accent1"/>
-          </a:lnRef>
-          <a:fillRef idx="3">
-            <a:schemeClr val="accent1"/>
-          </a:fillRef>
-          <a:effectRef idx="2">
-            <a:schemeClr val="accent1"/>
-          </a:effectRef>
-          <a:fontRef idx="minor">
-            <a:schemeClr val="lt1"/>
-          </a:fontRef>
-        </p:style>
-        <p:txBody>
-          <a:bodyPr rtlCol="0" anchor="ctr"/>
-          <a:lstStyle/>
-          <a:p>
-            <a:pPr algn="ctr"/>
-          </a:p>
-        </p:txBody>
-      </p:sp>
-      <p:sp>
-        <p:nvSpPr>
-          <p:cNvPr id="4" name="TextBox 3"/>
-          <p:cNvSpPr txBox="1"/>
-          <p:nvPr/>
-        </p:nvSpPr>
-        <p:spPr>
-          <a:xfrm>
-            <a:off x="731520" y="1280160"/>
-            <a:ext cx="10515600" cy="5029200"/>
+            <a:off x="457200" y="822960"/>
+            <a:ext cx="8229600" cy="502920"/>
           </a:xfrm>
           <a:prstGeom prst="rect">
             <a:avLst/>
@@ -9082,74 +9337,156 @@
           <a:lstStyle/>
           <a:p>
             <a:pPr>
-              <a:spcBef>
+              <a:defRPr sz="1100" i="1">
+                <a:solidFill>
+                  <a:srgbClr val="333333"/>
+                </a:solidFill>
+                <a:latin typeface="Calibri"/>
+              </a:defRPr>
+            </a:pPr>
+            <a:r>
+              <a:t>Executes remediation workflows via Tekton PipelineRuns or K8s Jobs, monitors progress, and reports structured success/failure details back to the orchestrator.</a:t>
+            </a:r>
+          </a:p>
+        </p:txBody>
+      </p:sp>
+      <p:sp>
+        <p:nvSpPr>
+          <p:cNvPr id="4" name="TextBox 3"/>
+          <p:cNvSpPr txBox="1"/>
+          <p:nvPr/>
+        </p:nvSpPr>
+        <p:spPr>
+          <a:xfrm>
+            <a:off x="457200" y="1325880"/>
+            <a:ext cx="8229600" cy="274320"/>
+          </a:xfrm>
+          <a:prstGeom prst="rect">
+            <a:avLst/>
+          </a:prstGeom>
+          <a:noFill/>
+        </p:spPr>
+        <p:txBody>
+          <a:bodyPr wrap="square">
+            <a:spAutoFit/>
+          </a:bodyPr>
+          <a:lstStyle/>
+          <a:p>
+            <a:pPr>
+              <a:defRPr sz="1000" b="1">
+                <a:solidFill>
+                  <a:srgbClr val="2B579A"/>
+                </a:solidFill>
+                <a:latin typeface="Calibri"/>
+              </a:defRPr>
+            </a:pPr>
+            <a:r>
+              <a:t>Architecture: Kubernetes controller  |  CRD: WorkflowExecution</a:t>
+            </a:r>
+          </a:p>
+        </p:txBody>
+      </p:sp>
+      <p:sp>
+        <p:nvSpPr>
+          <p:cNvPr id="5" name="TextBox 4"/>
+          <p:cNvSpPr txBox="1"/>
+          <p:nvPr/>
+        </p:nvSpPr>
+        <p:spPr>
+          <a:xfrm>
+            <a:off x="457200" y="1645920"/>
+            <a:ext cx="8229600" cy="4572000"/>
+          </a:xfrm>
+          <a:prstGeom prst="rect">
+            <a:avLst/>
+          </a:prstGeom>
+          <a:noFill/>
+        </p:spPr>
+        <p:txBody>
+          <a:bodyPr wrap="square">
+            <a:spAutoFit/>
+          </a:bodyPr>
+          <a:lstStyle/>
+          <a:p>
+            <a:pPr>
+              <a:spcAft>
                 <a:spcPts val="400"/>
-              </a:spcBef>
-              <a:defRPr sz="1400">
-                <a:solidFill>
-                  <a:srgbClr val="333333"/>
-                </a:solidFill>
-              </a:defRPr>
-            </a:pPr>
-            <a:r>
-              <a:t>Pure executor: RO makes all routing decisions (cooldown, blocking, backoff) before WFE creation</a:t>
-            </a:r>
-          </a:p>
-          <a:p>
-            <a:pPr>
-              <a:spcBef>
+              </a:spcAft>
+              <a:defRPr sz="1100">
+                <a:solidFill>
+                  <a:srgbClr val="333333"/>
+                </a:solidFill>
+                <a:latin typeface="Calibri"/>
+              </a:defRPr>
+              <a:buChar char="•"/>
+            </a:pPr>
+            <a:r>
+              <a:t>Executor registry: tekton (PipelineRun + OCI bundle) and job (K8s Job)</a:t>
+            </a:r>
+          </a:p>
+          <a:p>
+            <a:pPr>
+              <a:spcAft>
                 <a:spcPts val="400"/>
-              </a:spcBef>
-              <a:defRPr sz="1400">
-                <a:solidFill>
-                  <a:srgbClr val="333333"/>
-                </a:solidFill>
-              </a:defRPr>
-            </a:pPr>
-            <a:r>
-              <a:t>Executor registry: tekton (PipelineRun with OCI bundle resolver) and job (Kubernetes Job)</a:t>
-            </a:r>
-          </a:p>
-          <a:p>
-            <a:pPr>
-              <a:spcBef>
+              </a:spcAft>
+              <a:defRPr sz="1100">
+                <a:solidFill>
+                  <a:srgbClr val="333333"/>
+                </a:solidFill>
+                <a:latin typeface="Calibri"/>
+              </a:defRPr>
+              <a:buChar char="•"/>
+            </a:pPr>
+            <a:r>
+              <a:t>Deterministic resource naming prevents duplicate executions</a:t>
+            </a:r>
+          </a:p>
+          <a:p>
+            <a:pPr>
+              <a:spcAft>
                 <a:spcPts val="400"/>
-              </a:spcBef>
-              <a:defRPr sz="1400">
-                <a:solidFill>
-                  <a:srgbClr val="333333"/>
-                </a:solidFill>
-              </a:defRPr>
-            </a:pPr>
-            <a:r>
-              <a:t>Deterministic resource naming: prevents duplicate executions for same target</a:t>
-            </a:r>
-          </a:p>
-          <a:p>
-            <a:pPr>
-              <a:spcBef>
+              </a:spcAft>
+              <a:defRPr sz="1100">
+                <a:solidFill>
+                  <a:srgbClr val="333333"/>
+                </a:solidFill>
+                <a:latin typeface="Calibri"/>
+              </a:defRPr>
+              <a:buChar char="•"/>
+            </a:pPr>
+            <a:r>
+              <a:t>Lease-based resource locking from targetResource identity</a:t>
+            </a:r>
+          </a:p>
+          <a:p>
+            <a:pPr>
+              <a:spcAft>
                 <a:spcPts val="400"/>
-              </a:spcBef>
-              <a:defRPr sz="1400">
-                <a:solidFill>
-                  <a:srgbClr val="333333"/>
-                </a:solidFill>
-              </a:defRPr>
-            </a:pPr>
-            <a:r>
-              <a:t>Resource locking: deterministic name-based locking from targetResource identity</a:t>
-            </a:r>
-          </a:p>
-          <a:p>
-            <a:pPr>
-              <a:spcBef>
+              </a:spcAft>
+              <a:defRPr sz="1100">
+                <a:solidFill>
+                  <a:srgbClr val="333333"/>
+                </a:solidFill>
+                <a:latin typeface="Calibri"/>
+              </a:defRPr>
+              <a:buChar char="•"/>
+            </a:pPr>
+            <a:r>
+              <a:t>5-minute cooldown before lock release (prevents rapid re-execution)</a:t>
+            </a:r>
+          </a:p>
+          <a:p>
+            <a:pPr>
+              <a:spcAft>
                 <a:spcPts val="400"/>
-              </a:spcBef>
-              <a:defRPr sz="1400">
-                <a:solidFill>
-                  <a:srgbClr val="333333"/>
-                </a:solidFill>
-              </a:defRPr>
+              </a:spcAft>
+              <a:defRPr sz="1100">
+                <a:solidFill>
+                  <a:srgbClr val="333333"/>
+                </a:solidFill>
+                <a:latin typeface="Calibri"/>
+              </a:defRPr>
+              <a:buChar char="•"/>
             </a:pPr>
             <a:r>
               <a:t>Structured failure details: TaskFailed, OOMKilled, DeadlineExceeded, ImagePullBackOff</a:t>
@@ -9157,47 +9494,53 @@
           </a:p>
           <a:p>
             <a:pPr>
-              <a:spcBef>
+              <a:spcAft>
                 <a:spcPts val="400"/>
-              </a:spcBef>
-              <a:defRPr sz="1400">
-                <a:solidFill>
-                  <a:srgbClr val="333333"/>
-                </a:solidFill>
-              </a:defRPr>
-            </a:pPr>
-            <a:r>
-              <a:t>External deletion handling: detects when PipelineRun/Job is deleted outside the controller</a:t>
-            </a:r>
-          </a:p>
-          <a:p>
-            <a:pPr>
-              <a:spcBef>
+              </a:spcAft>
+              <a:defRPr sz="1100">
+                <a:solidFill>
+                  <a:srgbClr val="333333"/>
+                </a:solidFill>
+                <a:latin typeface="Calibri"/>
+              </a:defRPr>
+              <a:buChar char="•"/>
+            </a:pPr>
+            <a:r>
+              <a:t>External deletion handling: detects PipelineRun/Job deleted outside controller</a:t>
+            </a:r>
+          </a:p>
+          <a:p>
+            <a:pPr>
+              <a:spcAft>
                 <a:spcPts val="400"/>
-              </a:spcBef>
-              <a:defRPr sz="1400">
-                <a:solidFill>
-                  <a:srgbClr val="333333"/>
-                </a:solidFill>
-              </a:defRPr>
-            </a:pPr>
-            <a:r>
-              <a:t>Dedicated execution namespace (kubernaut-workflows): isolation from application workloads</a:t>
-            </a:r>
-          </a:p>
-          <a:p>
-            <a:pPr>
-              <a:spcBef>
+              </a:spcAft>
+              <a:defRPr sz="1100">
+                <a:solidFill>
+                  <a:srgbClr val="333333"/>
+                </a:solidFill>
+                <a:latin typeface="Calibri"/>
+              </a:defRPr>
+              <a:buChar char="•"/>
+            </a:pPr>
+            <a:r>
+              <a:t>Dedicated execution namespace (kubernaut-workflows)</a:t>
+            </a:r>
+          </a:p>
+          <a:p>
+            <a:pPr>
+              <a:spcAft>
                 <a:spcPts val="400"/>
-              </a:spcBef>
-              <a:defRPr sz="1400">
-                <a:solidFill>
-                  <a:srgbClr val="333333"/>
-                </a:solidFill>
-              </a:defRPr>
-            </a:pPr>
-            <a:r>
-              <a:t>Audit events: workflow.started (with parameters), workflow.completed/failed</a:t>
+              </a:spcAft>
+              <a:defRPr sz="1100">
+                <a:solidFill>
+                  <a:srgbClr val="333333"/>
+                </a:solidFill>
+                <a:latin typeface="Calibri"/>
+              </a:defRPr>
+              <a:buChar char="•"/>
+            </a:pPr>
+            <a:r>
+              <a:t>Audit events: workflow.started, workflow.completed, workflow.failed</a:t>
             </a:r>
           </a:p>
         </p:txBody>
@@ -9236,8 +9579,8 @@
         </p:nvSpPr>
         <p:spPr>
           <a:xfrm>
-            <a:off x="731520" y="365760"/>
-            <a:ext cx="10058400" cy="640080"/>
+            <a:off x="457200" y="274320"/>
+            <a:ext cx="8229600" cy="548640"/>
           </a:xfrm>
           <a:prstGeom prst="rect">
             <a:avLst/>
@@ -9251,86 +9594,29 @@
           <a:lstStyle/>
           <a:p>
             <a:pPr>
-              <a:defRPr sz="3200" b="1">
-                <a:solidFill>
-                  <a:srgbClr val="1A1A2E"/>
-                </a:solidFill>
+              <a:defRPr sz="2800" b="1">
+                <a:solidFill>
+                  <a:srgbClr val="1B2A4A"/>
+                </a:solidFill>
+                <a:latin typeface="Calibri"/>
               </a:defRPr>
             </a:pPr>
             <a:r>
               <a:t>Effectiveness Monitor</a:t>
             </a:r>
           </a:p>
-          <a:p>
-            <a:pPr>
-              <a:spcBef>
-                <a:spcPts val="600"/>
-              </a:spcBef>
-              <a:defRPr sz="1600">
-                <a:solidFill>
-                  <a:srgbClr val="666666"/>
-                </a:solidFill>
-              </a:defRPr>
-            </a:pPr>
-            <a:r>
-              <a:t>K8s controller  •  CRD: EffectivenessAssessment</a:t>
-            </a:r>
-          </a:p>
-        </p:txBody>
-      </p:sp>
-      <p:sp>
-        <p:nvSpPr>
-          <p:cNvPr id="3" name="Rectangle 2"/>
-          <p:cNvSpPr/>
+        </p:txBody>
+      </p:sp>
+      <p:sp>
+        <p:nvSpPr>
+          <p:cNvPr id="3" name="TextBox 2"/>
+          <p:cNvSpPr txBox="1"/>
           <p:nvPr/>
         </p:nvSpPr>
         <p:spPr>
           <a:xfrm>
-            <a:off x="731520" y="1005840"/>
-            <a:ext cx="1828800" cy="38100"/>
-          </a:xfrm>
-          <a:prstGeom prst="rect">
-            <a:avLst/>
-          </a:prstGeom>
-          <a:solidFill>
-            <a:srgbClr val="007ACC"/>
-          </a:solidFill>
-          <a:ln>
-            <a:noFill/>
-          </a:ln>
-        </p:spPr>
-        <p:style>
-          <a:lnRef idx="1">
-            <a:schemeClr val="accent1"/>
-          </a:lnRef>
-          <a:fillRef idx="3">
-            <a:schemeClr val="accent1"/>
-          </a:fillRef>
-          <a:effectRef idx="2">
-            <a:schemeClr val="accent1"/>
-          </a:effectRef>
-          <a:fontRef idx="minor">
-            <a:schemeClr val="lt1"/>
-          </a:fontRef>
-        </p:style>
-        <p:txBody>
-          <a:bodyPr rtlCol="0" anchor="ctr"/>
-          <a:lstStyle/>
-          <a:p>
-            <a:pPr algn="ctr"/>
-          </a:p>
-        </p:txBody>
-      </p:sp>
-      <p:sp>
-        <p:nvSpPr>
-          <p:cNvPr id="4" name="TextBox 3"/>
-          <p:cNvSpPr txBox="1"/>
-          <p:nvPr/>
-        </p:nvSpPr>
-        <p:spPr>
-          <a:xfrm>
-            <a:off x="731520" y="1280160"/>
-            <a:ext cx="5029200" cy="5029200"/>
+            <a:off x="457200" y="822960"/>
+            <a:ext cx="8229600" cy="502920"/>
           </a:xfrm>
           <a:prstGeom prst="rect">
             <a:avLst/>
@@ -9344,98 +9630,29 @@
           <a:lstStyle/>
           <a:p>
             <a:pPr>
-              <a:spcBef>
-                <a:spcPts val="400"/>
-              </a:spcBef>
-              <a:defRPr sz="1300">
-                <a:solidFill>
-                  <a:srgbClr val="333333"/>
-                </a:solidFill>
-              </a:defRPr>
-            </a:pPr>
-            <a:r>
-              <a:t>4 Assessment Components (each scored 0.0–1.0):</a:t>
-            </a:r>
-          </a:p>
-          <a:p>
-            <a:pPr>
-              <a:spcBef>
-                <a:spcPts val="800"/>
-              </a:spcBef>
-            </a:pPr>
-          </a:p>
-          <a:p>
-            <a:pPr>
-              <a:spcBef>
-                <a:spcPts val="400"/>
-              </a:spcBef>
-              <a:defRPr sz="1300">
-                <a:solidFill>
-                  <a:srgbClr val="333333"/>
-                </a:solidFill>
-              </a:defRPr>
-            </a:pPr>
-            <a:r>
-              <a:t>Health: pod status, readiness, restarts, CrashLoopBackOff, OOMKilled</a:t>
-            </a:r>
-          </a:p>
-          <a:p>
-            <a:pPr>
-              <a:spcBef>
-                <a:spcPts val="400"/>
-              </a:spcBef>
-              <a:defRPr sz="1300">
-                <a:solidFill>
-                  <a:srgbClr val="333333"/>
-                </a:solidFill>
-              </a:defRPr>
-            </a:pPr>
-            <a:r>
-              <a:t>Alert resolution: queries AlertManager for signal resolution</a:t>
-            </a:r>
-          </a:p>
-          <a:p>
-            <a:pPr>
-              <a:spcBef>
-                <a:spcPts val="400"/>
-              </a:spcBef>
-              <a:defRPr sz="1300">
-                <a:solidFill>
-                  <a:srgbClr val="333333"/>
-                </a:solidFill>
-              </a:defRPr>
-            </a:pPr>
-            <a:r>
-              <a:t>Metrics: 5 PromQL queries (CPU, memory, latency p95, error rate, throughput) pre vs post</a:t>
-            </a:r>
-          </a:p>
-          <a:p>
-            <a:pPr>
-              <a:spcBef>
-                <a:spcPts val="400"/>
-              </a:spcBef>
-              <a:defRPr sz="1300">
-                <a:solidFill>
-                  <a:srgbClr val="333333"/>
-                </a:solidFill>
-              </a:defRPr>
-            </a:pPr>
-            <a:r>
-              <a:t>Spec hash: SHA-256 comparison of pre/post remediation target .spec</a:t>
-            </a:r>
-          </a:p>
-        </p:txBody>
-      </p:sp>
-      <p:sp>
-        <p:nvSpPr>
-          <p:cNvPr id="5" name="TextBox 4"/>
+              <a:defRPr sz="1100" i="1">
+                <a:solidFill>
+                  <a:srgbClr val="333333"/>
+                </a:solidFill>
+                <a:latin typeface="Calibri"/>
+              </a:defRPr>
+            </a:pPr>
+            <a:r>
+              <a:t>Assesses whether the remediation actually worked by running four independent checks after a stabilization window, then emitting structured audit events. Closes the feedback loop.</a:t>
+            </a:r>
+          </a:p>
+        </p:txBody>
+      </p:sp>
+      <p:sp>
+        <p:nvSpPr>
+          <p:cNvPr id="4" name="TextBox 3"/>
           <p:cNvSpPr txBox="1"/>
           <p:nvPr/>
         </p:nvSpPr>
         <p:spPr>
           <a:xfrm>
-            <a:off x="6217920" y="1280160"/>
-            <a:ext cx="5303520" cy="5029200"/>
+            <a:off x="457200" y="1325880"/>
+            <a:ext cx="8229600" cy="274320"/>
           </a:xfrm>
           <a:prstGeom prst="rect">
             <a:avLst/>
@@ -9449,104 +9666,171 @@
           <a:lstStyle/>
           <a:p>
             <a:pPr>
-              <a:spcBef>
+              <a:defRPr sz="1000" b="1">
+                <a:solidFill>
+                  <a:srgbClr val="2B579A"/>
+                </a:solidFill>
+                <a:latin typeface="Calibri"/>
+              </a:defRPr>
+            </a:pPr>
+            <a:r>
+              <a:t>Architecture: Kubernetes controller  |  CRD: EffectivenessAssessment</a:t>
+            </a:r>
+          </a:p>
+        </p:txBody>
+      </p:sp>
+      <p:sp>
+        <p:nvSpPr>
+          <p:cNvPr id="5" name="TextBox 4"/>
+          <p:cNvSpPr txBox="1"/>
+          <p:nvPr/>
+        </p:nvSpPr>
+        <p:spPr>
+          <a:xfrm>
+            <a:off x="457200" y="1645920"/>
+            <a:ext cx="8229600" cy="4572000"/>
+          </a:xfrm>
+          <a:prstGeom prst="rect">
+            <a:avLst/>
+          </a:prstGeom>
+          <a:noFill/>
+        </p:spPr>
+        <p:txBody>
+          <a:bodyPr wrap="square">
+            <a:spAutoFit/>
+          </a:bodyPr>
+          <a:lstStyle/>
+          <a:p>
+            <a:pPr>
+              <a:spcAft>
                 <a:spcPts val="400"/>
-              </a:spcBef>
-              <a:defRPr sz="1300">
-                <a:solidFill>
-                  <a:srgbClr val="333333"/>
-                </a:solidFill>
-              </a:defRPr>
-            </a:pPr>
-            <a:r>
-              <a:t>Kind-aware health checks:</a:t>
-            </a:r>
-          </a:p>
-          <a:p>
-            <a:pPr>
-              <a:spcBef>
+              </a:spcAft>
+              <a:defRPr sz="1100">
+                <a:solidFill>
+                  <a:srgbClr val="333333"/>
+                </a:solidFill>
+                <a:latin typeface="Calibri"/>
+              </a:defRPr>
+              <a:buChar char="•"/>
+            </a:pPr>
+            <a:r>
+              <a:t>4 assessment components, each scored 0.0-1.0:</a:t>
+            </a:r>
+          </a:p>
+          <a:p>
+            <a:pPr>
+              <a:spcAft>
                 <a:spcPts val="400"/>
-              </a:spcBef>
-              <a:defRPr sz="1300">
-                <a:solidFill>
-                  <a:srgbClr val="333333"/>
-                </a:solidFill>
-              </a:defRPr>
-            </a:pPr>
-            <a:r>
-              <a:t>  Deployment/RS/SS/DS: label-based pod listing</a:t>
-            </a:r>
-          </a:p>
-          <a:p>
-            <a:pPr>
-              <a:spcBef>
+              </a:spcAft>
+              <a:defRPr sz="1100">
+                <a:solidFill>
+                  <a:srgbClr val="333333"/>
+                </a:solidFill>
+                <a:latin typeface="Calibri"/>
+              </a:defRPr>
+              <a:buChar char="•"/>
+            </a:pPr>
+            <a:r>
+              <a:t>  Health: pod status, readiness, restarts, CrashLoopBackOff, OOMKilled</a:t>
+            </a:r>
+          </a:p>
+          <a:p>
+            <a:pPr>
+              <a:spcAft>
                 <a:spcPts val="400"/>
-              </a:spcBef>
-              <a:defRPr sz="1300">
-                <a:solidFill>
-                  <a:srgbClr val="333333"/>
-                </a:solidFill>
-              </a:defRPr>
-            </a:pPr>
-            <a:r>
-              <a:t>  Pod: direct lookup</a:t>
-            </a:r>
-          </a:p>
-          <a:p>
-            <a:pPr>
-              <a:spcBef>
+              </a:spcAft>
+              <a:defRPr sz="1100">
+                <a:solidFill>
+                  <a:srgbClr val="333333"/>
+                </a:solidFill>
+                <a:latin typeface="Calibri"/>
+              </a:defRPr>
+              <a:buChar char="•"/>
+            </a:pPr>
+            <a:r>
+              <a:t>  Alert resolution: queries AlertManager for signal resolution</a:t>
+            </a:r>
+          </a:p>
+          <a:p>
+            <a:pPr>
+              <a:spcAft>
                 <a:spcPts val="400"/>
-              </a:spcBef>
-              <a:defRPr sz="1300">
-                <a:solidFill>
-                  <a:srgbClr val="333333"/>
-                </a:solidFill>
-              </a:defRPr>
-            </a:pPr>
-            <a:r>
-              <a:t>  ConfigMap/Secret/Node: "not applicable"</a:t>
-            </a:r>
-          </a:p>
-          <a:p>
-            <a:pPr>
-              <a:spcBef>
+              </a:spcAft>
+              <a:defRPr sz="1100">
+                <a:solidFill>
+                  <a:srgbClr val="333333"/>
+                </a:solidFill>
+                <a:latin typeface="Calibri"/>
+              </a:defRPr>
+              <a:buChar char="•"/>
+            </a:pPr>
+            <a:r>
+              <a:t>  Metrics: 5 PromQL queries (CPU, memory, latency p95, error rate, throughput)</a:t>
+            </a:r>
+          </a:p>
+          <a:p>
+            <a:pPr>
+              <a:spcAft>
                 <a:spcPts val="400"/>
-              </a:spcBef>
-              <a:defRPr sz="1300">
-                <a:solidFill>
-                  <a:srgbClr val="333333"/>
-                </a:solidFill>
-              </a:defRPr>
-            </a:pPr>
-            <a:r>
-              <a:t>Stabilization window: configurable wait (default 5m)</a:t>
-            </a:r>
-          </a:p>
-          <a:p>
-            <a:pPr>
-              <a:spcBef>
+              </a:spcAft>
+              <a:defRPr sz="1100">
+                <a:solidFill>
+                  <a:srgbClr val="333333"/>
+                </a:solidFill>
+                <a:latin typeface="Calibri"/>
+              </a:defRPr>
+              <a:buChar char="•"/>
+            </a:pPr>
+            <a:r>
+              <a:t>  Spec hash: SHA-256 comparison of pre/post target .spec</a:t>
+            </a:r>
+          </a:p>
+          <a:p>
+            <a:pPr>
+              <a:spcAft>
                 <a:spcPts val="400"/>
-              </a:spcBef>
-              <a:defRPr sz="1300">
-                <a:solidFill>
-                  <a:srgbClr val="333333"/>
-                </a:solidFill>
-              </a:defRPr>
-            </a:pPr>
-            <a:r>
-              <a:t>Validity window: max time to complete (default 30m)</a:t>
-            </a:r>
-          </a:p>
-          <a:p>
-            <a:pPr>
-              <a:spcBef>
+              </a:spcAft>
+              <a:defRPr sz="1100">
+                <a:solidFill>
+                  <a:srgbClr val="333333"/>
+                </a:solidFill>
+                <a:latin typeface="Calibri"/>
+              </a:defRPr>
+              <a:buChar char="•"/>
+            </a:pPr>
+            <a:r>
+              <a:t>Kind-aware health: Deployment/RS/SS/DS -&gt; label-based pod listing; Pod -&gt; direct; others -&gt; N/A</a:t>
+            </a:r>
+          </a:p>
+          <a:p>
+            <a:pPr>
+              <a:spcAft>
                 <a:spcPts val="400"/>
-              </a:spcBef>
-              <a:defRPr sz="1300">
-                <a:solidFill>
-                  <a:srgbClr val="333333"/>
-                </a:solidFill>
-              </a:defRPr>
+              </a:spcAft>
+              <a:defRPr sz="1100">
+                <a:solidFill>
+                  <a:srgbClr val="333333"/>
+                </a:solidFill>
+                <a:latin typeface="Calibri"/>
+              </a:defRPr>
+              <a:buChar char="•"/>
+            </a:pPr>
+            <a:r>
+              <a:t>Stabilization window (default 5m) + validity window (default 30m)</a:t>
+            </a:r>
+          </a:p>
+          <a:p>
+            <a:pPr>
+              <a:spcAft>
+                <a:spcPts val="400"/>
+              </a:spcAft>
+              <a:defRPr sz="1100">
+                <a:solidFill>
+                  <a:srgbClr val="333333"/>
+                </a:solidFill>
+                <a:latin typeface="Calibri"/>
+              </a:defRPr>
+              <a:buChar char="•"/>
             </a:pPr>
             <a:r>
               <a:t>Spec drift guard: invalidates if target changes during assessment</a:t>
@@ -9554,29 +9838,33 @@
           </a:p>
           <a:p>
             <a:pPr>
-              <a:spcBef>
+              <a:spcAft>
                 <a:spcPts val="400"/>
-              </a:spcBef>
-              <a:defRPr sz="1300">
-                <a:solidFill>
-                  <a:srgbClr val="333333"/>
-                </a:solidFill>
-              </a:defRPr>
-            </a:pPr>
-            <a:r>
-              <a:t>Assessment reasons: full, partial, no_execution, expired, spec_drift</a:t>
-            </a:r>
-          </a:p>
-          <a:p>
-            <a:pPr>
-              <a:spcBef>
+              </a:spcAft>
+              <a:defRPr sz="1100">
+                <a:solidFill>
+                  <a:srgbClr val="333333"/>
+                </a:solidFill>
+                <a:latin typeface="Calibri"/>
+              </a:defRPr>
+              <a:buChar char="•"/>
+            </a:pPr>
+            <a:r>
+              <a:t>Assessment reasons: full, partial, no_execution, expired, spec_drift, metrics_timed_out</a:t>
+            </a:r>
+          </a:p>
+          <a:p>
+            <a:pPr>
+              <a:spcAft>
                 <a:spcPts val="400"/>
-              </a:spcBef>
-              <a:defRPr sz="1300">
-                <a:solidFill>
-                  <a:srgbClr val="333333"/>
-                </a:solidFill>
-              </a:defRPr>
+              </a:spcAft>
+              <a:defRPr sz="1100">
+                <a:solidFill>
+                  <a:srgbClr val="333333"/>
+                </a:solidFill>
+                <a:latin typeface="Calibri"/>
+              </a:defRPr>
+              <a:buChar char="•"/>
             </a:pPr>
             <a:r>
               <a:t>5 typed audit events emitted to DataStorage</a:t>
